--- a/swift基礎訓練6堂課/第3堂集合物件/集合物件.pptx
+++ b/swift基礎訓練6堂課/第3堂集合物件/集合物件.pptx
@@ -32858,8 +32858,8 @@
         </p:nvSpPr>
         <p:spPr>
           <a:xfrm>
-            <a:off x="576953" y="1583053"/>
-            <a:ext cx="5171906" cy="383541"/>
+            <a:off x="595662" y="1480543"/>
+            <a:ext cx="4683606" cy="509665"/>
           </a:xfrm>
           <a:prstGeom prst="rect">
             <a:avLst/>
@@ -32879,9 +32879,9 @@
           </a:bodyPr>
           <a:lstStyle/>
           <a:p>
-            <a:pPr marL="457200" indent="-317500" defTabSz="457200">
+            <a:pPr marL="527755" indent="-388055" defTabSz="457200">
               <a:lnSpc>
-                <a:spcPts val="2300"/>
+                <a:spcPts val="1700"/>
               </a:lnSpc>
               <a:spcBef>
                 <a:spcPts val="0"/>
@@ -32892,14 +32892,14 @@
               <a:buSzPct val="100000"/>
               <a:buFont typeface="Menlo"/>
               <a:buChar char="•"/>
-              <a:defRPr b="0" sz="900">
-                <a:solidFill>
-                  <a:srgbClr val="3F6E74"/>
-                </a:solidFill>
-                <a:latin typeface="Menlo"/>
-                <a:ea typeface="Menlo"/>
-                <a:cs typeface="Menlo"/>
-                <a:sym typeface="Menlo"/>
+              <a:defRPr b="0" sz="1100">
+                <a:solidFill>
+                  <a:srgbClr val="5C2699"/>
+                </a:solidFill>
+                <a:latin typeface="Arial"/>
+                <a:ea typeface="Arial"/>
+                <a:cs typeface="Arial"/>
+                <a:sym typeface="Arial"/>
               </a:defRPr>
             </a:pPr>
             <a:r>
@@ -32930,11 +32930,6 @@
               <a:t>: </a:t>
             </a:r>
             <a:r>
-              <a:rPr>
-                <a:solidFill>
-                  <a:srgbClr val="5C2699"/>
-                </a:solidFill>
-              </a:rPr>
               <a:t>Set</a:t>
             </a:r>
             <a:r>
@@ -32946,11 +32941,6 @@
               <a:t>&lt;</a:t>
             </a:r>
             <a:r>
-              <a:rPr>
-                <a:solidFill>
-                  <a:srgbClr val="5C2699"/>
-                </a:solidFill>
-              </a:rPr>
               <a:t>String</a:t>
             </a:r>
             <a:r>
@@ -33016,9 +33006,9 @@
             </a:endParaRPr>
           </a:p>
           <a:p>
-            <a:pPr marL="457200" indent="-317500" defTabSz="457200">
+            <a:pPr marL="527755" indent="-388055" defTabSz="457200">
               <a:lnSpc>
-                <a:spcPts val="2300"/>
+                <a:spcPts val="1700"/>
               </a:lnSpc>
               <a:spcBef>
                 <a:spcPts val="0"/>
@@ -33029,14 +33019,14 @@
               <a:buSzPct val="100000"/>
               <a:buFont typeface="Menlo"/>
               <a:buChar char="•"/>
-              <a:defRPr b="0" sz="900">
-                <a:solidFill>
-                  <a:srgbClr val="007400"/>
-                </a:solidFill>
-                <a:latin typeface="Menlo"/>
-                <a:ea typeface="Menlo"/>
-                <a:cs typeface="Menlo"/>
-                <a:sym typeface="Menlo"/>
+              <a:defRPr b="0" sz="1100">
+                <a:solidFill>
+                  <a:srgbClr val="5C2699"/>
+                </a:solidFill>
+                <a:latin typeface="Arial"/>
+                <a:ea typeface="Arial"/>
+                <a:cs typeface="Arial"/>
+                <a:sym typeface="Arial"/>
               </a:defRPr>
             </a:pPr>
             <a:r>
@@ -33094,8 +33084,8 @@
         </p:nvSpPr>
         <p:spPr>
           <a:xfrm>
-            <a:off x="576953" y="2923858"/>
-            <a:ext cx="4896649" cy="383541"/>
+            <a:off x="590985" y="2923858"/>
+            <a:ext cx="4388039" cy="509665"/>
           </a:xfrm>
           <a:prstGeom prst="rect">
             <a:avLst/>
@@ -33115,9 +33105,9 @@
           </a:bodyPr>
           <a:lstStyle/>
           <a:p>
-            <a:pPr marL="457200" indent="-317500" defTabSz="457200">
+            <a:pPr marL="527755" indent="-388055" defTabSz="457200">
               <a:lnSpc>
-                <a:spcPts val="2300"/>
+                <a:spcPts val="1700"/>
               </a:lnSpc>
               <a:spcBef>
                 <a:spcPts val="0"/>
@@ -33128,14 +33118,14 @@
               <a:buSzPct val="100000"/>
               <a:buFont typeface="Menlo"/>
               <a:buChar char="•"/>
-              <a:defRPr b="0" sz="900">
-                <a:solidFill>
-                  <a:srgbClr val="C41A16"/>
-                </a:solidFill>
-                <a:latin typeface="Menlo"/>
-                <a:ea typeface="Menlo"/>
-                <a:cs typeface="Menlo"/>
-                <a:sym typeface="Menlo"/>
+              <a:defRPr b="0" sz="1100">
+                <a:solidFill>
+                  <a:srgbClr val="5C2699"/>
+                </a:solidFill>
+                <a:latin typeface="Arial"/>
+                <a:ea typeface="Arial"/>
+                <a:cs typeface="Arial"/>
+                <a:sym typeface="Arial"/>
               </a:defRPr>
             </a:pPr>
             <a:r>
@@ -33215,9 +33205,9 @@
             </a:endParaRPr>
           </a:p>
           <a:p>
-            <a:pPr marL="457200" indent="-317500" defTabSz="457200">
+            <a:pPr marL="527755" indent="-388055" defTabSz="457200">
               <a:lnSpc>
-                <a:spcPts val="2300"/>
+                <a:spcPts val="1700"/>
               </a:lnSpc>
               <a:spcBef>
                 <a:spcPts val="0"/>
@@ -33228,14 +33218,14 @@
               <a:buSzPct val="100000"/>
               <a:buFont typeface="Menlo"/>
               <a:buChar char="•"/>
-              <a:defRPr b="0" sz="900">
-                <a:solidFill>
-                  <a:srgbClr val="007400"/>
-                </a:solidFill>
-                <a:latin typeface="Menlo"/>
-                <a:ea typeface="Menlo"/>
-                <a:cs typeface="Menlo"/>
-                <a:sym typeface="Menlo"/>
+              <a:defRPr b="0" sz="1100">
+                <a:solidFill>
+                  <a:srgbClr val="5C2699"/>
+                </a:solidFill>
+                <a:latin typeface="Arial"/>
+                <a:ea typeface="Arial"/>
+                <a:cs typeface="Arial"/>
+                <a:sym typeface="Arial"/>
               </a:defRPr>
             </a:pPr>
             <a:r>
@@ -33252,8 +33242,8 @@
         </p:nvSpPr>
         <p:spPr>
           <a:xfrm>
-            <a:off x="1007259" y="2097721"/>
-            <a:ext cx="4095376" cy="218441"/>
+            <a:off x="1142999" y="2075647"/>
+            <a:ext cx="3588932" cy="293765"/>
           </a:xfrm>
           <a:prstGeom prst="rect">
             <a:avLst/>
@@ -33275,19 +33265,19 @@
           <a:p>
             <a:pPr defTabSz="457200">
               <a:lnSpc>
-                <a:spcPts val="2300"/>
+                <a:spcPts val="1700"/>
               </a:lnSpc>
               <a:spcBef>
                 <a:spcPts val="0"/>
               </a:spcBef>
-              <a:defRPr b="0" sz="900">
-                <a:solidFill>
-                  <a:srgbClr val="3F6E74"/>
-                </a:solidFill>
-                <a:latin typeface="Menlo"/>
-                <a:ea typeface="Menlo"/>
-                <a:cs typeface="Menlo"/>
-                <a:sym typeface="Menlo"/>
+              <a:defRPr b="0" sz="1100">
+                <a:solidFill>
+                  <a:srgbClr val="5C2699"/>
+                </a:solidFill>
+                <a:latin typeface="Arial"/>
+                <a:ea typeface="Arial"/>
+                <a:cs typeface="Arial"/>
+                <a:sym typeface="Arial"/>
               </a:defRPr>
             </a:pPr>
             <a:r>
@@ -33318,11 +33308,6 @@
               <a:t>: </a:t>
             </a:r>
             <a:r>
-              <a:rPr>
-                <a:solidFill>
-                  <a:srgbClr val="5C2699"/>
-                </a:solidFill>
-              </a:rPr>
               <a:t>Set</a:t>
             </a:r>
             <a:r>
@@ -33433,8 +33418,8 @@
         </p:nvSpPr>
         <p:spPr>
           <a:xfrm>
-            <a:off x="600339" y="3493567"/>
-            <a:ext cx="4002061" cy="1209041"/>
+            <a:off x="567599" y="3454580"/>
+            <a:ext cx="3502840" cy="1373266"/>
           </a:xfrm>
           <a:prstGeom prst="rect">
             <a:avLst/>
@@ -33454,9 +33439,9 @@
           </a:bodyPr>
           <a:lstStyle/>
           <a:p>
-            <a:pPr marL="457200" indent="-317500" defTabSz="457200">
+            <a:pPr marL="527755" indent="-388055" defTabSz="457200">
               <a:lnSpc>
-                <a:spcPts val="2300"/>
+                <a:spcPts val="1700"/>
               </a:lnSpc>
               <a:spcBef>
                 <a:spcPts val="0"/>
@@ -33467,14 +33452,14 @@
               <a:buSzPct val="100000"/>
               <a:buFont typeface="Menlo"/>
               <a:buChar char="•"/>
-              <a:defRPr b="0" sz="900">
-                <a:solidFill>
-                  <a:srgbClr val="3F6E74"/>
-                </a:solidFill>
-                <a:latin typeface="Menlo"/>
-                <a:ea typeface="Menlo"/>
-                <a:cs typeface="Menlo"/>
-                <a:sym typeface="Menlo"/>
+              <a:defRPr b="0" sz="1100">
+                <a:solidFill>
+                  <a:srgbClr val="5C2699"/>
+                </a:solidFill>
+                <a:latin typeface="Arial"/>
+                <a:ea typeface="Arial"/>
+                <a:cs typeface="Arial"/>
+                <a:sym typeface="Arial"/>
               </a:defRPr>
             </a:pPr>
             <a:r>
@@ -33522,9 +33507,9 @@
             </a:endParaRPr>
           </a:p>
           <a:p>
-            <a:pPr marL="457200" indent="-317500" defTabSz="457200">
+            <a:pPr marL="527755" indent="-388055" defTabSz="457200">
               <a:lnSpc>
-                <a:spcPts val="2300"/>
+                <a:spcPts val="1700"/>
               </a:lnSpc>
               <a:spcBef>
                 <a:spcPts val="0"/>
@@ -33535,14 +33520,14 @@
               <a:buSzPct val="100000"/>
               <a:buFont typeface="Menlo"/>
               <a:buChar char="•"/>
-              <a:defRPr b="0" sz="900">
-                <a:solidFill>
-                  <a:srgbClr val="C41A16"/>
-                </a:solidFill>
-                <a:latin typeface="Menlo"/>
-                <a:ea typeface="Menlo"/>
-                <a:cs typeface="Menlo"/>
-                <a:sym typeface="Menlo"/>
+              <a:defRPr b="0" sz="1100">
+                <a:solidFill>
+                  <a:srgbClr val="5C2699"/>
+                </a:solidFill>
+                <a:latin typeface="Arial"/>
+                <a:ea typeface="Arial"/>
+                <a:cs typeface="Arial"/>
+                <a:sym typeface="Arial"/>
               </a:defRPr>
             </a:pPr>
             <a:r>
@@ -33587,9 +33572,9 @@
             </a:endParaRPr>
           </a:p>
           <a:p>
-            <a:pPr marL="457200" indent="-317500" defTabSz="457200">
+            <a:pPr marL="527755" indent="-388055" defTabSz="457200">
               <a:lnSpc>
-                <a:spcPts val="2300"/>
+                <a:spcPts val="1700"/>
               </a:lnSpc>
               <a:spcBef>
                 <a:spcPts val="0"/>
@@ -33600,14 +33585,14 @@
               <a:buSzPct val="100000"/>
               <a:buFont typeface="Menlo"/>
               <a:buChar char="•"/>
-              <a:defRPr b="0" sz="900">
-                <a:solidFill>
-                  <a:srgbClr val="333333"/>
-                </a:solidFill>
-                <a:latin typeface="Menlo"/>
-                <a:ea typeface="Menlo"/>
-                <a:cs typeface="Menlo"/>
-                <a:sym typeface="Menlo"/>
+              <a:defRPr b="0" sz="1100">
+                <a:solidFill>
+                  <a:srgbClr val="5C2699"/>
+                </a:solidFill>
+                <a:latin typeface="Arial"/>
+                <a:ea typeface="Arial"/>
+                <a:cs typeface="Arial"/>
+                <a:sym typeface="Arial"/>
               </a:defRPr>
             </a:pPr>
             <a:r>
@@ -33626,9 +33611,9 @@
             </a:r>
           </a:p>
           <a:p>
-            <a:pPr marL="457200" indent="-317500" defTabSz="457200">
+            <a:pPr marL="527755" indent="-388055" defTabSz="457200">
               <a:lnSpc>
-                <a:spcPts val="2300"/>
+                <a:spcPts val="1700"/>
               </a:lnSpc>
               <a:spcBef>
                 <a:spcPts val="0"/>
@@ -33639,14 +33624,14 @@
               <a:buSzPct val="100000"/>
               <a:buFont typeface="Menlo"/>
               <a:buChar char="•"/>
-              <a:defRPr b="0" sz="900">
-                <a:solidFill>
-                  <a:srgbClr val="C41A16"/>
-                </a:solidFill>
-                <a:latin typeface="Menlo"/>
-                <a:ea typeface="Menlo"/>
-                <a:cs typeface="Menlo"/>
-                <a:sym typeface="Menlo"/>
+              <a:defRPr b="0" sz="1100">
+                <a:solidFill>
+                  <a:srgbClr val="5C2699"/>
+                </a:solidFill>
+                <a:latin typeface="Arial"/>
+                <a:ea typeface="Arial"/>
+                <a:cs typeface="Arial"/>
+                <a:sym typeface="Arial"/>
               </a:defRPr>
             </a:pPr>
             <a:r>
@@ -33691,9 +33676,9 @@
             </a:endParaRPr>
           </a:p>
           <a:p>
-            <a:pPr marL="457200" indent="-317500" defTabSz="457200">
+            <a:pPr marL="527755" indent="-388055" defTabSz="457200">
               <a:lnSpc>
-                <a:spcPts val="2300"/>
+                <a:spcPts val="1700"/>
               </a:lnSpc>
               <a:spcBef>
                 <a:spcPts val="0"/>
@@ -33704,14 +33689,14 @@
               <a:buSzPct val="100000"/>
               <a:buFont typeface="Menlo"/>
               <a:buChar char="•"/>
-              <a:defRPr b="0" sz="900">
-                <a:solidFill>
-                  <a:srgbClr val="333333"/>
-                </a:solidFill>
-                <a:latin typeface="Menlo"/>
-                <a:ea typeface="Menlo"/>
-                <a:cs typeface="Menlo"/>
-                <a:sym typeface="Menlo"/>
+              <a:defRPr b="0" sz="1100">
+                <a:solidFill>
+                  <a:srgbClr val="5C2699"/>
+                </a:solidFill>
+                <a:latin typeface="Arial"/>
+                <a:ea typeface="Arial"/>
+                <a:cs typeface="Arial"/>
+                <a:sym typeface="Arial"/>
               </a:defRPr>
             </a:pPr>
             <a:r>
@@ -33719,9 +33704,9 @@
             </a:r>
           </a:p>
           <a:p>
-            <a:pPr marL="457200" indent="-317500" defTabSz="457200">
+            <a:pPr marL="527755" indent="-388055" defTabSz="457200">
               <a:lnSpc>
-                <a:spcPts val="2300"/>
+                <a:spcPts val="1700"/>
               </a:lnSpc>
               <a:spcBef>
                 <a:spcPts val="0"/>
@@ -33732,24 +33717,19 @@
               <a:buSzPct val="100000"/>
               <a:buFont typeface="Menlo"/>
               <a:buChar char="•"/>
-              <a:defRPr b="0" sz="900">
-                <a:solidFill>
-                  <a:srgbClr val="007400"/>
-                </a:solidFill>
-                <a:latin typeface="Menlo"/>
-                <a:ea typeface="Menlo"/>
-                <a:cs typeface="Menlo"/>
-                <a:sym typeface="Menlo"/>
+              <a:defRPr b="0" sz="1100">
+                <a:solidFill>
+                  <a:srgbClr val="5C2699"/>
+                </a:solidFill>
+                <a:latin typeface="Arial"/>
+                <a:ea typeface="Arial"/>
+                <a:cs typeface="Arial"/>
+                <a:sym typeface="Arial"/>
               </a:defRPr>
             </a:pPr>
             <a:r>
               <a:t>// Prints "I have particular music preferences."</a:t>
             </a:r>
-            <a:endParaRPr>
-              <a:solidFill>
-                <a:srgbClr val="333333"/>
-              </a:solidFill>
-            </a:endParaRPr>
           </a:p>
         </p:txBody>
       </p:sp>
@@ -33893,7 +33873,7 @@
         <p:spPr>
           <a:xfrm>
             <a:off x="609694" y="1455733"/>
-            <a:ext cx="3176288" cy="396241"/>
+            <a:ext cx="3007888" cy="509666"/>
           </a:xfrm>
           <a:prstGeom prst="rect">
             <a:avLst/>
@@ -33913,9 +33893,9 @@
           </a:bodyPr>
           <a:lstStyle/>
           <a:p>
-            <a:pPr marL="457200" indent="-317500" defTabSz="457200">
+            <a:pPr marL="527755" indent="-388055" defTabSz="457200">
               <a:lnSpc>
-                <a:spcPts val="2400"/>
+                <a:spcPts val="1700"/>
               </a:lnSpc>
               <a:spcBef>
                 <a:spcPts val="0"/>
@@ -33926,14 +33906,14 @@
               <a:buSzPct val="100000"/>
               <a:buFont typeface="Menlo"/>
               <a:buChar char="•"/>
-              <a:defRPr b="0" sz="900">
-                <a:solidFill>
-                  <a:srgbClr val="3F6E74"/>
-                </a:solidFill>
-                <a:latin typeface="Menlo"/>
-                <a:ea typeface="Menlo"/>
-                <a:cs typeface="Menlo"/>
-                <a:sym typeface="Menlo"/>
+              <a:defRPr b="0" sz="1100">
+                <a:solidFill>
+                  <a:srgbClr val="5C2699"/>
+                </a:solidFill>
+                <a:latin typeface="Arial"/>
+                <a:ea typeface="Arial"/>
+                <a:cs typeface="Arial"/>
+                <a:sym typeface="Arial"/>
               </a:defRPr>
             </a:pPr>
             <a:r>
@@ -33981,9 +33961,9 @@
             </a:endParaRPr>
           </a:p>
           <a:p>
-            <a:pPr marL="457200" indent="-317500" defTabSz="457200">
+            <a:pPr marL="527755" indent="-388055" defTabSz="457200">
               <a:lnSpc>
-                <a:spcPts val="2400"/>
+                <a:spcPts val="1700"/>
               </a:lnSpc>
               <a:spcBef>
                 <a:spcPts val="0"/>
@@ -33994,14 +33974,14 @@
               <a:buSzPct val="100000"/>
               <a:buFont typeface="Menlo"/>
               <a:buChar char="•"/>
-              <a:defRPr b="0" sz="900">
-                <a:solidFill>
-                  <a:srgbClr val="007400"/>
-                </a:solidFill>
-                <a:latin typeface="Menlo"/>
-                <a:ea typeface="Menlo"/>
-                <a:cs typeface="Menlo"/>
-                <a:sym typeface="Menlo"/>
+              <a:defRPr b="0" sz="1100">
+                <a:solidFill>
+                  <a:srgbClr val="5C2699"/>
+                </a:solidFill>
+                <a:latin typeface="Arial"/>
+                <a:ea typeface="Arial"/>
+                <a:cs typeface="Arial"/>
+                <a:sym typeface="Arial"/>
               </a:defRPr>
             </a:pPr>
             <a:r>
@@ -34059,8 +34039,8 @@
         </p:nvSpPr>
         <p:spPr>
           <a:xfrm>
-            <a:off x="590985" y="2049779"/>
-            <a:ext cx="4277319" cy="1043941"/>
+            <a:off x="595662" y="2024402"/>
+            <a:ext cx="4073578" cy="1373265"/>
           </a:xfrm>
           <a:prstGeom prst="rect">
             <a:avLst/>
@@ -34080,9 +34060,9 @@
           </a:bodyPr>
           <a:lstStyle/>
           <a:p>
-            <a:pPr marL="457200" indent="-317500" defTabSz="457200">
+            <a:pPr marL="527755" indent="-388055" defTabSz="457200">
               <a:lnSpc>
-                <a:spcPts val="2300"/>
+                <a:spcPts val="1700"/>
               </a:lnSpc>
               <a:spcBef>
                 <a:spcPts val="0"/>
@@ -34093,14 +34073,14 @@
               <a:buSzPct val="100000"/>
               <a:buFont typeface="Menlo"/>
               <a:buChar char="•"/>
-              <a:defRPr b="0" sz="900">
-                <a:solidFill>
-                  <a:srgbClr val="3F6E74"/>
-                </a:solidFill>
-                <a:latin typeface="Menlo"/>
-                <a:ea typeface="Menlo"/>
-                <a:cs typeface="Menlo"/>
-                <a:sym typeface="Menlo"/>
+              <a:defRPr b="0" sz="1100">
+                <a:solidFill>
+                  <a:srgbClr val="5C2699"/>
+                </a:solidFill>
+                <a:latin typeface="Arial"/>
+                <a:ea typeface="Arial"/>
+                <a:cs typeface="Arial"/>
+                <a:sym typeface="Arial"/>
               </a:defRPr>
             </a:pPr>
             <a:r>
@@ -34191,9 +34171,9 @@
             </a:endParaRPr>
           </a:p>
           <a:p>
-            <a:pPr marL="457200" indent="-317500" defTabSz="457200">
+            <a:pPr marL="527755" indent="-388055" defTabSz="457200">
               <a:lnSpc>
-                <a:spcPts val="2300"/>
+                <a:spcPts val="1700"/>
               </a:lnSpc>
               <a:spcBef>
                 <a:spcPts val="0"/>
@@ -34204,14 +34184,14 @@
               <a:buSzPct val="100000"/>
               <a:buFont typeface="Menlo"/>
               <a:buChar char="•"/>
-              <a:defRPr b="0" sz="900">
-                <a:solidFill>
-                  <a:srgbClr val="C41A16"/>
-                </a:solidFill>
-                <a:latin typeface="Menlo"/>
-                <a:ea typeface="Menlo"/>
-                <a:cs typeface="Menlo"/>
-                <a:sym typeface="Menlo"/>
+              <a:defRPr b="0" sz="1100">
+                <a:solidFill>
+                  <a:srgbClr val="5C2699"/>
+                </a:solidFill>
+                <a:latin typeface="Arial"/>
+                <a:ea typeface="Arial"/>
+                <a:cs typeface="Arial"/>
+                <a:sym typeface="Arial"/>
               </a:defRPr>
             </a:pPr>
             <a:r>
@@ -34283,9 +34263,9 @@
             </a:endParaRPr>
           </a:p>
           <a:p>
-            <a:pPr marL="457200" indent="-317500" defTabSz="457200">
+            <a:pPr marL="527755" indent="-388055" defTabSz="457200">
               <a:lnSpc>
-                <a:spcPts val="2300"/>
+                <a:spcPts val="1700"/>
               </a:lnSpc>
               <a:spcBef>
                 <a:spcPts val="0"/>
@@ -34296,14 +34276,14 @@
               <a:buSzPct val="100000"/>
               <a:buFont typeface="Menlo"/>
               <a:buChar char="•"/>
-              <a:defRPr b="0" sz="900">
-                <a:solidFill>
-                  <a:srgbClr val="333333"/>
-                </a:solidFill>
-                <a:latin typeface="Menlo"/>
-                <a:ea typeface="Menlo"/>
-                <a:cs typeface="Menlo"/>
-                <a:sym typeface="Menlo"/>
+              <a:defRPr b="0" sz="1100">
+                <a:solidFill>
+                  <a:srgbClr val="5C2699"/>
+                </a:solidFill>
+                <a:latin typeface="Arial"/>
+                <a:ea typeface="Arial"/>
+                <a:cs typeface="Arial"/>
+                <a:sym typeface="Arial"/>
               </a:defRPr>
             </a:pPr>
             <a:r>
@@ -34322,9 +34302,9 @@
             </a:r>
           </a:p>
           <a:p>
-            <a:pPr marL="457200" indent="-317500" defTabSz="457200">
+            <a:pPr marL="527755" indent="-388055" defTabSz="457200">
               <a:lnSpc>
-                <a:spcPts val="2300"/>
+                <a:spcPts val="1700"/>
               </a:lnSpc>
               <a:spcBef>
                 <a:spcPts val="0"/>
@@ -34335,14 +34315,14 @@
               <a:buSzPct val="100000"/>
               <a:buFont typeface="Menlo"/>
               <a:buChar char="•"/>
-              <a:defRPr b="0" sz="900">
-                <a:solidFill>
-                  <a:srgbClr val="C41A16"/>
-                </a:solidFill>
-                <a:latin typeface="Menlo"/>
-                <a:ea typeface="Menlo"/>
-                <a:cs typeface="Menlo"/>
-                <a:sym typeface="Menlo"/>
+              <a:defRPr b="0" sz="1100">
+                <a:solidFill>
+                  <a:srgbClr val="5C2699"/>
+                </a:solidFill>
+                <a:latin typeface="Arial"/>
+                <a:ea typeface="Arial"/>
+                <a:cs typeface="Arial"/>
+                <a:sym typeface="Arial"/>
               </a:defRPr>
             </a:pPr>
             <a:r>
@@ -34387,9 +34367,9 @@
             </a:endParaRPr>
           </a:p>
           <a:p>
-            <a:pPr marL="457200" indent="-317500" defTabSz="457200">
+            <a:pPr marL="527755" indent="-388055" defTabSz="457200">
               <a:lnSpc>
-                <a:spcPts val="2300"/>
+                <a:spcPts val="1700"/>
               </a:lnSpc>
               <a:spcBef>
                 <a:spcPts val="0"/>
@@ -34400,14 +34380,14 @@
               <a:buSzPct val="100000"/>
               <a:buFont typeface="Menlo"/>
               <a:buChar char="•"/>
-              <a:defRPr b="0" sz="900">
-                <a:solidFill>
-                  <a:srgbClr val="333333"/>
-                </a:solidFill>
-                <a:latin typeface="Menlo"/>
-                <a:ea typeface="Menlo"/>
-                <a:cs typeface="Menlo"/>
-                <a:sym typeface="Menlo"/>
+              <a:defRPr b="0" sz="1100">
+                <a:solidFill>
+                  <a:srgbClr val="5C2699"/>
+                </a:solidFill>
+                <a:latin typeface="Arial"/>
+                <a:ea typeface="Arial"/>
+                <a:cs typeface="Arial"/>
+                <a:sym typeface="Arial"/>
               </a:defRPr>
             </a:pPr>
             <a:r>
@@ -34415,9 +34395,9 @@
             </a:r>
           </a:p>
           <a:p>
-            <a:pPr marL="457200" indent="-317500" defTabSz="457200">
+            <a:pPr marL="527755" indent="-388055" defTabSz="457200">
               <a:lnSpc>
-                <a:spcPts val="2300"/>
+                <a:spcPts val="1700"/>
               </a:lnSpc>
               <a:spcBef>
                 <a:spcPts val="0"/>
@@ -34428,14 +34408,14 @@
               <a:buSzPct val="100000"/>
               <a:buFont typeface="Menlo"/>
               <a:buChar char="•"/>
-              <a:defRPr b="0" sz="900">
-                <a:solidFill>
-                  <a:srgbClr val="007400"/>
-                </a:solidFill>
-                <a:latin typeface="Menlo"/>
-                <a:ea typeface="Menlo"/>
-                <a:cs typeface="Menlo"/>
-                <a:sym typeface="Menlo"/>
+              <a:defRPr b="0" sz="1100">
+                <a:solidFill>
+                  <a:srgbClr val="5C2699"/>
+                </a:solidFill>
+                <a:latin typeface="Arial"/>
+                <a:ea typeface="Arial"/>
+                <a:cs typeface="Arial"/>
+                <a:sym typeface="Arial"/>
               </a:defRPr>
             </a:pPr>
             <a:r>
@@ -34452,8 +34432,8 @@
         </p:nvSpPr>
         <p:spPr>
           <a:xfrm>
-            <a:off x="605016" y="3413134"/>
-            <a:ext cx="3313918" cy="1107441"/>
+            <a:off x="600339" y="3455229"/>
+            <a:ext cx="2843427" cy="1373265"/>
           </a:xfrm>
           <a:prstGeom prst="rect">
             <a:avLst/>
@@ -34473,9 +34453,9 @@
           </a:bodyPr>
           <a:lstStyle/>
           <a:p>
-            <a:pPr marL="457200" indent="-317500" defTabSz="457200">
+            <a:pPr marL="527755" indent="-388055" defTabSz="457200">
               <a:lnSpc>
-                <a:spcPts val="2400"/>
+                <a:spcPts val="1700"/>
               </a:lnSpc>
               <a:spcBef>
                 <a:spcPts val="0"/>
@@ -34486,14 +34466,14 @@
               <a:buSzPct val="100000"/>
               <a:buFont typeface="Menlo"/>
               <a:buChar char="•"/>
-              <a:defRPr b="0" sz="900">
-                <a:solidFill>
-                  <a:srgbClr val="3F6E74"/>
-                </a:solidFill>
-                <a:latin typeface="Menlo"/>
-                <a:ea typeface="Menlo"/>
-                <a:cs typeface="Menlo"/>
-                <a:sym typeface="Menlo"/>
+              <a:defRPr b="0" sz="1100">
+                <a:solidFill>
+                  <a:srgbClr val="5C2699"/>
+                </a:solidFill>
+                <a:latin typeface="Arial"/>
+                <a:ea typeface="Arial"/>
+                <a:cs typeface="Arial"/>
+                <a:sym typeface="Arial"/>
               </a:defRPr>
             </a:pPr>
             <a:r>
@@ -34557,9 +34537,9 @@
             </a:endParaRPr>
           </a:p>
           <a:p>
-            <a:pPr marL="457200" indent="-317500" defTabSz="457200">
+            <a:pPr marL="527755" indent="-388055" defTabSz="457200">
               <a:lnSpc>
-                <a:spcPts val="2400"/>
+                <a:spcPts val="1700"/>
               </a:lnSpc>
               <a:spcBef>
                 <a:spcPts val="0"/>
@@ -34570,14 +34550,14 @@
               <a:buSzPct val="100000"/>
               <a:buFont typeface="Menlo"/>
               <a:buChar char="•"/>
-              <a:defRPr b="0" sz="900">
-                <a:solidFill>
-                  <a:srgbClr val="C41A16"/>
-                </a:solidFill>
-                <a:latin typeface="Menlo"/>
-                <a:ea typeface="Menlo"/>
-                <a:cs typeface="Menlo"/>
-                <a:sym typeface="Menlo"/>
+              <a:defRPr b="0" sz="1100">
+                <a:solidFill>
+                  <a:srgbClr val="5C2699"/>
+                </a:solidFill>
+                <a:latin typeface="Arial"/>
+                <a:ea typeface="Arial"/>
+                <a:cs typeface="Arial"/>
+                <a:sym typeface="Arial"/>
               </a:defRPr>
             </a:pPr>
             <a:r>
@@ -34622,9 +34602,9 @@
             </a:endParaRPr>
           </a:p>
           <a:p>
-            <a:pPr marL="457200" indent="-317500" defTabSz="457200">
+            <a:pPr marL="527755" indent="-388055" defTabSz="457200">
               <a:lnSpc>
-                <a:spcPts val="2400"/>
+                <a:spcPts val="1700"/>
               </a:lnSpc>
               <a:spcBef>
                 <a:spcPts val="0"/>
@@ -34635,14 +34615,14 @@
               <a:buSzPct val="100000"/>
               <a:buFont typeface="Menlo"/>
               <a:buChar char="•"/>
-              <a:defRPr b="0" sz="900">
-                <a:solidFill>
-                  <a:srgbClr val="333333"/>
-                </a:solidFill>
-                <a:latin typeface="Menlo"/>
-                <a:ea typeface="Menlo"/>
-                <a:cs typeface="Menlo"/>
-                <a:sym typeface="Menlo"/>
+              <a:defRPr b="0" sz="1100">
+                <a:solidFill>
+                  <a:srgbClr val="5C2699"/>
+                </a:solidFill>
+                <a:latin typeface="Arial"/>
+                <a:ea typeface="Arial"/>
+                <a:cs typeface="Arial"/>
+                <a:sym typeface="Arial"/>
               </a:defRPr>
             </a:pPr>
             <a:r>
@@ -34661,9 +34641,9 @@
             </a:r>
           </a:p>
           <a:p>
-            <a:pPr marL="457200" indent="-317500" defTabSz="457200">
+            <a:pPr marL="527755" indent="-388055" defTabSz="457200">
               <a:lnSpc>
-                <a:spcPts val="2400"/>
+                <a:spcPts val="1700"/>
               </a:lnSpc>
               <a:spcBef>
                 <a:spcPts val="0"/>
@@ -34674,14 +34654,14 @@
               <a:buSzPct val="100000"/>
               <a:buFont typeface="Menlo"/>
               <a:buChar char="•"/>
-              <a:defRPr b="0" sz="900">
-                <a:solidFill>
-                  <a:srgbClr val="C41A16"/>
-                </a:solidFill>
-                <a:latin typeface="Menlo"/>
-                <a:ea typeface="Menlo"/>
-                <a:cs typeface="Menlo"/>
-                <a:sym typeface="Menlo"/>
+              <a:defRPr b="0" sz="1100">
+                <a:solidFill>
+                  <a:srgbClr val="5C2699"/>
+                </a:solidFill>
+                <a:latin typeface="Arial"/>
+                <a:ea typeface="Arial"/>
+                <a:cs typeface="Arial"/>
+                <a:sym typeface="Arial"/>
               </a:defRPr>
             </a:pPr>
             <a:r>
@@ -34726,9 +34706,9 @@
             </a:endParaRPr>
           </a:p>
           <a:p>
-            <a:pPr marL="457200" indent="-317500" defTabSz="457200">
+            <a:pPr marL="527755" indent="-388055" defTabSz="457200">
               <a:lnSpc>
-                <a:spcPts val="2400"/>
+                <a:spcPts val="1700"/>
               </a:lnSpc>
               <a:spcBef>
                 <a:spcPts val="0"/>
@@ -34739,14 +34719,14 @@
               <a:buSzPct val="100000"/>
               <a:buFont typeface="Menlo"/>
               <a:buChar char="•"/>
-              <a:defRPr b="0" sz="900">
-                <a:solidFill>
-                  <a:srgbClr val="333333"/>
-                </a:solidFill>
-                <a:latin typeface="Menlo"/>
-                <a:ea typeface="Menlo"/>
-                <a:cs typeface="Menlo"/>
-                <a:sym typeface="Menlo"/>
+              <a:defRPr b="0" sz="1100">
+                <a:solidFill>
+                  <a:srgbClr val="5C2699"/>
+                </a:solidFill>
+                <a:latin typeface="Arial"/>
+                <a:ea typeface="Arial"/>
+                <a:cs typeface="Arial"/>
+                <a:sym typeface="Arial"/>
               </a:defRPr>
             </a:pPr>
             <a:r>
@@ -34754,9 +34734,9 @@
             </a:r>
           </a:p>
           <a:p>
-            <a:pPr marL="457200" indent="-317500" defTabSz="457200">
+            <a:pPr marL="527755" indent="-388055" defTabSz="457200">
               <a:lnSpc>
-                <a:spcPts val="2400"/>
+                <a:spcPts val="1700"/>
               </a:lnSpc>
               <a:spcBef>
                 <a:spcPts val="0"/>
@@ -34767,14 +34747,14 @@
               <a:buSzPct val="100000"/>
               <a:buFont typeface="Menlo"/>
               <a:buChar char="•"/>
-              <a:defRPr b="0" sz="900">
-                <a:solidFill>
-                  <a:srgbClr val="007400"/>
-                </a:solidFill>
-                <a:latin typeface="Menlo"/>
-                <a:ea typeface="Menlo"/>
-                <a:cs typeface="Menlo"/>
-                <a:sym typeface="Menlo"/>
+              <a:defRPr b="0" sz="1100">
+                <a:solidFill>
+                  <a:srgbClr val="5C2699"/>
+                </a:solidFill>
+                <a:latin typeface="Arial"/>
+                <a:ea typeface="Arial"/>
+                <a:cs typeface="Arial"/>
+                <a:sym typeface="Arial"/>
               </a:defRPr>
             </a:pPr>
             <a:r>
@@ -34919,7 +34899,7 @@
         <p:spPr>
           <a:xfrm>
             <a:off x="609694" y="1455733"/>
-            <a:ext cx="2625773" cy="1043941"/>
+            <a:ext cx="2417914" cy="1373266"/>
           </a:xfrm>
           <a:prstGeom prst="rect">
             <a:avLst/>
@@ -34939,9 +34919,9 @@
           </a:bodyPr>
           <a:lstStyle/>
           <a:p>
-            <a:pPr marL="457200" indent="-317500" defTabSz="457200">
+            <a:pPr marL="527755" indent="-388055" defTabSz="457200">
               <a:lnSpc>
-                <a:spcPts val="2300"/>
+                <a:spcPts val="1700"/>
               </a:lnSpc>
               <a:spcBef>
                 <a:spcPts val="0"/>
@@ -34952,14 +34932,14 @@
               <a:buSzPct val="100000"/>
               <a:buFont typeface="Menlo"/>
               <a:buChar char="•"/>
-              <a:defRPr b="0" sz="900">
-                <a:solidFill>
-                  <a:srgbClr val="3F6E74"/>
-                </a:solidFill>
-                <a:latin typeface="Menlo"/>
-                <a:ea typeface="Menlo"/>
-                <a:cs typeface="Menlo"/>
-                <a:sym typeface="Menlo"/>
+              <a:defRPr b="0" sz="1100">
+                <a:solidFill>
+                  <a:srgbClr val="5C2699"/>
+                </a:solidFill>
+                <a:latin typeface="Arial"/>
+                <a:ea typeface="Arial"/>
+                <a:cs typeface="Arial"/>
+                <a:sym typeface="Arial"/>
               </a:defRPr>
             </a:pPr>
             <a:r>
@@ -35023,9 +35003,9 @@
             </a:endParaRPr>
           </a:p>
           <a:p>
-            <a:pPr marL="457200" indent="-317500" defTabSz="457200">
+            <a:pPr marL="527755" indent="-388055" defTabSz="457200">
               <a:lnSpc>
-                <a:spcPts val="2300"/>
+                <a:spcPts val="1700"/>
               </a:lnSpc>
               <a:spcBef>
                 <a:spcPts val="0"/>
@@ -35036,14 +35016,14 @@
               <a:buSzPct val="100000"/>
               <a:buFont typeface="Menlo"/>
               <a:buChar char="•"/>
-              <a:defRPr b="0" sz="900">
-                <a:solidFill>
-                  <a:srgbClr val="333333"/>
-                </a:solidFill>
-                <a:latin typeface="Menlo"/>
-                <a:ea typeface="Menlo"/>
-                <a:cs typeface="Menlo"/>
-                <a:sym typeface="Menlo"/>
+              <a:defRPr b="0" sz="1100">
+                <a:solidFill>
+                  <a:srgbClr val="5C2699"/>
+                </a:solidFill>
+                <a:latin typeface="Arial"/>
+                <a:ea typeface="Arial"/>
+                <a:cs typeface="Arial"/>
+                <a:sym typeface="Arial"/>
               </a:defRPr>
             </a:pPr>
             <a:r>
@@ -35095,9 +35075,9 @@
             </a:r>
           </a:p>
           <a:p>
-            <a:pPr marL="457200" indent="-317500" defTabSz="457200">
+            <a:pPr marL="527755" indent="-388055" defTabSz="457200">
               <a:lnSpc>
-                <a:spcPts val="2300"/>
+                <a:spcPts val="1700"/>
               </a:lnSpc>
               <a:spcBef>
                 <a:spcPts val="0"/>
@@ -35108,14 +35088,14 @@
               <a:buSzPct val="100000"/>
               <a:buFont typeface="Menlo"/>
               <a:buChar char="•"/>
-              <a:defRPr b="0" sz="900">
-                <a:solidFill>
-                  <a:srgbClr val="333333"/>
-                </a:solidFill>
-                <a:latin typeface="Menlo"/>
-                <a:ea typeface="Menlo"/>
-                <a:cs typeface="Menlo"/>
-                <a:sym typeface="Menlo"/>
+              <a:defRPr b="0" sz="1100">
+                <a:solidFill>
+                  <a:srgbClr val="5C2699"/>
+                </a:solidFill>
+                <a:latin typeface="Arial"/>
+                <a:ea typeface="Arial"/>
+                <a:cs typeface="Arial"/>
+                <a:sym typeface="Arial"/>
               </a:defRPr>
             </a:pPr>
             <a:r>
@@ -35123,9 +35103,9 @@
             </a:r>
           </a:p>
           <a:p>
-            <a:pPr marL="457200" indent="-317500" defTabSz="457200">
+            <a:pPr marL="527755" indent="-388055" defTabSz="457200">
               <a:lnSpc>
-                <a:spcPts val="2300"/>
+                <a:spcPts val="1700"/>
               </a:lnSpc>
               <a:spcBef>
                 <a:spcPts val="0"/>
@@ -35136,14 +35116,14 @@
               <a:buSzPct val="100000"/>
               <a:buFont typeface="Menlo"/>
               <a:buChar char="•"/>
-              <a:defRPr b="0" sz="900">
-                <a:solidFill>
-                  <a:srgbClr val="007400"/>
-                </a:solidFill>
-                <a:latin typeface="Menlo"/>
-                <a:ea typeface="Menlo"/>
-                <a:cs typeface="Menlo"/>
-                <a:sym typeface="Menlo"/>
+              <a:defRPr b="0" sz="1100">
+                <a:solidFill>
+                  <a:srgbClr val="5C2699"/>
+                </a:solidFill>
+                <a:latin typeface="Arial"/>
+                <a:ea typeface="Arial"/>
+                <a:cs typeface="Arial"/>
+                <a:sym typeface="Arial"/>
               </a:defRPr>
             </a:pPr>
             <a:r>
@@ -35156,9 +35136,9 @@
             </a:endParaRPr>
           </a:p>
           <a:p>
-            <a:pPr marL="457200" indent="-317500" defTabSz="457200">
+            <a:pPr marL="527755" indent="-388055" defTabSz="457200">
               <a:lnSpc>
-                <a:spcPts val="2300"/>
+                <a:spcPts val="1700"/>
               </a:lnSpc>
               <a:spcBef>
                 <a:spcPts val="0"/>
@@ -35169,14 +35149,14 @@
               <a:buSzPct val="100000"/>
               <a:buFont typeface="Menlo"/>
               <a:buChar char="•"/>
-              <a:defRPr b="0" sz="900">
-                <a:solidFill>
-                  <a:srgbClr val="007400"/>
-                </a:solidFill>
-                <a:latin typeface="Menlo"/>
-                <a:ea typeface="Menlo"/>
-                <a:cs typeface="Menlo"/>
-                <a:sym typeface="Menlo"/>
+              <a:defRPr b="0" sz="1100">
+                <a:solidFill>
+                  <a:srgbClr val="5C2699"/>
+                </a:solidFill>
+                <a:latin typeface="Arial"/>
+                <a:ea typeface="Arial"/>
+                <a:cs typeface="Arial"/>
+                <a:sym typeface="Arial"/>
               </a:defRPr>
             </a:pPr>
             <a:r>
@@ -35189,9 +35169,9 @@
             </a:endParaRPr>
           </a:p>
           <a:p>
-            <a:pPr marL="457200" indent="-317500" defTabSz="457200">
+            <a:pPr marL="527755" indent="-388055" defTabSz="457200">
               <a:lnSpc>
-                <a:spcPts val="2300"/>
+                <a:spcPts val="1700"/>
               </a:lnSpc>
               <a:spcBef>
                 <a:spcPts val="0"/>
@@ -35202,14 +35182,14 @@
               <a:buSzPct val="100000"/>
               <a:buFont typeface="Menlo"/>
               <a:buChar char="•"/>
-              <a:defRPr b="0" sz="900">
-                <a:solidFill>
-                  <a:srgbClr val="007400"/>
-                </a:solidFill>
-                <a:latin typeface="Menlo"/>
-                <a:ea typeface="Menlo"/>
-                <a:cs typeface="Menlo"/>
-                <a:sym typeface="Menlo"/>
+              <a:defRPr b="0" sz="1100">
+                <a:solidFill>
+                  <a:srgbClr val="5C2699"/>
+                </a:solidFill>
+                <a:latin typeface="Arial"/>
+                <a:ea typeface="Arial"/>
+                <a:cs typeface="Arial"/>
+                <a:sym typeface="Arial"/>
               </a:defRPr>
             </a:pPr>
             <a:r>
@@ -35267,8 +35247,8 @@
         </p:nvSpPr>
         <p:spPr>
           <a:xfrm>
-            <a:off x="605017" y="2963121"/>
-            <a:ext cx="3245102" cy="1043941"/>
+            <a:off x="4384225" y="1527209"/>
+            <a:ext cx="2938038" cy="1373266"/>
           </a:xfrm>
           <a:prstGeom prst="rect">
             <a:avLst/>
@@ -35288,9 +35268,9 @@
           </a:bodyPr>
           <a:lstStyle/>
           <a:p>
-            <a:pPr marL="457200" indent="-317500" defTabSz="457200">
+            <a:pPr marL="527755" indent="-388055" defTabSz="457200">
               <a:lnSpc>
-                <a:spcPts val="2300"/>
+                <a:spcPts val="1700"/>
               </a:lnSpc>
               <a:spcBef>
                 <a:spcPts val="0"/>
@@ -35301,14 +35281,14 @@
               <a:buSzPct val="100000"/>
               <a:buFont typeface="Menlo"/>
               <a:buChar char="•"/>
-              <a:defRPr b="0" sz="900">
-                <a:solidFill>
-                  <a:srgbClr val="3F6E74"/>
-                </a:solidFill>
-                <a:latin typeface="Menlo"/>
-                <a:ea typeface="Menlo"/>
-                <a:cs typeface="Menlo"/>
-                <a:sym typeface="Menlo"/>
+              <a:defRPr b="0" sz="1100">
+                <a:solidFill>
+                  <a:srgbClr val="5C2699"/>
+                </a:solidFill>
+                <a:latin typeface="Arial"/>
+                <a:ea typeface="Arial"/>
+                <a:cs typeface="Arial"/>
+                <a:sym typeface="Arial"/>
               </a:defRPr>
             </a:pPr>
             <a:r>
@@ -35383,9 +35363,9 @@
             </a:endParaRPr>
           </a:p>
           <a:p>
-            <a:pPr marL="457200" indent="-317500" defTabSz="457200">
+            <a:pPr marL="527755" indent="-388055" defTabSz="457200">
               <a:lnSpc>
-                <a:spcPts val="2300"/>
+                <a:spcPts val="1700"/>
               </a:lnSpc>
               <a:spcBef>
                 <a:spcPts val="0"/>
@@ -35396,14 +35376,14 @@
               <a:buSzPct val="100000"/>
               <a:buFont typeface="Menlo"/>
               <a:buChar char="•"/>
-              <a:defRPr b="0" sz="900">
-                <a:solidFill>
-                  <a:srgbClr val="333333"/>
-                </a:solidFill>
-                <a:latin typeface="Menlo"/>
-                <a:ea typeface="Menlo"/>
-                <a:cs typeface="Menlo"/>
-                <a:sym typeface="Menlo"/>
+              <a:defRPr b="0" sz="1100">
+                <a:solidFill>
+                  <a:srgbClr val="5C2699"/>
+                </a:solidFill>
+                <a:latin typeface="Arial"/>
+                <a:ea typeface="Arial"/>
+                <a:cs typeface="Arial"/>
+                <a:sym typeface="Arial"/>
               </a:defRPr>
             </a:pPr>
             <a:r>
@@ -35455,9 +35435,9 @@
             </a:r>
           </a:p>
           <a:p>
-            <a:pPr marL="457200" indent="-317500" defTabSz="457200">
+            <a:pPr marL="527755" indent="-388055" defTabSz="457200">
               <a:lnSpc>
-                <a:spcPts val="2300"/>
+                <a:spcPts val="1700"/>
               </a:lnSpc>
               <a:spcBef>
                 <a:spcPts val="0"/>
@@ -35468,14 +35448,14 @@
               <a:buSzPct val="100000"/>
               <a:buFont typeface="Menlo"/>
               <a:buChar char="•"/>
-              <a:defRPr b="0" sz="900">
-                <a:solidFill>
-                  <a:srgbClr val="333333"/>
-                </a:solidFill>
-                <a:latin typeface="Menlo"/>
-                <a:ea typeface="Menlo"/>
-                <a:cs typeface="Menlo"/>
-                <a:sym typeface="Menlo"/>
+              <a:defRPr b="0" sz="1100">
+                <a:solidFill>
+                  <a:srgbClr val="5C2699"/>
+                </a:solidFill>
+                <a:latin typeface="Arial"/>
+                <a:ea typeface="Arial"/>
+                <a:cs typeface="Arial"/>
+                <a:sym typeface="Arial"/>
               </a:defRPr>
             </a:pPr>
             <a:r>
@@ -35483,9 +35463,9 @@
             </a:r>
           </a:p>
           <a:p>
-            <a:pPr marL="457200" indent="-317500" defTabSz="457200">
+            <a:pPr marL="527755" indent="-388055" defTabSz="457200">
               <a:lnSpc>
-                <a:spcPts val="2300"/>
+                <a:spcPts val="1700"/>
               </a:lnSpc>
               <a:spcBef>
                 <a:spcPts val="0"/>
@@ -35496,14 +35476,14 @@
               <a:buSzPct val="100000"/>
               <a:buFont typeface="Menlo"/>
               <a:buChar char="•"/>
-              <a:defRPr b="0" sz="900">
-                <a:solidFill>
-                  <a:srgbClr val="007400"/>
-                </a:solidFill>
-                <a:latin typeface="Menlo"/>
-                <a:ea typeface="Menlo"/>
-                <a:cs typeface="Menlo"/>
-                <a:sym typeface="Menlo"/>
+              <a:defRPr b="0" sz="1100">
+                <a:solidFill>
+                  <a:srgbClr val="5C2699"/>
+                </a:solidFill>
+                <a:latin typeface="Arial"/>
+                <a:ea typeface="Arial"/>
+                <a:cs typeface="Arial"/>
+                <a:sym typeface="Arial"/>
               </a:defRPr>
             </a:pPr>
             <a:r>
@@ -35516,9 +35496,9 @@
             </a:endParaRPr>
           </a:p>
           <a:p>
-            <a:pPr marL="457200" indent="-317500" defTabSz="457200">
+            <a:pPr marL="527755" indent="-388055" defTabSz="457200">
               <a:lnSpc>
-                <a:spcPts val="2300"/>
+                <a:spcPts val="1700"/>
               </a:lnSpc>
               <a:spcBef>
                 <a:spcPts val="0"/>
@@ -35529,14 +35509,14 @@
               <a:buSzPct val="100000"/>
               <a:buFont typeface="Menlo"/>
               <a:buChar char="•"/>
-              <a:defRPr b="0" sz="900">
-                <a:solidFill>
-                  <a:srgbClr val="007400"/>
-                </a:solidFill>
-                <a:latin typeface="Menlo"/>
-                <a:ea typeface="Menlo"/>
-                <a:cs typeface="Menlo"/>
-                <a:sym typeface="Menlo"/>
+              <a:defRPr b="0" sz="1100">
+                <a:solidFill>
+                  <a:srgbClr val="5C2699"/>
+                </a:solidFill>
+                <a:latin typeface="Arial"/>
+                <a:ea typeface="Arial"/>
+                <a:cs typeface="Arial"/>
+                <a:sym typeface="Arial"/>
               </a:defRPr>
             </a:pPr>
             <a:r>
@@ -35549,9 +35529,9 @@
             </a:endParaRPr>
           </a:p>
           <a:p>
-            <a:pPr marL="457200" indent="-317500" defTabSz="457200">
+            <a:pPr marL="527755" indent="-388055" defTabSz="457200">
               <a:lnSpc>
-                <a:spcPts val="2300"/>
+                <a:spcPts val="1700"/>
               </a:lnSpc>
               <a:spcBef>
                 <a:spcPts val="0"/>
@@ -35562,14 +35542,14 @@
               <a:buSzPct val="100000"/>
               <a:buFont typeface="Menlo"/>
               <a:buChar char="•"/>
-              <a:defRPr b="0" sz="900">
-                <a:solidFill>
-                  <a:srgbClr val="007400"/>
-                </a:solidFill>
-                <a:latin typeface="Menlo"/>
-                <a:ea typeface="Menlo"/>
-                <a:cs typeface="Menlo"/>
-                <a:sym typeface="Menlo"/>
+              <a:defRPr b="0" sz="1100">
+                <a:solidFill>
+                  <a:srgbClr val="5C2699"/>
+                </a:solidFill>
+                <a:latin typeface="Arial"/>
+                <a:ea typeface="Arial"/>
+                <a:cs typeface="Arial"/>
+                <a:sym typeface="Arial"/>
               </a:defRPr>
             </a:pPr>
             <a:r>
@@ -35714,7 +35694,7 @@
         <p:spPr>
           <a:xfrm>
             <a:off x="609694" y="1455733"/>
-            <a:ext cx="4965463" cy="2199641"/>
+            <a:ext cx="4751614" cy="2668666"/>
           </a:xfrm>
           <a:prstGeom prst="rect">
             <a:avLst/>
@@ -35734,9 +35714,9 @@
           </a:bodyPr>
           <a:lstStyle/>
           <a:p>
-            <a:pPr marL="457200" indent="-317500" defTabSz="457200">
+            <a:pPr marL="527755" indent="-388055" defTabSz="457200">
               <a:lnSpc>
-                <a:spcPts val="2300"/>
+                <a:spcPts val="1700"/>
               </a:lnSpc>
               <a:spcBef>
                 <a:spcPts val="0"/>
@@ -35747,14 +35727,14 @@
               <a:buSzPct val="100000"/>
               <a:buFont typeface="Menlo"/>
               <a:buChar char="•"/>
-              <a:defRPr b="0" sz="900">
-                <a:solidFill>
-                  <a:srgbClr val="3F6E74"/>
-                </a:solidFill>
-                <a:latin typeface="Menlo"/>
-                <a:ea typeface="Menlo"/>
-                <a:cs typeface="Menlo"/>
-                <a:sym typeface="Menlo"/>
+              <a:defRPr b="0" sz="1100">
+                <a:solidFill>
+                  <a:srgbClr val="5C2699"/>
+                </a:solidFill>
+                <a:latin typeface="Arial"/>
+                <a:ea typeface="Arial"/>
+                <a:cs typeface="Arial"/>
+                <a:sym typeface="Arial"/>
               </a:defRPr>
             </a:pPr>
             <a:r>
@@ -35785,11 +35765,6 @@
               <a:t>: </a:t>
             </a:r>
             <a:r>
-              <a:rPr>
-                <a:solidFill>
-                  <a:srgbClr val="5C2699"/>
-                </a:solidFill>
-              </a:rPr>
               <a:t>Set</a:t>
             </a:r>
             <a:r>
@@ -35887,9 +35862,9 @@
             </a:endParaRPr>
           </a:p>
           <a:p>
-            <a:pPr marL="457200" indent="-317500" defTabSz="457200">
+            <a:pPr marL="527755" indent="-388055" defTabSz="457200">
               <a:lnSpc>
-                <a:spcPts val="2300"/>
+                <a:spcPts val="1700"/>
               </a:lnSpc>
               <a:spcBef>
                 <a:spcPts val="0"/>
@@ -35900,14 +35875,14 @@
               <a:buSzPct val="100000"/>
               <a:buFont typeface="Menlo"/>
               <a:buChar char="•"/>
-              <a:defRPr b="0" sz="900">
-                <a:solidFill>
-                  <a:srgbClr val="3F6E74"/>
-                </a:solidFill>
-                <a:latin typeface="Menlo"/>
-                <a:ea typeface="Menlo"/>
-                <a:cs typeface="Menlo"/>
-                <a:sym typeface="Menlo"/>
+              <a:defRPr b="0" sz="1100">
+                <a:solidFill>
+                  <a:srgbClr val="5C2699"/>
+                </a:solidFill>
+                <a:latin typeface="Arial"/>
+                <a:ea typeface="Arial"/>
+                <a:cs typeface="Arial"/>
+                <a:sym typeface="Arial"/>
               </a:defRPr>
             </a:pPr>
             <a:r>
@@ -35938,11 +35913,6 @@
               <a:t>: </a:t>
             </a:r>
             <a:r>
-              <a:rPr>
-                <a:solidFill>
-                  <a:srgbClr val="5C2699"/>
-                </a:solidFill>
-              </a:rPr>
               <a:t>Set</a:t>
             </a:r>
             <a:r>
@@ -36040,9 +36010,9 @@
             </a:endParaRPr>
           </a:p>
           <a:p>
-            <a:pPr marL="457200" indent="-317500" defTabSz="457200">
+            <a:pPr marL="527755" indent="-388055" defTabSz="457200">
               <a:lnSpc>
-                <a:spcPts val="2300"/>
+                <a:spcPts val="1700"/>
               </a:lnSpc>
               <a:spcBef>
                 <a:spcPts val="0"/>
@@ -36053,14 +36023,14 @@
               <a:buSzPct val="100000"/>
               <a:buFont typeface="Menlo"/>
               <a:buChar char="•"/>
-              <a:defRPr b="0" sz="900">
-                <a:solidFill>
-                  <a:srgbClr val="3F6E74"/>
-                </a:solidFill>
-                <a:latin typeface="Menlo"/>
-                <a:ea typeface="Menlo"/>
-                <a:cs typeface="Menlo"/>
-                <a:sym typeface="Menlo"/>
+              <a:defRPr b="0" sz="1100">
+                <a:solidFill>
+                  <a:srgbClr val="5C2699"/>
+                </a:solidFill>
+                <a:latin typeface="Arial"/>
+                <a:ea typeface="Arial"/>
+                <a:cs typeface="Arial"/>
+                <a:sym typeface="Arial"/>
               </a:defRPr>
             </a:pPr>
             <a:r>
@@ -36091,11 +36061,6 @@
               <a:t>: </a:t>
             </a:r>
             <a:r>
-              <a:rPr>
-                <a:solidFill>
-                  <a:srgbClr val="5C2699"/>
-                </a:solidFill>
-              </a:rPr>
               <a:t>Set</a:t>
             </a:r>
             <a:r>
@@ -36177,9 +36142,9 @@
             </a:endParaRPr>
           </a:p>
           <a:p>
-            <a:pPr marL="457200" indent="-317500" defTabSz="457200">
+            <a:pPr marL="527755" indent="-388055" defTabSz="457200">
               <a:lnSpc>
-                <a:spcPts val="2300"/>
+                <a:spcPts val="1700"/>
               </a:lnSpc>
               <a:spcBef>
                 <a:spcPts val="0"/>
@@ -36190,21 +36155,21 @@
               <a:buSzPct val="100000"/>
               <a:buFont typeface="Menlo"/>
               <a:buChar char="•"/>
-              <a:defRPr b="0" sz="900">
-                <a:solidFill>
-                  <a:srgbClr val="333333"/>
-                </a:solidFill>
-                <a:latin typeface="Menlo"/>
-                <a:ea typeface="Menlo"/>
-                <a:cs typeface="Menlo"/>
-                <a:sym typeface="Menlo"/>
+              <a:defRPr b="0" sz="1100">
+                <a:solidFill>
+                  <a:srgbClr val="5C2699"/>
+                </a:solidFill>
+                <a:latin typeface="Arial"/>
+                <a:ea typeface="Arial"/>
+                <a:cs typeface="Arial"/>
+                <a:sym typeface="Arial"/>
               </a:defRPr>
             </a:pPr>
           </a:p>
           <a:p>
-            <a:pPr marL="457200" indent="-317500" defTabSz="457200">
+            <a:pPr marL="527755" indent="-388055" defTabSz="457200">
               <a:lnSpc>
-                <a:spcPts val="2300"/>
+                <a:spcPts val="1700"/>
               </a:lnSpc>
               <a:spcBef>
                 <a:spcPts val="0"/>
@@ -36215,14 +36180,14 @@
               <a:buSzPct val="100000"/>
               <a:buFont typeface="Menlo"/>
               <a:buChar char="•"/>
-              <a:defRPr b="0" sz="900">
-                <a:solidFill>
-                  <a:srgbClr val="3F6E74"/>
-                </a:solidFill>
-                <a:latin typeface="Menlo"/>
-                <a:ea typeface="Menlo"/>
-                <a:cs typeface="Menlo"/>
-                <a:sym typeface="Menlo"/>
+              <a:defRPr b="0" sz="1100">
+                <a:solidFill>
+                  <a:srgbClr val="5C2699"/>
+                </a:solidFill>
+                <a:latin typeface="Arial"/>
+                <a:ea typeface="Arial"/>
+                <a:cs typeface="Arial"/>
+                <a:sym typeface="Arial"/>
               </a:defRPr>
             </a:pPr>
             <a:r>
@@ -36276,9 +36241,9 @@
             </a:endParaRPr>
           </a:p>
           <a:p>
-            <a:pPr marL="457200" indent="-317500" defTabSz="457200">
+            <a:pPr marL="527755" indent="-388055" defTabSz="457200">
               <a:lnSpc>
-                <a:spcPts val="2300"/>
+                <a:spcPts val="1700"/>
               </a:lnSpc>
               <a:spcBef>
                 <a:spcPts val="0"/>
@@ -36289,14 +36254,14 @@
               <a:buSzPct val="100000"/>
               <a:buFont typeface="Menlo"/>
               <a:buChar char="•"/>
-              <a:defRPr b="0" sz="900">
-                <a:solidFill>
-                  <a:srgbClr val="007400"/>
-                </a:solidFill>
-                <a:latin typeface="Menlo"/>
-                <a:ea typeface="Menlo"/>
-                <a:cs typeface="Menlo"/>
-                <a:sym typeface="Menlo"/>
+              <a:defRPr b="0" sz="1100">
+                <a:solidFill>
+                  <a:srgbClr val="5C2699"/>
+                </a:solidFill>
+                <a:latin typeface="Arial"/>
+                <a:ea typeface="Arial"/>
+                <a:cs typeface="Arial"/>
+                <a:sym typeface="Arial"/>
               </a:defRPr>
             </a:pPr>
             <a:r>
@@ -36309,9 +36274,9 @@
             </a:endParaRPr>
           </a:p>
           <a:p>
-            <a:pPr marL="457200" indent="-317500" defTabSz="457200">
+            <a:pPr marL="527755" indent="-388055" defTabSz="457200">
               <a:lnSpc>
-                <a:spcPts val="2300"/>
+                <a:spcPts val="1700"/>
               </a:lnSpc>
               <a:spcBef>
                 <a:spcPts val="0"/>
@@ -36322,14 +36287,14 @@
               <a:buSzPct val="100000"/>
               <a:buFont typeface="Menlo"/>
               <a:buChar char="•"/>
-              <a:defRPr b="0" sz="900">
-                <a:solidFill>
-                  <a:srgbClr val="3F6E74"/>
-                </a:solidFill>
-                <a:latin typeface="Menlo"/>
-                <a:ea typeface="Menlo"/>
-                <a:cs typeface="Menlo"/>
-                <a:sym typeface="Menlo"/>
+              <a:defRPr b="0" sz="1100">
+                <a:solidFill>
+                  <a:srgbClr val="5C2699"/>
+                </a:solidFill>
+                <a:latin typeface="Arial"/>
+                <a:ea typeface="Arial"/>
+                <a:cs typeface="Arial"/>
+                <a:sym typeface="Arial"/>
               </a:defRPr>
             </a:pPr>
             <a:r>
@@ -36383,9 +36348,9 @@
             </a:endParaRPr>
           </a:p>
           <a:p>
-            <a:pPr marL="457200" indent="-317500" defTabSz="457200">
+            <a:pPr marL="527755" indent="-388055" defTabSz="457200">
               <a:lnSpc>
-                <a:spcPts val="2300"/>
+                <a:spcPts val="1700"/>
               </a:lnSpc>
               <a:spcBef>
                 <a:spcPts val="0"/>
@@ -36396,14 +36361,14 @@
               <a:buSzPct val="100000"/>
               <a:buFont typeface="Menlo"/>
               <a:buChar char="•"/>
-              <a:defRPr b="0" sz="900">
-                <a:solidFill>
-                  <a:srgbClr val="007400"/>
-                </a:solidFill>
-                <a:latin typeface="Menlo"/>
-                <a:ea typeface="Menlo"/>
-                <a:cs typeface="Menlo"/>
-                <a:sym typeface="Menlo"/>
+              <a:defRPr b="0" sz="1100">
+                <a:solidFill>
+                  <a:srgbClr val="5C2699"/>
+                </a:solidFill>
+                <a:latin typeface="Arial"/>
+                <a:ea typeface="Arial"/>
+                <a:cs typeface="Arial"/>
+                <a:sym typeface="Arial"/>
               </a:defRPr>
             </a:pPr>
             <a:r>
@@ -36416,9 +36381,9 @@
             </a:endParaRPr>
           </a:p>
           <a:p>
-            <a:pPr marL="457200" indent="-317500" defTabSz="457200">
+            <a:pPr marL="527755" indent="-388055" defTabSz="457200">
               <a:lnSpc>
-                <a:spcPts val="2300"/>
+                <a:spcPts val="1700"/>
               </a:lnSpc>
               <a:spcBef>
                 <a:spcPts val="0"/>
@@ -36429,14 +36394,14 @@
               <a:buSzPct val="100000"/>
               <a:buFont typeface="Menlo"/>
               <a:buChar char="•"/>
-              <a:defRPr b="0" sz="900">
-                <a:solidFill>
-                  <a:srgbClr val="3F6E74"/>
-                </a:solidFill>
-                <a:latin typeface="Menlo"/>
-                <a:ea typeface="Menlo"/>
-                <a:cs typeface="Menlo"/>
-                <a:sym typeface="Menlo"/>
+              <a:defRPr b="0" sz="1100">
+                <a:solidFill>
+                  <a:srgbClr val="5C2699"/>
+                </a:solidFill>
+                <a:latin typeface="Arial"/>
+                <a:ea typeface="Arial"/>
+                <a:cs typeface="Arial"/>
+                <a:sym typeface="Arial"/>
               </a:defRPr>
             </a:pPr>
             <a:r>
@@ -36490,9 +36455,9 @@
             </a:endParaRPr>
           </a:p>
           <a:p>
-            <a:pPr marL="457200" indent="-317500" defTabSz="457200">
+            <a:pPr marL="527755" indent="-388055" defTabSz="457200">
               <a:lnSpc>
-                <a:spcPts val="2300"/>
+                <a:spcPts val="1700"/>
               </a:lnSpc>
               <a:spcBef>
                 <a:spcPts val="0"/>
@@ -36503,14 +36468,14 @@
               <a:buSzPct val="100000"/>
               <a:buFont typeface="Menlo"/>
               <a:buChar char="•"/>
-              <a:defRPr b="0" sz="900">
-                <a:solidFill>
-                  <a:srgbClr val="007400"/>
-                </a:solidFill>
-                <a:latin typeface="Menlo"/>
-                <a:ea typeface="Menlo"/>
-                <a:cs typeface="Menlo"/>
-                <a:sym typeface="Menlo"/>
+              <a:defRPr b="0" sz="1100">
+                <a:solidFill>
+                  <a:srgbClr val="5C2699"/>
+                </a:solidFill>
+                <a:latin typeface="Arial"/>
+                <a:ea typeface="Arial"/>
+                <a:cs typeface="Arial"/>
+                <a:sym typeface="Arial"/>
               </a:defRPr>
             </a:pPr>
             <a:r>
@@ -36523,9 +36488,9 @@
             </a:endParaRPr>
           </a:p>
           <a:p>
-            <a:pPr marL="457200" indent="-317500" defTabSz="457200">
+            <a:pPr marL="527755" indent="-388055" defTabSz="457200">
               <a:lnSpc>
-                <a:spcPts val="2300"/>
+                <a:spcPts val="1700"/>
               </a:lnSpc>
               <a:spcBef>
                 <a:spcPts val="0"/>
@@ -36536,14 +36501,14 @@
               <a:buSzPct val="100000"/>
               <a:buFont typeface="Menlo"/>
               <a:buChar char="•"/>
-              <a:defRPr b="0" sz="900">
-                <a:solidFill>
-                  <a:srgbClr val="3F6E74"/>
-                </a:solidFill>
-                <a:latin typeface="Menlo"/>
-                <a:ea typeface="Menlo"/>
-                <a:cs typeface="Menlo"/>
-                <a:sym typeface="Menlo"/>
+              <a:defRPr b="0" sz="1100">
+                <a:solidFill>
+                  <a:srgbClr val="5C2699"/>
+                </a:solidFill>
+                <a:latin typeface="Arial"/>
+                <a:ea typeface="Arial"/>
+                <a:cs typeface="Arial"/>
+                <a:sym typeface="Arial"/>
               </a:defRPr>
             </a:pPr>
             <a:r>
@@ -36597,9 +36562,9 @@
             </a:endParaRPr>
           </a:p>
           <a:p>
-            <a:pPr marL="457200" indent="-317500" defTabSz="457200">
+            <a:pPr marL="527755" indent="-388055" defTabSz="457200">
               <a:lnSpc>
-                <a:spcPts val="2300"/>
+                <a:spcPts val="1700"/>
               </a:lnSpc>
               <a:spcBef>
                 <a:spcPts val="0"/>
@@ -36610,24 +36575,19 @@
               <a:buSzPct val="100000"/>
               <a:buFont typeface="Menlo"/>
               <a:buChar char="•"/>
-              <a:defRPr b="0" sz="900">
-                <a:solidFill>
-                  <a:srgbClr val="007400"/>
-                </a:solidFill>
-                <a:latin typeface="Menlo"/>
-                <a:ea typeface="Menlo"/>
-                <a:cs typeface="Menlo"/>
-                <a:sym typeface="Menlo"/>
+              <a:defRPr b="0" sz="1100">
+                <a:solidFill>
+                  <a:srgbClr val="5C2699"/>
+                </a:solidFill>
+                <a:latin typeface="Arial"/>
+                <a:ea typeface="Arial"/>
+                <a:cs typeface="Arial"/>
+                <a:sym typeface="Arial"/>
               </a:defRPr>
             </a:pPr>
             <a:r>
               <a:t>// [1, 2, 9]</a:t>
             </a:r>
-            <a:endParaRPr>
-              <a:solidFill>
-                <a:srgbClr val="333333"/>
-              </a:solidFill>
-            </a:endParaRPr>
           </a:p>
         </p:txBody>
       </p:sp>
@@ -36901,7 +36861,7 @@
         <p:spPr>
           <a:xfrm>
             <a:off x="623725" y="2003281"/>
-            <a:ext cx="4346134" cy="383541"/>
+            <a:ext cx="3924056" cy="509665"/>
           </a:xfrm>
           <a:prstGeom prst="rect">
             <a:avLst/>
@@ -36921,9 +36881,9 @@
           </a:bodyPr>
           <a:lstStyle/>
           <a:p>
-            <a:pPr marL="457200" indent="-317500" defTabSz="457200">
+            <a:pPr marL="527755" indent="-388055" defTabSz="457200">
               <a:lnSpc>
-                <a:spcPts val="2300"/>
+                <a:spcPts val="1700"/>
               </a:lnSpc>
               <a:spcBef>
                 <a:spcPts val="0"/>
@@ -36934,14 +36894,14 @@
               <a:buSzPct val="100000"/>
               <a:buFont typeface="Menlo"/>
               <a:buChar char="•"/>
-              <a:defRPr b="0" sz="900">
-                <a:solidFill>
-                  <a:srgbClr val="3F6E74"/>
-                </a:solidFill>
-                <a:latin typeface="Menlo"/>
-                <a:ea typeface="Menlo"/>
-                <a:cs typeface="Menlo"/>
-                <a:sym typeface="Menlo"/>
+              <a:defRPr b="0" sz="1100">
+                <a:solidFill>
+                  <a:srgbClr val="5C2699"/>
+                </a:solidFill>
+                <a:latin typeface="Arial"/>
+                <a:ea typeface="Arial"/>
+                <a:cs typeface="Arial"/>
+                <a:sym typeface="Arial"/>
               </a:defRPr>
             </a:pPr>
             <a:r>
@@ -37000,9 +36960,9 @@
             </a:endParaRPr>
           </a:p>
           <a:p>
-            <a:pPr marL="457200" indent="-317500" defTabSz="457200">
+            <a:pPr marL="527755" indent="-388055" defTabSz="457200">
               <a:lnSpc>
-                <a:spcPts val="2300"/>
+                <a:spcPts val="1700"/>
               </a:lnSpc>
               <a:spcBef>
                 <a:spcPts val="0"/>
@@ -37013,14 +36973,14 @@
               <a:buSzPct val="100000"/>
               <a:buFont typeface="Menlo"/>
               <a:buChar char="•"/>
-              <a:defRPr b="0" sz="900">
-                <a:solidFill>
-                  <a:srgbClr val="007400"/>
-                </a:solidFill>
-                <a:latin typeface="Menlo"/>
-                <a:ea typeface="Menlo"/>
-                <a:cs typeface="Menlo"/>
-                <a:sym typeface="Menlo"/>
+              <a:defRPr b="0" sz="1100">
+                <a:solidFill>
+                  <a:srgbClr val="5C2699"/>
+                </a:solidFill>
+                <a:latin typeface="Arial"/>
+                <a:ea typeface="Arial"/>
+                <a:cs typeface="Arial"/>
+                <a:sym typeface="Arial"/>
               </a:defRPr>
             </a:pPr>
             <a:r>
@@ -37037,8 +36997,8 @@
         </p:nvSpPr>
         <p:spPr>
           <a:xfrm>
-            <a:off x="623725" y="2491728"/>
-            <a:ext cx="5653607" cy="713741"/>
+            <a:off x="637757" y="2545824"/>
+            <a:ext cx="5104616" cy="941465"/>
           </a:xfrm>
           <a:prstGeom prst="rect">
             <a:avLst/>
@@ -37058,9 +37018,9 @@
           </a:bodyPr>
           <a:lstStyle/>
           <a:p>
-            <a:pPr marL="457200" indent="-317500" defTabSz="457200">
+            <a:pPr marL="527755" indent="-388055" defTabSz="457200">
               <a:lnSpc>
-                <a:spcPts val="2300"/>
+                <a:spcPts val="1700"/>
               </a:lnSpc>
               <a:spcBef>
                 <a:spcPts val="0"/>
@@ -37071,14 +37031,14 @@
               <a:buSzPct val="100000"/>
               <a:buFont typeface="Menlo"/>
               <a:buChar char="•"/>
-              <a:defRPr b="0" sz="900">
-                <a:solidFill>
-                  <a:srgbClr val="3F6E74"/>
-                </a:solidFill>
-                <a:latin typeface="Menlo"/>
-                <a:ea typeface="Menlo"/>
-                <a:cs typeface="Menlo"/>
-                <a:sym typeface="Menlo"/>
+              <a:defRPr b="0" sz="1100">
+                <a:solidFill>
+                  <a:srgbClr val="5C2699"/>
+                </a:solidFill>
+                <a:latin typeface="Arial"/>
+                <a:ea typeface="Arial"/>
+                <a:cs typeface="Arial"/>
+                <a:sym typeface="Arial"/>
               </a:defRPr>
             </a:pPr>
             <a:r>
@@ -37123,9 +37083,9 @@
             </a:endParaRPr>
           </a:p>
           <a:p>
-            <a:pPr marL="457200" indent="-317500" defTabSz="457200">
+            <a:pPr marL="527755" indent="-388055" defTabSz="457200">
               <a:lnSpc>
-                <a:spcPts val="2300"/>
+                <a:spcPts val="1700"/>
               </a:lnSpc>
               <a:spcBef>
                 <a:spcPts val="0"/>
@@ -37136,14 +37096,14 @@
               <a:buSzPct val="100000"/>
               <a:buFont typeface="Menlo"/>
               <a:buChar char="•"/>
-              <a:defRPr b="0" sz="900">
-                <a:solidFill>
-                  <a:srgbClr val="007400"/>
-                </a:solidFill>
-                <a:latin typeface="Menlo"/>
-                <a:ea typeface="Menlo"/>
-                <a:cs typeface="Menlo"/>
-                <a:sym typeface="Menlo"/>
+              <a:defRPr b="0" sz="1100">
+                <a:solidFill>
+                  <a:srgbClr val="5C2699"/>
+                </a:solidFill>
+                <a:latin typeface="Arial"/>
+                <a:ea typeface="Arial"/>
+                <a:cs typeface="Arial"/>
+                <a:sym typeface="Arial"/>
               </a:defRPr>
             </a:pPr>
             <a:r>
@@ -37156,9 +37116,9 @@
             </a:endParaRPr>
           </a:p>
           <a:p>
-            <a:pPr marL="457200" indent="-317500" defTabSz="457200">
+            <a:pPr marL="527755" indent="-388055" defTabSz="457200">
               <a:lnSpc>
-                <a:spcPts val="2300"/>
+                <a:spcPts val="1700"/>
               </a:lnSpc>
               <a:spcBef>
                 <a:spcPts val="0"/>
@@ -37169,14 +37129,14 @@
               <a:buSzPct val="100000"/>
               <a:buFont typeface="Menlo"/>
               <a:buChar char="•"/>
-              <a:defRPr b="0" sz="900">
-                <a:solidFill>
-                  <a:srgbClr val="3F6E74"/>
-                </a:solidFill>
-                <a:latin typeface="Menlo"/>
-                <a:ea typeface="Menlo"/>
-                <a:cs typeface="Menlo"/>
-                <a:sym typeface="Menlo"/>
+              <a:defRPr b="0" sz="1100">
+                <a:solidFill>
+                  <a:srgbClr val="5C2699"/>
+                </a:solidFill>
+                <a:latin typeface="Arial"/>
+                <a:ea typeface="Arial"/>
+                <a:cs typeface="Arial"/>
+                <a:sym typeface="Arial"/>
               </a:defRPr>
             </a:pPr>
             <a:r>
@@ -37197,9 +37157,9 @@
             </a:endParaRPr>
           </a:p>
           <a:p>
-            <a:pPr marL="457200" indent="-317500" defTabSz="457200">
+            <a:pPr marL="527755" indent="-388055" defTabSz="457200">
               <a:lnSpc>
-                <a:spcPts val="2300"/>
+                <a:spcPts val="1700"/>
               </a:lnSpc>
               <a:spcBef>
                 <a:spcPts val="0"/>
@@ -37210,14 +37170,14 @@
               <a:buSzPct val="100000"/>
               <a:buFont typeface="Menlo"/>
               <a:buChar char="•"/>
-              <a:defRPr b="0" sz="900">
-                <a:solidFill>
-                  <a:srgbClr val="007400"/>
-                </a:solidFill>
-                <a:latin typeface="Menlo"/>
-                <a:ea typeface="Menlo"/>
-                <a:cs typeface="Menlo"/>
-                <a:sym typeface="Menlo"/>
+              <a:defRPr b="0" sz="1100">
+                <a:solidFill>
+                  <a:srgbClr val="5C2699"/>
+                </a:solidFill>
+                <a:latin typeface="Arial"/>
+                <a:ea typeface="Arial"/>
+                <a:cs typeface="Arial"/>
+                <a:sym typeface="Arial"/>
               </a:defRPr>
             </a:pPr>
             <a:r>
@@ -37402,8 +37362,8 @@
         </p:nvSpPr>
         <p:spPr>
           <a:xfrm>
-            <a:off x="554911" y="1632787"/>
-            <a:ext cx="5791236" cy="218441"/>
+            <a:off x="589862" y="1480543"/>
+            <a:ext cx="5147590" cy="293765"/>
           </a:xfrm>
           <a:prstGeom prst="rect">
             <a:avLst/>
@@ -37423,9 +37383,9 @@
           </a:bodyPr>
           <a:lstStyle/>
           <a:p>
-            <a:pPr marL="457200" indent="-317500" defTabSz="457200">
+            <a:pPr marL="527755" indent="-388055" defTabSz="457200">
               <a:lnSpc>
-                <a:spcPts val="2300"/>
+                <a:spcPts val="1700"/>
               </a:lnSpc>
               <a:spcBef>
                 <a:spcPts val="0"/>
@@ -37436,14 +37396,14 @@
               <a:buSzPct val="100000"/>
               <a:buFont typeface="Menlo"/>
               <a:buChar char="•"/>
-              <a:defRPr b="0" sz="900">
-                <a:solidFill>
-                  <a:srgbClr val="3F6E74"/>
-                </a:solidFill>
-                <a:latin typeface="Menlo"/>
-                <a:ea typeface="Menlo"/>
-                <a:cs typeface="Menlo"/>
-                <a:sym typeface="Menlo"/>
+              <a:defRPr b="0" sz="1100">
+                <a:solidFill>
+                  <a:srgbClr val="5C2699"/>
+                </a:solidFill>
+                <a:latin typeface="Arial"/>
+                <a:ea typeface="Arial"/>
+                <a:cs typeface="Arial"/>
+                <a:sym typeface="Arial"/>
               </a:defRPr>
             </a:pPr>
             <a:r>
@@ -37474,11 +37434,6 @@
               <a:t>: [</a:t>
             </a:r>
             <a:r>
-              <a:rPr>
-                <a:solidFill>
-                  <a:srgbClr val="5C2699"/>
-                </a:solidFill>
-              </a:rPr>
               <a:t>String</a:t>
             </a:r>
             <a:r>
@@ -37490,11 +37445,6 @@
               <a:t>: </a:t>
             </a:r>
             <a:r>
-              <a:rPr>
-                <a:solidFill>
-                  <a:srgbClr val="5C2699"/>
-                </a:solidFill>
-              </a:rPr>
               <a:t>String</a:t>
             </a:r>
             <a:r>
@@ -37561,7 +37511,7 @@
         <p:spPr>
           <a:xfrm>
             <a:off x="577704" y="2805103"/>
-            <a:ext cx="5171906" cy="383541"/>
+            <a:ext cx="4504342" cy="509665"/>
           </a:xfrm>
           <a:prstGeom prst="rect">
             <a:avLst/>
@@ -37581,9 +37531,9 @@
           </a:bodyPr>
           <a:lstStyle/>
           <a:p>
-            <a:pPr marL="457200" indent="-317500" defTabSz="457200">
+            <a:pPr marL="527755" indent="-388055" defTabSz="457200">
               <a:lnSpc>
-                <a:spcPts val="2300"/>
+                <a:spcPts val="1700"/>
               </a:lnSpc>
               <a:spcBef>
                 <a:spcPts val="0"/>
@@ -37594,14 +37544,14 @@
               <a:buSzPct val="100000"/>
               <a:buFont typeface="Menlo"/>
               <a:buChar char="•"/>
-              <a:defRPr b="0" sz="900">
-                <a:solidFill>
-                  <a:srgbClr val="C41A16"/>
-                </a:solidFill>
-                <a:latin typeface="Menlo"/>
-                <a:ea typeface="Menlo"/>
-                <a:cs typeface="Menlo"/>
-                <a:sym typeface="Menlo"/>
+              <a:defRPr b="0" sz="1100">
+                <a:solidFill>
+                  <a:srgbClr val="5C2699"/>
+                </a:solidFill>
+                <a:latin typeface="Arial"/>
+                <a:ea typeface="Arial"/>
+                <a:cs typeface="Arial"/>
+                <a:sym typeface="Arial"/>
               </a:defRPr>
             </a:pPr>
             <a:r>
@@ -37681,9 +37631,9 @@
             </a:endParaRPr>
           </a:p>
           <a:p>
-            <a:pPr marL="457200" indent="-317500" defTabSz="457200">
+            <a:pPr marL="527755" indent="-388055" defTabSz="457200">
               <a:lnSpc>
-                <a:spcPts val="2300"/>
+                <a:spcPts val="1700"/>
               </a:lnSpc>
               <a:spcBef>
                 <a:spcPts val="0"/>
@@ -37694,14 +37644,14 @@
               <a:buSzPct val="100000"/>
               <a:buFont typeface="Menlo"/>
               <a:buChar char="•"/>
-              <a:defRPr b="0" sz="900">
-                <a:solidFill>
-                  <a:srgbClr val="007400"/>
-                </a:solidFill>
-                <a:latin typeface="Menlo"/>
-                <a:ea typeface="Menlo"/>
-                <a:cs typeface="Menlo"/>
-                <a:sym typeface="Menlo"/>
+              <a:defRPr b="0" sz="1100">
+                <a:solidFill>
+                  <a:srgbClr val="5C2699"/>
+                </a:solidFill>
+                <a:latin typeface="Arial"/>
+                <a:ea typeface="Arial"/>
+                <a:cs typeface="Arial"/>
+                <a:sym typeface="Arial"/>
               </a:defRPr>
             </a:pPr>
             <a:r>
@@ -37718,8 +37668,8 @@
         </p:nvSpPr>
         <p:spPr>
           <a:xfrm>
-            <a:off x="554911" y="1894712"/>
-            <a:ext cx="4552577" cy="218441"/>
+            <a:off x="589862" y="1742468"/>
+            <a:ext cx="4184833" cy="293766"/>
           </a:xfrm>
           <a:prstGeom prst="rect">
             <a:avLst/>
@@ -37739,9 +37689,9 @@
           </a:bodyPr>
           <a:lstStyle/>
           <a:p>
-            <a:pPr marL="457200" indent="-317500" defTabSz="457200">
+            <a:pPr marL="527755" indent="-388055" defTabSz="457200">
               <a:lnSpc>
-                <a:spcPts val="2300"/>
+                <a:spcPts val="1700"/>
               </a:lnSpc>
               <a:spcBef>
                 <a:spcPts val="0"/>
@@ -37752,14 +37702,14 @@
               <a:buSzPct val="100000"/>
               <a:buFont typeface="Menlo"/>
               <a:buChar char="•"/>
-              <a:defRPr b="0" sz="900">
-                <a:solidFill>
-                  <a:srgbClr val="3F6E74"/>
-                </a:solidFill>
-                <a:latin typeface="Menlo"/>
-                <a:ea typeface="Menlo"/>
-                <a:cs typeface="Menlo"/>
-                <a:sym typeface="Menlo"/>
+              <a:defRPr b="0" sz="1100">
+                <a:solidFill>
+                  <a:srgbClr val="5C2699"/>
+                </a:solidFill>
+                <a:latin typeface="Arial"/>
+                <a:ea typeface="Arial"/>
+                <a:cs typeface="Arial"/>
+                <a:sym typeface="Arial"/>
               </a:defRPr>
             </a:pPr>
             <a:r>
@@ -37886,7 +37836,7 @@
         <p:spPr>
           <a:xfrm>
             <a:off x="577704" y="3382561"/>
-            <a:ext cx="4070876" cy="1209041"/>
+            <a:ext cx="3492404" cy="1589165"/>
           </a:xfrm>
           <a:prstGeom prst="rect">
             <a:avLst/>
@@ -37906,9 +37856,9 @@
           </a:bodyPr>
           <a:lstStyle/>
           <a:p>
-            <a:pPr marL="457200" indent="-317500" defTabSz="457200">
+            <a:pPr marL="527755" indent="-388055" defTabSz="457200">
               <a:lnSpc>
-                <a:spcPts val="2300"/>
+                <a:spcPts val="1700"/>
               </a:lnSpc>
               <a:spcBef>
                 <a:spcPts val="0"/>
@@ -37919,14 +37869,14 @@
               <a:buSzPct val="100000"/>
               <a:buFont typeface="Menlo"/>
               <a:buChar char="•"/>
-              <a:defRPr b="0" sz="900">
-                <a:solidFill>
-                  <a:srgbClr val="3F6E74"/>
-                </a:solidFill>
-                <a:latin typeface="Menlo"/>
-                <a:ea typeface="Menlo"/>
-                <a:cs typeface="Menlo"/>
-                <a:sym typeface="Menlo"/>
+              <a:defRPr b="0" sz="1100">
+                <a:solidFill>
+                  <a:srgbClr val="5C2699"/>
+                </a:solidFill>
+                <a:latin typeface="Arial"/>
+                <a:ea typeface="Arial"/>
+                <a:cs typeface="Arial"/>
+                <a:sym typeface="Arial"/>
               </a:defRPr>
             </a:pPr>
             <a:r>
@@ -37974,9 +37924,9 @@
             </a:endParaRPr>
           </a:p>
           <a:p>
-            <a:pPr marL="457200" indent="-317500" defTabSz="457200">
+            <a:pPr marL="527755" indent="-388055" defTabSz="457200">
               <a:lnSpc>
-                <a:spcPts val="2300"/>
+                <a:spcPts val="1700"/>
               </a:lnSpc>
               <a:spcBef>
                 <a:spcPts val="0"/>
@@ -37987,14 +37937,14 @@
               <a:buSzPct val="100000"/>
               <a:buFont typeface="Menlo"/>
               <a:buChar char="•"/>
-              <a:defRPr b="0" sz="900">
-                <a:solidFill>
-                  <a:srgbClr val="C41A16"/>
-                </a:solidFill>
-                <a:latin typeface="Menlo"/>
-                <a:ea typeface="Menlo"/>
-                <a:cs typeface="Menlo"/>
-                <a:sym typeface="Menlo"/>
+              <a:defRPr b="0" sz="1100">
+                <a:solidFill>
+                  <a:srgbClr val="5C2699"/>
+                </a:solidFill>
+                <a:latin typeface="Arial"/>
+                <a:ea typeface="Arial"/>
+                <a:cs typeface="Arial"/>
+                <a:sym typeface="Arial"/>
               </a:defRPr>
             </a:pPr>
             <a:r>
@@ -38039,9 +37989,9 @@
             </a:endParaRPr>
           </a:p>
           <a:p>
-            <a:pPr marL="457200" indent="-317500" defTabSz="457200">
+            <a:pPr marL="527755" indent="-388055" defTabSz="457200">
               <a:lnSpc>
-                <a:spcPts val="2300"/>
+                <a:spcPts val="1700"/>
               </a:lnSpc>
               <a:spcBef>
                 <a:spcPts val="0"/>
@@ -38052,14 +38002,14 @@
               <a:buSzPct val="100000"/>
               <a:buFont typeface="Menlo"/>
               <a:buChar char="•"/>
-              <a:defRPr b="0" sz="900">
-                <a:solidFill>
-                  <a:srgbClr val="333333"/>
-                </a:solidFill>
-                <a:latin typeface="Menlo"/>
-                <a:ea typeface="Menlo"/>
-                <a:cs typeface="Menlo"/>
-                <a:sym typeface="Menlo"/>
+              <a:defRPr b="0" sz="1100">
+                <a:solidFill>
+                  <a:srgbClr val="5C2699"/>
+                </a:solidFill>
+                <a:latin typeface="Arial"/>
+                <a:ea typeface="Arial"/>
+                <a:cs typeface="Arial"/>
+                <a:sym typeface="Arial"/>
               </a:defRPr>
             </a:pPr>
             <a:r>
@@ -38078,9 +38028,9 @@
             </a:r>
           </a:p>
           <a:p>
-            <a:pPr marL="457200" indent="-317500" defTabSz="457200">
+            <a:pPr marL="527755" indent="-388055" defTabSz="457200">
               <a:lnSpc>
-                <a:spcPts val="2300"/>
+                <a:spcPts val="1700"/>
               </a:lnSpc>
               <a:spcBef>
                 <a:spcPts val="0"/>
@@ -38091,14 +38041,14 @@
               <a:buSzPct val="100000"/>
               <a:buFont typeface="Menlo"/>
               <a:buChar char="•"/>
-              <a:defRPr b="0" sz="900">
-                <a:solidFill>
-                  <a:srgbClr val="C41A16"/>
-                </a:solidFill>
-                <a:latin typeface="Menlo"/>
-                <a:ea typeface="Menlo"/>
-                <a:cs typeface="Menlo"/>
-                <a:sym typeface="Menlo"/>
+              <a:defRPr b="0" sz="1100">
+                <a:solidFill>
+                  <a:srgbClr val="5C2699"/>
+                </a:solidFill>
+                <a:latin typeface="Arial"/>
+                <a:ea typeface="Arial"/>
+                <a:cs typeface="Arial"/>
+                <a:sym typeface="Arial"/>
               </a:defRPr>
             </a:pPr>
             <a:r>
@@ -38143,9 +38093,9 @@
             </a:endParaRPr>
           </a:p>
           <a:p>
-            <a:pPr marL="457200" indent="-317500" defTabSz="457200">
+            <a:pPr marL="527755" indent="-388055" defTabSz="457200">
               <a:lnSpc>
-                <a:spcPts val="2300"/>
+                <a:spcPts val="1700"/>
               </a:lnSpc>
               <a:spcBef>
                 <a:spcPts val="0"/>
@@ -38156,14 +38106,14 @@
               <a:buSzPct val="100000"/>
               <a:buFont typeface="Menlo"/>
               <a:buChar char="•"/>
-              <a:defRPr b="0" sz="900">
-                <a:solidFill>
-                  <a:srgbClr val="333333"/>
-                </a:solidFill>
-                <a:latin typeface="Menlo"/>
-                <a:ea typeface="Menlo"/>
-                <a:cs typeface="Menlo"/>
-                <a:sym typeface="Menlo"/>
+              <a:defRPr b="0" sz="1100">
+                <a:solidFill>
+                  <a:srgbClr val="5C2699"/>
+                </a:solidFill>
+                <a:latin typeface="Arial"/>
+                <a:ea typeface="Arial"/>
+                <a:cs typeface="Arial"/>
+                <a:sym typeface="Arial"/>
               </a:defRPr>
             </a:pPr>
             <a:r>
@@ -38171,9 +38121,9 @@
             </a:r>
           </a:p>
           <a:p>
-            <a:pPr marL="457200" indent="-317500" defTabSz="457200">
+            <a:pPr marL="527755" indent="-388055" defTabSz="457200">
               <a:lnSpc>
-                <a:spcPts val="2300"/>
+                <a:spcPts val="1700"/>
               </a:lnSpc>
               <a:spcBef>
                 <a:spcPts val="0"/>
@@ -38184,14 +38134,14 @@
               <a:buSzPct val="100000"/>
               <a:buFont typeface="Menlo"/>
               <a:buChar char="•"/>
-              <a:defRPr b="0" sz="900">
-                <a:solidFill>
-                  <a:srgbClr val="007400"/>
-                </a:solidFill>
-                <a:latin typeface="Menlo"/>
-                <a:ea typeface="Menlo"/>
-                <a:cs typeface="Menlo"/>
-                <a:sym typeface="Menlo"/>
+              <a:defRPr b="0" sz="1100">
+                <a:solidFill>
+                  <a:srgbClr val="5C2699"/>
+                </a:solidFill>
+                <a:latin typeface="Arial"/>
+                <a:ea typeface="Arial"/>
+                <a:cs typeface="Arial"/>
+                <a:sym typeface="Arial"/>
               </a:defRPr>
             </a:pPr>
             <a:r>
@@ -38341,7 +38291,7 @@
         <p:spPr>
           <a:xfrm>
             <a:off x="498191" y="1574989"/>
-            <a:ext cx="3795618" cy="383541"/>
+            <a:ext cx="3427193" cy="509665"/>
           </a:xfrm>
           <a:prstGeom prst="rect">
             <a:avLst/>
@@ -38361,9 +38311,9 @@
           </a:bodyPr>
           <a:lstStyle/>
           <a:p>
-            <a:pPr marL="457200" indent="-317500" defTabSz="457200">
+            <a:pPr marL="527755" indent="-388055" defTabSz="457200">
               <a:lnSpc>
-                <a:spcPts val="2300"/>
+                <a:spcPts val="1700"/>
               </a:lnSpc>
               <a:spcBef>
                 <a:spcPts val="0"/>
@@ -38374,61 +38324,24 @@
               <a:buSzPct val="100000"/>
               <a:buFont typeface="Menlo"/>
               <a:buChar char="•"/>
-              <a:defRPr b="0" sz="900">
-                <a:solidFill>
-                  <a:srgbClr val="3F6E74"/>
-                </a:solidFill>
-                <a:latin typeface="Menlo"/>
-                <a:ea typeface="Menlo"/>
-                <a:cs typeface="Menlo"/>
-                <a:sym typeface="Menlo"/>
+              <a:defRPr b="0" sz="1100">
+                <a:solidFill>
+                  <a:srgbClr val="5C2699"/>
+                </a:solidFill>
+                <a:latin typeface="Arial"/>
+                <a:ea typeface="Arial"/>
+                <a:cs typeface="Arial"/>
+                <a:sym typeface="Arial"/>
               </a:defRPr>
             </a:pPr>
             <a:r>
-              <a:t>airports</a:t>
-            </a:r>
-            <a:r>
-              <a:rPr>
-                <a:solidFill>
-                  <a:srgbClr val="333333"/>
-                </a:solidFill>
-              </a:rPr>
-              <a:t>[</a:t>
-            </a:r>
-            <a:r>
-              <a:rPr>
-                <a:solidFill>
-                  <a:srgbClr val="C41A16"/>
-                </a:solidFill>
-              </a:rPr>
-              <a:t>"LHR"</a:t>
-            </a:r>
-            <a:r>
-              <a:rPr>
-                <a:solidFill>
-                  <a:srgbClr val="333333"/>
-                </a:solidFill>
-              </a:rPr>
-              <a:t>] = </a:t>
-            </a:r>
-            <a:r>
-              <a:rPr>
-                <a:solidFill>
-                  <a:srgbClr val="C41A16"/>
-                </a:solidFill>
-              </a:rPr>
-              <a:t>"London"</a:t>
-            </a:r>
-            <a:endParaRPr>
-              <a:solidFill>
-                <a:srgbClr val="333333"/>
-              </a:solidFill>
-            </a:endParaRPr>
+              <a:t>airports["LHR"] = "London"</a:t>
+            </a:r>
           </a:p>
           <a:p>
-            <a:pPr marL="457200" indent="-317500" defTabSz="457200">
+            <a:pPr marL="527755" indent="-388055" defTabSz="457200">
               <a:lnSpc>
-                <a:spcPts val="2300"/>
+                <a:spcPts val="1700"/>
               </a:lnSpc>
               <a:spcBef>
                 <a:spcPts val="0"/>
@@ -38439,14 +38352,14 @@
               <a:buSzPct val="100000"/>
               <a:buFont typeface="Menlo"/>
               <a:buChar char="•"/>
-              <a:defRPr b="0" sz="900">
-                <a:solidFill>
-                  <a:srgbClr val="007400"/>
-                </a:solidFill>
-                <a:latin typeface="Menlo"/>
-                <a:ea typeface="Menlo"/>
-                <a:cs typeface="Menlo"/>
-                <a:sym typeface="Menlo"/>
+              <a:defRPr b="0" sz="1100">
+                <a:solidFill>
+                  <a:srgbClr val="5C2699"/>
+                </a:solidFill>
+                <a:latin typeface="Arial"/>
+                <a:ea typeface="Arial"/>
+                <a:cs typeface="Arial"/>
+                <a:sym typeface="Arial"/>
               </a:defRPr>
             </a:pPr>
             <a:r>
@@ -38504,8 +38417,8 @@
         </p:nvSpPr>
         <p:spPr>
           <a:xfrm>
-            <a:off x="484159" y="2066781"/>
-            <a:ext cx="4690206" cy="383541"/>
+            <a:off x="474805" y="2057426"/>
+            <a:ext cx="4519281" cy="509666"/>
           </a:xfrm>
           <a:prstGeom prst="rect">
             <a:avLst/>
@@ -38525,9 +38438,9 @@
           </a:bodyPr>
           <a:lstStyle/>
           <a:p>
-            <a:pPr marL="457200" indent="-317500" defTabSz="457200">
+            <a:pPr marL="527755" indent="-388055" defTabSz="457200">
               <a:lnSpc>
-                <a:spcPts val="2300"/>
+                <a:spcPts val="1700"/>
               </a:lnSpc>
               <a:spcBef>
                 <a:spcPts val="0"/>
@@ -38538,56 +38451,24 @@
               <a:buSzPct val="100000"/>
               <a:buFont typeface="Menlo"/>
               <a:buChar char="•"/>
-              <a:defRPr b="0" sz="900">
-                <a:solidFill>
-                  <a:srgbClr val="C41A16"/>
-                </a:solidFill>
-                <a:latin typeface="Menlo"/>
-                <a:ea typeface="Menlo"/>
-                <a:cs typeface="Menlo"/>
-                <a:sym typeface="Menlo"/>
+              <a:defRPr b="0" sz="1100">
+                <a:solidFill>
+                  <a:srgbClr val="5C2699"/>
+                </a:solidFill>
+                <a:latin typeface="Arial"/>
+                <a:ea typeface="Arial"/>
+                <a:cs typeface="Arial"/>
+                <a:sym typeface="Arial"/>
               </a:defRPr>
             </a:pPr>
             <a:r>
-              <a:rPr>
-                <a:solidFill>
-                  <a:srgbClr val="3F6E74"/>
-                </a:solidFill>
-              </a:rPr>
-              <a:t>airports</a:t>
-            </a:r>
-            <a:r>
-              <a:rPr>
-                <a:solidFill>
-                  <a:srgbClr val="333333"/>
-                </a:solidFill>
-              </a:rPr>
-              <a:t>[</a:t>
-            </a:r>
-            <a:r>
-              <a:t>"LHR"</a:t>
-            </a:r>
-            <a:r>
-              <a:rPr>
-                <a:solidFill>
-                  <a:srgbClr val="333333"/>
-                </a:solidFill>
-              </a:rPr>
-              <a:t>] = </a:t>
-            </a:r>
-            <a:r>
-              <a:t>"London Heathrow"</a:t>
-            </a:r>
-            <a:endParaRPr>
-              <a:solidFill>
-                <a:srgbClr val="333333"/>
-              </a:solidFill>
-            </a:endParaRPr>
+              <a:t>airports["LHR"] = "London Heathrow"</a:t>
+            </a:r>
           </a:p>
           <a:p>
-            <a:pPr marL="457200" indent="-317500" defTabSz="457200">
+            <a:pPr marL="527755" indent="-388055" defTabSz="457200">
               <a:lnSpc>
-                <a:spcPts val="2300"/>
+                <a:spcPts val="1700"/>
               </a:lnSpc>
               <a:spcBef>
                 <a:spcPts val="0"/>
@@ -38598,14 +38479,14 @@
               <a:buSzPct val="100000"/>
               <a:buFont typeface="Menlo"/>
               <a:buChar char="•"/>
-              <a:defRPr b="0" sz="900">
-                <a:solidFill>
-                  <a:srgbClr val="007400"/>
-                </a:solidFill>
-                <a:latin typeface="Menlo"/>
-                <a:ea typeface="Menlo"/>
-                <a:cs typeface="Menlo"/>
-                <a:sym typeface="Menlo"/>
+              <a:defRPr b="0" sz="1100">
+                <a:solidFill>
+                  <a:srgbClr val="5C2699"/>
+                </a:solidFill>
+                <a:latin typeface="Arial"/>
+                <a:ea typeface="Arial"/>
+                <a:cs typeface="Arial"/>
+                <a:sym typeface="Arial"/>
               </a:defRPr>
             </a:pPr>
             <a:r>
@@ -38622,8 +38503,8 @@
         </p:nvSpPr>
         <p:spPr>
           <a:xfrm>
-            <a:off x="498191" y="2614700"/>
-            <a:ext cx="5653607" cy="713741"/>
+            <a:off x="451419" y="3269513"/>
+            <a:ext cx="5006594" cy="941466"/>
           </a:xfrm>
           <a:prstGeom prst="rect">
             <a:avLst/>
@@ -38643,9 +38524,9 @@
           </a:bodyPr>
           <a:lstStyle/>
           <a:p>
-            <a:pPr marL="457200" indent="-317500" defTabSz="457200">
+            <a:pPr marL="527755" indent="-388055" defTabSz="457200">
               <a:lnSpc>
-                <a:spcPts val="2300"/>
+                <a:spcPts val="1700"/>
               </a:lnSpc>
               <a:spcBef>
                 <a:spcPts val="0"/>
@@ -38656,14 +38537,14 @@
               <a:buSzPct val="100000"/>
               <a:buFont typeface="Menlo"/>
               <a:buChar char="•"/>
-              <a:defRPr b="0" sz="900">
-                <a:solidFill>
-                  <a:srgbClr val="C41A16"/>
-                </a:solidFill>
-                <a:latin typeface="Menlo"/>
-                <a:ea typeface="Menlo"/>
-                <a:cs typeface="Menlo"/>
-                <a:sym typeface="Menlo"/>
+              <a:defRPr b="0" sz="1100">
+                <a:solidFill>
+                  <a:srgbClr val="5C2699"/>
+                </a:solidFill>
+                <a:latin typeface="Arial"/>
+                <a:ea typeface="Arial"/>
+                <a:cs typeface="Arial"/>
+                <a:sym typeface="Arial"/>
               </a:defRPr>
             </a:pPr>
             <a:r>
@@ -38791,9 +38672,9 @@
             </a:endParaRPr>
           </a:p>
           <a:p>
-            <a:pPr marL="457200" indent="-317500" defTabSz="457200">
+            <a:pPr marL="527755" indent="-388055" defTabSz="457200">
               <a:lnSpc>
-                <a:spcPts val="2300"/>
+                <a:spcPts val="1700"/>
               </a:lnSpc>
               <a:spcBef>
                 <a:spcPts val="0"/>
@@ -38804,14 +38685,14 @@
               <a:buSzPct val="100000"/>
               <a:buFont typeface="Menlo"/>
               <a:buChar char="•"/>
-              <a:defRPr b="0" sz="900">
-                <a:solidFill>
-                  <a:srgbClr val="C41A16"/>
-                </a:solidFill>
-                <a:latin typeface="Menlo"/>
-                <a:ea typeface="Menlo"/>
-                <a:cs typeface="Menlo"/>
-                <a:sym typeface="Menlo"/>
+              <a:defRPr b="0" sz="1100">
+                <a:solidFill>
+                  <a:srgbClr val="5C2699"/>
+                </a:solidFill>
+                <a:latin typeface="Arial"/>
+                <a:ea typeface="Arial"/>
+                <a:cs typeface="Arial"/>
+                <a:sym typeface="Arial"/>
               </a:defRPr>
             </a:pPr>
             <a:r>
@@ -38883,9 +38764,9 @@
             </a:endParaRPr>
           </a:p>
           <a:p>
-            <a:pPr marL="457200" indent="-317500" defTabSz="457200">
+            <a:pPr marL="527755" indent="-388055" defTabSz="457200">
               <a:lnSpc>
-                <a:spcPts val="2300"/>
+                <a:spcPts val="1700"/>
               </a:lnSpc>
               <a:spcBef>
                 <a:spcPts val="0"/>
@@ -38896,14 +38777,14 @@
               <a:buSzPct val="100000"/>
               <a:buFont typeface="Menlo"/>
               <a:buChar char="•"/>
-              <a:defRPr b="0" sz="900">
-                <a:solidFill>
-                  <a:srgbClr val="333333"/>
-                </a:solidFill>
-                <a:latin typeface="Menlo"/>
-                <a:ea typeface="Menlo"/>
-                <a:cs typeface="Menlo"/>
-                <a:sym typeface="Menlo"/>
+              <a:defRPr b="0" sz="1100">
+                <a:solidFill>
+                  <a:srgbClr val="5C2699"/>
+                </a:solidFill>
+                <a:latin typeface="Arial"/>
+                <a:ea typeface="Arial"/>
+                <a:cs typeface="Arial"/>
+                <a:sym typeface="Arial"/>
               </a:defRPr>
             </a:pPr>
             <a:r>
@@ -38911,9 +38792,9 @@
             </a:r>
           </a:p>
           <a:p>
-            <a:pPr marL="457200" indent="-317500" defTabSz="457200">
+            <a:pPr marL="527755" indent="-388055" defTabSz="457200">
               <a:lnSpc>
-                <a:spcPts val="2300"/>
+                <a:spcPts val="1700"/>
               </a:lnSpc>
               <a:spcBef>
                 <a:spcPts val="0"/>
@@ -38924,14 +38805,14 @@
               <a:buSzPct val="100000"/>
               <a:buFont typeface="Menlo"/>
               <a:buChar char="•"/>
-              <a:defRPr b="0" sz="900">
-                <a:solidFill>
-                  <a:srgbClr val="007400"/>
-                </a:solidFill>
-                <a:latin typeface="Menlo"/>
-                <a:ea typeface="Menlo"/>
-                <a:cs typeface="Menlo"/>
-                <a:sym typeface="Menlo"/>
+              <a:defRPr b="0" sz="1100">
+                <a:solidFill>
+                  <a:srgbClr val="5C2699"/>
+                </a:solidFill>
+                <a:latin typeface="Arial"/>
+                <a:ea typeface="Arial"/>
+                <a:cs typeface="Arial"/>
+                <a:sym typeface="Arial"/>
               </a:defRPr>
             </a:pPr>
             <a:r>
@@ -38948,8 +38829,8 @@
         </p:nvSpPr>
         <p:spPr>
           <a:xfrm>
-            <a:off x="498191" y="3524817"/>
-            <a:ext cx="4759020" cy="1209041"/>
+            <a:off x="5189461" y="1097330"/>
+            <a:ext cx="3927329" cy="1373265"/>
           </a:xfrm>
           <a:prstGeom prst="rect">
             <a:avLst/>
@@ -38969,9 +38850,9 @@
           </a:bodyPr>
           <a:lstStyle/>
           <a:p>
-            <a:pPr marL="457200" indent="-317500" defTabSz="457200">
+            <a:pPr marL="527755" indent="-388055" defTabSz="457200">
               <a:lnSpc>
-                <a:spcPts val="2300"/>
+                <a:spcPts val="1700"/>
               </a:lnSpc>
               <a:spcBef>
                 <a:spcPts val="0"/>
@@ -38982,96 +38863,24 @@
               <a:buSzPct val="100000"/>
               <a:buFont typeface="Menlo"/>
               <a:buChar char="•"/>
-              <a:defRPr b="0" sz="900">
-                <a:solidFill>
-                  <a:srgbClr val="3F6E74"/>
-                </a:solidFill>
-                <a:latin typeface="Menlo"/>
-                <a:ea typeface="Menlo"/>
-                <a:cs typeface="Menlo"/>
-                <a:sym typeface="Menlo"/>
+              <a:defRPr b="0" sz="1100">
+                <a:solidFill>
+                  <a:srgbClr val="5C2699"/>
+                </a:solidFill>
+                <a:latin typeface="Arial"/>
+                <a:ea typeface="Arial"/>
+                <a:cs typeface="Arial"/>
+                <a:sym typeface="Arial"/>
               </a:defRPr>
             </a:pPr>
             <a:r>
-              <a:rPr>
-                <a:solidFill>
-                  <a:srgbClr val="AA0D91"/>
-                </a:solidFill>
-              </a:rPr>
-              <a:t>if</a:t>
-            </a:r>
-            <a:r>
-              <a:rPr>
-                <a:solidFill>
-                  <a:srgbClr val="333333"/>
-                </a:solidFill>
-              </a:rPr>
-              <a:t> </a:t>
-            </a:r>
-            <a:r>
-              <a:rPr>
-                <a:solidFill>
-                  <a:srgbClr val="AA0D91"/>
-                </a:solidFill>
-              </a:rPr>
-              <a:t>let</a:t>
-            </a:r>
-            <a:r>
-              <a:rPr>
-                <a:solidFill>
-                  <a:srgbClr val="333333"/>
-                </a:solidFill>
-              </a:rPr>
-              <a:t> </a:t>
-            </a:r>
-            <a:r>
-              <a:t>airportName</a:t>
-            </a:r>
-            <a:r>
-              <a:rPr>
-                <a:solidFill>
-                  <a:srgbClr val="333333"/>
-                </a:solidFill>
-              </a:rPr>
-              <a:t> = </a:t>
-            </a:r>
-            <a:r>
-              <a:t>airports</a:t>
-            </a:r>
-            <a:r>
-              <a:rPr>
-                <a:solidFill>
-                  <a:srgbClr val="333333"/>
-                </a:solidFill>
-              </a:rPr>
-              <a:t>[</a:t>
-            </a:r>
-            <a:r>
-              <a:rPr>
-                <a:solidFill>
-                  <a:srgbClr val="C41A16"/>
-                </a:solidFill>
-              </a:rPr>
-              <a:t>"DUB"</a:t>
-            </a:r>
-            <a:r>
-              <a:rPr>
-                <a:solidFill>
-                  <a:srgbClr val="333333"/>
-                </a:solidFill>
-              </a:rPr>
-              <a:t>] {</a:t>
-            </a:r>
-            <a:endParaRPr>
-              <a:solidFill>
-                <a:srgbClr val="333333"/>
-              </a:solidFill>
-            </a:endParaRPr>
+              <a:t>if let airportName = airports["DUB"] {</a:t>
+            </a:r>
           </a:p>
           <a:p>
-            <a:pPr marL="457200" indent="-317500" defTabSz="457200">
+            <a:pPr marL="527755" indent="-388055" defTabSz="457200">
               <a:lnSpc>
-                <a:spcPts val="2300"/>
+                <a:spcPts val="1700"/>
               </a:lnSpc>
               <a:spcBef>
                 <a:spcPts val="0"/>
@@ -39082,88 +38891,24 @@
               <a:buSzPct val="100000"/>
               <a:buFont typeface="Menlo"/>
               <a:buChar char="•"/>
-              <a:defRPr b="0" sz="900">
-                <a:solidFill>
-                  <a:srgbClr val="C41A16"/>
-                </a:solidFill>
-                <a:latin typeface="Menlo"/>
-                <a:ea typeface="Menlo"/>
-                <a:cs typeface="Menlo"/>
-                <a:sym typeface="Menlo"/>
+              <a:defRPr b="0" sz="1100">
+                <a:solidFill>
+                  <a:srgbClr val="5C2699"/>
+                </a:solidFill>
+                <a:latin typeface="Arial"/>
+                <a:ea typeface="Arial"/>
+                <a:cs typeface="Arial"/>
+                <a:sym typeface="Arial"/>
               </a:defRPr>
             </a:pPr>
             <a:r>
-              <a:rPr>
-                <a:solidFill>
-                  <a:srgbClr val="333333"/>
-                </a:solidFill>
-              </a:rPr>
-              <a:t>    </a:t>
-            </a:r>
-            <a:r>
-              <a:rPr>
-                <a:solidFill>
-                  <a:srgbClr val="3F6E74"/>
-                </a:solidFill>
-              </a:rPr>
-              <a:t>print</a:t>
-            </a:r>
-            <a:r>
-              <a:rPr>
-                <a:solidFill>
-                  <a:srgbClr val="333333"/>
-                </a:solidFill>
-              </a:rPr>
-              <a:t>(</a:t>
-            </a:r>
-            <a:r>
-              <a:t>"The name of the airport is </a:t>
-            </a:r>
-            <a:r>
-              <a:rPr>
-                <a:solidFill>
-                  <a:srgbClr val="333333"/>
-                </a:solidFill>
-              </a:rPr>
-              <a:t>\(</a:t>
-            </a:r>
-            <a:r>
-              <a:rPr>
-                <a:solidFill>
-                  <a:srgbClr val="3F6E74"/>
-                </a:solidFill>
-              </a:rPr>
-              <a:t>airportName</a:t>
-            </a:r>
-            <a:r>
-              <a:rPr>
-                <a:solidFill>
-                  <a:srgbClr val="333333"/>
-                </a:solidFill>
-              </a:rPr>
-              <a:t>)</a:t>
-            </a:r>
-            <a:r>
-              <a:t>."</a:t>
-            </a:r>
-            <a:r>
-              <a:rPr>
-                <a:solidFill>
-                  <a:srgbClr val="333333"/>
-                </a:solidFill>
-              </a:rPr>
-              <a:t>)</a:t>
-            </a:r>
-            <a:endParaRPr>
-              <a:solidFill>
-                <a:srgbClr val="333333"/>
-              </a:solidFill>
-            </a:endParaRPr>
+              <a:t>    print("The name of the airport is \(airportName).")</a:t>
+            </a:r>
           </a:p>
           <a:p>
-            <a:pPr marL="457200" indent="-317500" defTabSz="457200">
+            <a:pPr marL="527755" indent="-388055" defTabSz="457200">
               <a:lnSpc>
-                <a:spcPts val="2300"/>
+                <a:spcPts val="1700"/>
               </a:lnSpc>
               <a:spcBef>
                 <a:spcPts val="0"/>
@@ -39174,35 +38919,24 @@
               <a:buSzPct val="100000"/>
               <a:buFont typeface="Menlo"/>
               <a:buChar char="•"/>
-              <a:defRPr b="0" sz="900">
-                <a:solidFill>
-                  <a:srgbClr val="333333"/>
-                </a:solidFill>
-                <a:latin typeface="Menlo"/>
-                <a:ea typeface="Menlo"/>
-                <a:cs typeface="Menlo"/>
-                <a:sym typeface="Menlo"/>
+              <a:defRPr b="0" sz="1100">
+                <a:solidFill>
+                  <a:srgbClr val="5C2699"/>
+                </a:solidFill>
+                <a:latin typeface="Arial"/>
+                <a:ea typeface="Arial"/>
+                <a:cs typeface="Arial"/>
+                <a:sym typeface="Arial"/>
               </a:defRPr>
             </a:pPr>
             <a:r>
-              <a:t>} </a:t>
-            </a:r>
-            <a:r>
-              <a:rPr>
-                <a:solidFill>
-                  <a:srgbClr val="AA0D91"/>
-                </a:solidFill>
-              </a:rPr>
-              <a:t>else</a:t>
-            </a:r>
-            <a:r>
-              <a:t> {</a:t>
+              <a:t>} else {</a:t>
             </a:r>
           </a:p>
           <a:p>
-            <a:pPr marL="457200" indent="-317500" defTabSz="457200">
+            <a:pPr marL="527755" indent="-388055" defTabSz="457200">
               <a:lnSpc>
-                <a:spcPts val="2300"/>
+                <a:spcPts val="1700"/>
               </a:lnSpc>
               <a:spcBef>
                 <a:spcPts val="0"/>
@@ -39213,61 +38947,24 @@
               <a:buSzPct val="100000"/>
               <a:buFont typeface="Menlo"/>
               <a:buChar char="•"/>
-              <a:defRPr b="0" sz="900">
-                <a:solidFill>
-                  <a:srgbClr val="C41A16"/>
-                </a:solidFill>
-                <a:latin typeface="Menlo"/>
-                <a:ea typeface="Menlo"/>
-                <a:cs typeface="Menlo"/>
-                <a:sym typeface="Menlo"/>
+              <a:defRPr b="0" sz="1100">
+                <a:solidFill>
+                  <a:srgbClr val="5C2699"/>
+                </a:solidFill>
+                <a:latin typeface="Arial"/>
+                <a:ea typeface="Arial"/>
+                <a:cs typeface="Arial"/>
+                <a:sym typeface="Arial"/>
               </a:defRPr>
             </a:pPr>
             <a:r>
-              <a:rPr>
-                <a:solidFill>
-                  <a:srgbClr val="333333"/>
-                </a:solidFill>
-              </a:rPr>
-              <a:t>    </a:t>
-            </a:r>
-            <a:r>
-              <a:rPr>
-                <a:solidFill>
-                  <a:srgbClr val="3F6E74"/>
-                </a:solidFill>
-              </a:rPr>
-              <a:t>print</a:t>
-            </a:r>
-            <a:r>
-              <a:rPr>
-                <a:solidFill>
-                  <a:srgbClr val="333333"/>
-                </a:solidFill>
-              </a:rPr>
-              <a:t>(</a:t>
-            </a:r>
-            <a:r>
-              <a:t>"That airport is not in the airports dictionary."</a:t>
-            </a:r>
-            <a:r>
-              <a:rPr>
-                <a:solidFill>
-                  <a:srgbClr val="333333"/>
-                </a:solidFill>
-              </a:rPr>
-              <a:t>)</a:t>
-            </a:r>
-            <a:endParaRPr>
-              <a:solidFill>
-                <a:srgbClr val="333333"/>
-              </a:solidFill>
-            </a:endParaRPr>
+              <a:t>    print("That airport is not in the airports dictionary.")</a:t>
+            </a:r>
           </a:p>
           <a:p>
-            <a:pPr marL="457200" indent="-317500" defTabSz="457200">
+            <a:pPr marL="527755" indent="-388055" defTabSz="457200">
               <a:lnSpc>
-                <a:spcPts val="2300"/>
+                <a:spcPts val="1700"/>
               </a:lnSpc>
               <a:spcBef>
                 <a:spcPts val="0"/>
@@ -39278,14 +38975,14 @@
               <a:buSzPct val="100000"/>
               <a:buFont typeface="Menlo"/>
               <a:buChar char="•"/>
-              <a:defRPr b="0" sz="900">
-                <a:solidFill>
-                  <a:srgbClr val="333333"/>
-                </a:solidFill>
-                <a:latin typeface="Menlo"/>
-                <a:ea typeface="Menlo"/>
-                <a:cs typeface="Menlo"/>
-                <a:sym typeface="Menlo"/>
+              <a:defRPr b="0" sz="1100">
+                <a:solidFill>
+                  <a:srgbClr val="5C2699"/>
+                </a:solidFill>
+                <a:latin typeface="Arial"/>
+                <a:ea typeface="Arial"/>
+                <a:cs typeface="Arial"/>
+                <a:sym typeface="Arial"/>
               </a:defRPr>
             </a:pPr>
             <a:r>
@@ -39293,9 +38990,9 @@
             </a:r>
           </a:p>
           <a:p>
-            <a:pPr marL="457200" indent="-317500" defTabSz="457200">
+            <a:pPr marL="527755" indent="-388055" defTabSz="457200">
               <a:lnSpc>
-                <a:spcPts val="2300"/>
+                <a:spcPts val="1700"/>
               </a:lnSpc>
               <a:spcBef>
                 <a:spcPts val="0"/>
@@ -39306,24 +39003,19 @@
               <a:buSzPct val="100000"/>
               <a:buFont typeface="Menlo"/>
               <a:buChar char="•"/>
-              <a:defRPr b="0" sz="900">
-                <a:solidFill>
-                  <a:srgbClr val="007400"/>
-                </a:solidFill>
-                <a:latin typeface="Menlo"/>
-                <a:ea typeface="Menlo"/>
-                <a:cs typeface="Menlo"/>
-                <a:sym typeface="Menlo"/>
+              <a:defRPr b="0" sz="1100">
+                <a:solidFill>
+                  <a:srgbClr val="5C2699"/>
+                </a:solidFill>
+                <a:latin typeface="Arial"/>
+                <a:ea typeface="Arial"/>
+                <a:cs typeface="Arial"/>
+                <a:sym typeface="Arial"/>
               </a:defRPr>
             </a:pPr>
             <a:r>
               <a:t>// Prints "The name of the airport is Dublin Airport."</a:t>
             </a:r>
-            <a:endParaRPr>
-              <a:solidFill>
-                <a:srgbClr val="333333"/>
-              </a:solidFill>
-            </a:endParaRPr>
           </a:p>
         </p:txBody>
       </p:sp>
@@ -39462,8 +39154,8 @@
         </p:nvSpPr>
         <p:spPr>
           <a:xfrm>
-            <a:off x="498191" y="1574989"/>
-            <a:ext cx="5447164" cy="713741"/>
+            <a:off x="502868" y="1453381"/>
+            <a:ext cx="4613893" cy="941465"/>
           </a:xfrm>
           <a:prstGeom prst="rect">
             <a:avLst/>
@@ -39483,9 +39175,9 @@
           </a:bodyPr>
           <a:lstStyle/>
           <a:p>
-            <a:pPr marL="457200" indent="-317500" defTabSz="457200">
+            <a:pPr marL="527755" indent="-388055" defTabSz="457200">
               <a:lnSpc>
-                <a:spcPts val="2300"/>
+                <a:spcPts val="1700"/>
               </a:lnSpc>
               <a:spcBef>
                 <a:spcPts val="0"/>
@@ -39496,14 +39188,14 @@
               <a:buSzPct val="100000"/>
               <a:buFont typeface="Menlo"/>
               <a:buChar char="•"/>
-              <a:defRPr b="0" sz="900">
-                <a:solidFill>
-                  <a:srgbClr val="C41A16"/>
-                </a:solidFill>
-                <a:latin typeface="Menlo"/>
-                <a:ea typeface="Menlo"/>
-                <a:cs typeface="Menlo"/>
-                <a:sym typeface="Menlo"/>
+              <a:defRPr b="0" sz="1100">
+                <a:solidFill>
+                  <a:srgbClr val="5C2699"/>
+                </a:solidFill>
+                <a:latin typeface="Arial"/>
+                <a:ea typeface="Arial"/>
+                <a:cs typeface="Arial"/>
+                <a:sym typeface="Arial"/>
               </a:defRPr>
             </a:pPr>
             <a:r>
@@ -39543,9 +39235,9 @@
             </a:endParaRPr>
           </a:p>
           <a:p>
-            <a:pPr marL="457200" indent="-317500" defTabSz="457200">
+            <a:pPr marL="527755" indent="-388055" defTabSz="457200">
               <a:lnSpc>
-                <a:spcPts val="2300"/>
+                <a:spcPts val="1700"/>
               </a:lnSpc>
               <a:spcBef>
                 <a:spcPts val="0"/>
@@ -39556,14 +39248,14 @@
               <a:buSzPct val="100000"/>
               <a:buFont typeface="Menlo"/>
               <a:buChar char="•"/>
-              <a:defRPr b="0" sz="900">
-                <a:solidFill>
-                  <a:srgbClr val="007400"/>
-                </a:solidFill>
-                <a:latin typeface="Menlo"/>
-                <a:ea typeface="Menlo"/>
-                <a:cs typeface="Menlo"/>
-                <a:sym typeface="Menlo"/>
+              <a:defRPr b="0" sz="1100">
+                <a:solidFill>
+                  <a:srgbClr val="5C2699"/>
+                </a:solidFill>
+                <a:latin typeface="Arial"/>
+                <a:ea typeface="Arial"/>
+                <a:cs typeface="Arial"/>
+                <a:sym typeface="Arial"/>
               </a:defRPr>
             </a:pPr>
             <a:r>
@@ -39576,9 +39268,9 @@
             </a:endParaRPr>
           </a:p>
           <a:p>
-            <a:pPr marL="457200" indent="-317500" defTabSz="457200">
+            <a:pPr marL="527755" indent="-388055" defTabSz="457200">
               <a:lnSpc>
-                <a:spcPts val="2300"/>
+                <a:spcPts val="1700"/>
               </a:lnSpc>
               <a:spcBef>
                 <a:spcPts val="0"/>
@@ -39589,14 +39281,14 @@
               <a:buSzPct val="100000"/>
               <a:buFont typeface="Menlo"/>
               <a:buChar char="•"/>
-              <a:defRPr b="0" sz="900">
-                <a:solidFill>
-                  <a:srgbClr val="3F6E74"/>
-                </a:solidFill>
-                <a:latin typeface="Menlo"/>
-                <a:ea typeface="Menlo"/>
-                <a:cs typeface="Menlo"/>
-                <a:sym typeface="Menlo"/>
+              <a:defRPr b="0" sz="1100">
+                <a:solidFill>
+                  <a:srgbClr val="5C2699"/>
+                </a:solidFill>
+                <a:latin typeface="Arial"/>
+                <a:ea typeface="Arial"/>
+                <a:cs typeface="Arial"/>
+                <a:sym typeface="Arial"/>
               </a:defRPr>
             </a:pPr>
             <a:r>
@@ -39641,9 +39333,9 @@
             </a:endParaRPr>
           </a:p>
           <a:p>
-            <a:pPr marL="457200" indent="-317500" defTabSz="457200">
+            <a:pPr marL="527755" indent="-388055" defTabSz="457200">
               <a:lnSpc>
-                <a:spcPts val="2300"/>
+                <a:spcPts val="1700"/>
               </a:lnSpc>
               <a:spcBef>
                 <a:spcPts val="0"/>
@@ -39654,14 +39346,14 @@
               <a:buSzPct val="100000"/>
               <a:buFont typeface="Menlo"/>
               <a:buChar char="•"/>
-              <a:defRPr b="0" sz="900">
-                <a:solidFill>
-                  <a:srgbClr val="007400"/>
-                </a:solidFill>
-                <a:latin typeface="Menlo"/>
-                <a:ea typeface="Menlo"/>
-                <a:cs typeface="Menlo"/>
-                <a:sym typeface="Menlo"/>
+              <a:defRPr b="0" sz="1100">
+                <a:solidFill>
+                  <a:srgbClr val="5C2699"/>
+                </a:solidFill>
+                <a:latin typeface="Arial"/>
+                <a:ea typeface="Arial"/>
+                <a:cs typeface="Arial"/>
+                <a:sym typeface="Arial"/>
               </a:defRPr>
             </a:pPr>
             <a:r>
@@ -39719,8 +39411,8 @@
         </p:nvSpPr>
         <p:spPr>
           <a:xfrm>
-            <a:off x="498191" y="2510710"/>
-            <a:ext cx="5447164" cy="1043941"/>
+            <a:off x="535609" y="2590223"/>
+            <a:ext cx="4799772" cy="1373266"/>
           </a:xfrm>
           <a:prstGeom prst="rect">
             <a:avLst/>
@@ -39740,9 +39432,9 @@
           </a:bodyPr>
           <a:lstStyle/>
           <a:p>
-            <a:pPr marL="457200" indent="-317500" defTabSz="457200">
+            <a:pPr marL="527755" indent="-388055" defTabSz="457200">
               <a:lnSpc>
-                <a:spcPts val="2300"/>
+                <a:spcPts val="1700"/>
               </a:lnSpc>
               <a:spcBef>
                 <a:spcPts val="0"/>
@@ -39753,14 +39445,14 @@
               <a:buSzPct val="100000"/>
               <a:buFont typeface="Menlo"/>
               <a:buChar char="•"/>
-              <a:defRPr b="0" sz="900">
-                <a:solidFill>
-                  <a:srgbClr val="3F6E74"/>
-                </a:solidFill>
-                <a:latin typeface="Menlo"/>
-                <a:ea typeface="Menlo"/>
-                <a:cs typeface="Menlo"/>
-                <a:sym typeface="Menlo"/>
+              <a:defRPr b="0" sz="1100">
+                <a:solidFill>
+                  <a:srgbClr val="5C2699"/>
+                </a:solidFill>
+                <a:latin typeface="Arial"/>
+                <a:ea typeface="Arial"/>
+                <a:cs typeface="Arial"/>
+                <a:sym typeface="Arial"/>
               </a:defRPr>
             </a:pPr>
             <a:r>
@@ -39862,9 +39554,9 @@
             </a:endParaRPr>
           </a:p>
           <a:p>
-            <a:pPr marL="457200" indent="-317500" defTabSz="457200">
+            <a:pPr marL="527755" indent="-388055" defTabSz="457200">
               <a:lnSpc>
-                <a:spcPts val="2300"/>
+                <a:spcPts val="1700"/>
               </a:lnSpc>
               <a:spcBef>
                 <a:spcPts val="0"/>
@@ -39875,14 +39567,14 @@
               <a:buSzPct val="100000"/>
               <a:buFont typeface="Menlo"/>
               <a:buChar char="•"/>
-              <a:defRPr b="0" sz="900">
-                <a:solidFill>
-                  <a:srgbClr val="C41A16"/>
-                </a:solidFill>
-                <a:latin typeface="Menlo"/>
-                <a:ea typeface="Menlo"/>
-                <a:cs typeface="Menlo"/>
-                <a:sym typeface="Menlo"/>
+              <a:defRPr b="0" sz="1100">
+                <a:solidFill>
+                  <a:srgbClr val="5C2699"/>
+                </a:solidFill>
+                <a:latin typeface="Arial"/>
+                <a:ea typeface="Arial"/>
+                <a:cs typeface="Arial"/>
+                <a:sym typeface="Arial"/>
               </a:defRPr>
             </a:pPr>
             <a:r>
@@ -39954,9 +39646,9 @@
             </a:endParaRPr>
           </a:p>
           <a:p>
-            <a:pPr marL="457200" indent="-317500" defTabSz="457200">
+            <a:pPr marL="527755" indent="-388055" defTabSz="457200">
               <a:lnSpc>
-                <a:spcPts val="2300"/>
+                <a:spcPts val="1700"/>
               </a:lnSpc>
               <a:spcBef>
                 <a:spcPts val="0"/>
@@ -39967,14 +39659,14 @@
               <a:buSzPct val="100000"/>
               <a:buFont typeface="Menlo"/>
               <a:buChar char="•"/>
-              <a:defRPr b="0" sz="900">
-                <a:solidFill>
-                  <a:srgbClr val="333333"/>
-                </a:solidFill>
-                <a:latin typeface="Menlo"/>
-                <a:ea typeface="Menlo"/>
-                <a:cs typeface="Menlo"/>
-                <a:sym typeface="Menlo"/>
+              <a:defRPr b="0" sz="1100">
+                <a:solidFill>
+                  <a:srgbClr val="5C2699"/>
+                </a:solidFill>
+                <a:latin typeface="Arial"/>
+                <a:ea typeface="Arial"/>
+                <a:cs typeface="Arial"/>
+                <a:sym typeface="Arial"/>
               </a:defRPr>
             </a:pPr>
             <a:r>
@@ -39993,9 +39685,9 @@
             </a:r>
           </a:p>
           <a:p>
-            <a:pPr marL="457200" indent="-317500" defTabSz="457200">
+            <a:pPr marL="527755" indent="-388055" defTabSz="457200">
               <a:lnSpc>
-                <a:spcPts val="2300"/>
+                <a:spcPts val="1700"/>
               </a:lnSpc>
               <a:spcBef>
                 <a:spcPts val="0"/>
@@ -40006,14 +39698,14 @@
               <a:buSzPct val="100000"/>
               <a:buFont typeface="Menlo"/>
               <a:buChar char="•"/>
-              <a:defRPr b="0" sz="900">
-                <a:solidFill>
-                  <a:srgbClr val="C41A16"/>
-                </a:solidFill>
-                <a:latin typeface="Menlo"/>
-                <a:ea typeface="Menlo"/>
-                <a:cs typeface="Menlo"/>
-                <a:sym typeface="Menlo"/>
+              <a:defRPr b="0" sz="1100">
+                <a:solidFill>
+                  <a:srgbClr val="5C2699"/>
+                </a:solidFill>
+                <a:latin typeface="Arial"/>
+                <a:ea typeface="Arial"/>
+                <a:cs typeface="Arial"/>
+                <a:sym typeface="Arial"/>
               </a:defRPr>
             </a:pPr>
             <a:r>
@@ -40058,9 +39750,9 @@
             </a:endParaRPr>
           </a:p>
           <a:p>
-            <a:pPr marL="457200" indent="-317500" defTabSz="457200">
+            <a:pPr marL="527755" indent="-388055" defTabSz="457200">
               <a:lnSpc>
-                <a:spcPts val="2300"/>
+                <a:spcPts val="1700"/>
               </a:lnSpc>
               <a:spcBef>
                 <a:spcPts val="0"/>
@@ -40071,14 +39763,14 @@
               <a:buSzPct val="100000"/>
               <a:buFont typeface="Menlo"/>
               <a:buChar char="•"/>
-              <a:defRPr b="0" sz="900">
-                <a:solidFill>
-                  <a:srgbClr val="333333"/>
-                </a:solidFill>
-                <a:latin typeface="Menlo"/>
-                <a:ea typeface="Menlo"/>
-                <a:cs typeface="Menlo"/>
-                <a:sym typeface="Menlo"/>
+              <a:defRPr b="0" sz="1100">
+                <a:solidFill>
+                  <a:srgbClr val="5C2699"/>
+                </a:solidFill>
+                <a:latin typeface="Arial"/>
+                <a:ea typeface="Arial"/>
+                <a:cs typeface="Arial"/>
+                <a:sym typeface="Arial"/>
               </a:defRPr>
             </a:pPr>
             <a:r>
@@ -40086,9 +39778,9 @@
             </a:r>
           </a:p>
           <a:p>
-            <a:pPr marL="457200" indent="-317500" defTabSz="457200">
+            <a:pPr marL="527755" indent="-388055" defTabSz="457200">
               <a:lnSpc>
-                <a:spcPts val="2300"/>
+                <a:spcPts val="1700"/>
               </a:lnSpc>
               <a:spcBef>
                 <a:spcPts val="0"/>
@@ -40099,14 +39791,14 @@
               <a:buSzPct val="100000"/>
               <a:buFont typeface="Menlo"/>
               <a:buChar char="•"/>
-              <a:defRPr b="0" sz="900">
-                <a:solidFill>
-                  <a:srgbClr val="007400"/>
-                </a:solidFill>
-                <a:latin typeface="Menlo"/>
-                <a:ea typeface="Menlo"/>
-                <a:cs typeface="Menlo"/>
-                <a:sym typeface="Menlo"/>
+              <a:defRPr b="0" sz="1100">
+                <a:solidFill>
+                  <a:srgbClr val="5C2699"/>
+                </a:solidFill>
+                <a:latin typeface="Arial"/>
+                <a:ea typeface="Arial"/>
+                <a:cs typeface="Arial"/>
+                <a:sym typeface="Arial"/>
               </a:defRPr>
             </a:pPr>
             <a:r>
@@ -40251,7 +39943,7 @@
         <p:spPr>
           <a:xfrm>
             <a:off x="498191" y="1574989"/>
-            <a:ext cx="3657989" cy="1043941"/>
+            <a:ext cx="3279444" cy="1373265"/>
           </a:xfrm>
           <a:prstGeom prst="rect">
             <a:avLst/>
@@ -40271,9 +39963,9 @@
           </a:bodyPr>
           <a:lstStyle/>
           <a:p>
-            <a:pPr marL="457200" indent="-317500" defTabSz="457200">
+            <a:pPr marL="527755" indent="-388055" defTabSz="457200">
               <a:lnSpc>
-                <a:spcPts val="2300"/>
+                <a:spcPts val="1700"/>
               </a:lnSpc>
               <a:spcBef>
                 <a:spcPts val="0"/>
@@ -40284,14 +39976,14 @@
               <a:buSzPct val="100000"/>
               <a:buFont typeface="Menlo"/>
               <a:buChar char="•"/>
-              <a:defRPr b="0" sz="900">
-                <a:solidFill>
-                  <a:srgbClr val="3F6E74"/>
-                </a:solidFill>
-                <a:latin typeface="Menlo"/>
-                <a:ea typeface="Menlo"/>
-                <a:cs typeface="Menlo"/>
-                <a:sym typeface="Menlo"/>
+              <a:defRPr b="0" sz="1100">
+                <a:solidFill>
+                  <a:srgbClr val="5C2699"/>
+                </a:solidFill>
+                <a:latin typeface="Arial"/>
+                <a:ea typeface="Arial"/>
+                <a:cs typeface="Arial"/>
+                <a:sym typeface="Arial"/>
               </a:defRPr>
             </a:pPr>
             <a:r>
@@ -40366,9 +40058,9 @@
             </a:endParaRPr>
           </a:p>
           <a:p>
-            <a:pPr marL="457200" indent="-317500" defTabSz="457200">
+            <a:pPr marL="527755" indent="-388055" defTabSz="457200">
               <a:lnSpc>
-                <a:spcPts val="2300"/>
+                <a:spcPts val="1700"/>
               </a:lnSpc>
               <a:spcBef>
                 <a:spcPts val="0"/>
@@ -40379,14 +40071,14 @@
               <a:buSzPct val="100000"/>
               <a:buFont typeface="Menlo"/>
               <a:buChar char="•"/>
-              <a:defRPr b="0" sz="900">
-                <a:solidFill>
-                  <a:srgbClr val="3F6E74"/>
-                </a:solidFill>
-                <a:latin typeface="Menlo"/>
-                <a:ea typeface="Menlo"/>
-                <a:cs typeface="Menlo"/>
-                <a:sym typeface="Menlo"/>
+              <a:defRPr b="0" sz="1100">
+                <a:solidFill>
+                  <a:srgbClr val="5C2699"/>
+                </a:solidFill>
+                <a:latin typeface="Arial"/>
+                <a:ea typeface="Arial"/>
+                <a:cs typeface="Arial"/>
+                <a:sym typeface="Arial"/>
               </a:defRPr>
             </a:pPr>
             <a:r>
@@ -40485,9 +40177,9 @@
             </a:endParaRPr>
           </a:p>
           <a:p>
-            <a:pPr marL="457200" indent="-317500" defTabSz="457200">
+            <a:pPr marL="527755" indent="-388055" defTabSz="457200">
               <a:lnSpc>
-                <a:spcPts val="2300"/>
+                <a:spcPts val="1700"/>
               </a:lnSpc>
               <a:spcBef>
                 <a:spcPts val="0"/>
@@ -40498,14 +40190,14 @@
               <a:buSzPct val="100000"/>
               <a:buFont typeface="Menlo"/>
               <a:buChar char="•"/>
-              <a:defRPr b="0" sz="900">
-                <a:solidFill>
-                  <a:srgbClr val="333333"/>
-                </a:solidFill>
-                <a:latin typeface="Menlo"/>
-                <a:ea typeface="Menlo"/>
-                <a:cs typeface="Menlo"/>
-                <a:sym typeface="Menlo"/>
+              <a:defRPr b="0" sz="1100">
+                <a:solidFill>
+                  <a:srgbClr val="5C2699"/>
+                </a:solidFill>
+                <a:latin typeface="Arial"/>
+                <a:ea typeface="Arial"/>
+                <a:cs typeface="Arial"/>
+                <a:sym typeface="Arial"/>
               </a:defRPr>
             </a:pPr>
             <a:r>
@@ -40513,9 +40205,9 @@
             </a:r>
           </a:p>
           <a:p>
-            <a:pPr marL="457200" indent="-317500" defTabSz="457200">
+            <a:pPr marL="527755" indent="-388055" defTabSz="457200">
               <a:lnSpc>
-                <a:spcPts val="2300"/>
+                <a:spcPts val="1700"/>
               </a:lnSpc>
               <a:spcBef>
                 <a:spcPts val="0"/>
@@ -40526,14 +40218,14 @@
               <a:buSzPct val="100000"/>
               <a:buFont typeface="Menlo"/>
               <a:buChar char="•"/>
-              <a:defRPr b="0" sz="900">
-                <a:solidFill>
-                  <a:srgbClr val="007400"/>
-                </a:solidFill>
-                <a:latin typeface="Menlo"/>
-                <a:ea typeface="Menlo"/>
-                <a:cs typeface="Menlo"/>
-                <a:sym typeface="Menlo"/>
+              <a:defRPr b="0" sz="1100">
+                <a:solidFill>
+                  <a:srgbClr val="5C2699"/>
+                </a:solidFill>
+                <a:latin typeface="Arial"/>
+                <a:ea typeface="Arial"/>
+                <a:cs typeface="Arial"/>
+                <a:sym typeface="Arial"/>
               </a:defRPr>
             </a:pPr>
             <a:r>
@@ -40546,9 +40238,9 @@
             </a:endParaRPr>
           </a:p>
           <a:p>
-            <a:pPr marL="457200" indent="-317500" defTabSz="457200">
+            <a:pPr marL="527755" indent="-388055" defTabSz="457200">
               <a:lnSpc>
-                <a:spcPts val="2300"/>
+                <a:spcPts val="1700"/>
               </a:lnSpc>
               <a:spcBef>
                 <a:spcPts val="0"/>
@@ -40559,14 +40251,14 @@
               <a:buSzPct val="100000"/>
               <a:buFont typeface="Menlo"/>
               <a:buChar char="•"/>
-              <a:defRPr b="0" sz="900">
-                <a:solidFill>
-                  <a:srgbClr val="007400"/>
-                </a:solidFill>
-                <a:latin typeface="Menlo"/>
-                <a:ea typeface="Menlo"/>
-                <a:cs typeface="Menlo"/>
-                <a:sym typeface="Menlo"/>
+              <a:defRPr b="0" sz="1100">
+                <a:solidFill>
+                  <a:srgbClr val="5C2699"/>
+                </a:solidFill>
+                <a:latin typeface="Arial"/>
+                <a:ea typeface="Arial"/>
+                <a:cs typeface="Arial"/>
+                <a:sym typeface="Arial"/>
               </a:defRPr>
             </a:pPr>
             <a:r>
@@ -40629,8 +40321,8 @@
         </p:nvSpPr>
         <p:spPr>
           <a:xfrm>
-            <a:off x="512223" y="2669737"/>
-            <a:ext cx="3451546" cy="1996441"/>
+            <a:off x="4464489" y="1514459"/>
+            <a:ext cx="3067779" cy="2452765"/>
           </a:xfrm>
           <a:prstGeom prst="rect">
             <a:avLst/>
@@ -40650,9 +40342,9 @@
           </a:bodyPr>
           <a:lstStyle/>
           <a:p>
-            <a:pPr marL="457200" indent="-317500" defTabSz="457200">
+            <a:pPr marL="527755" indent="-388055" defTabSz="457200">
               <a:lnSpc>
-                <a:spcPts val="2400"/>
+                <a:spcPts val="1700"/>
               </a:lnSpc>
               <a:spcBef>
                 <a:spcPts val="0"/>
@@ -40663,14 +40355,14 @@
               <a:buSzPct val="100000"/>
               <a:buFont typeface="Menlo"/>
               <a:buChar char="•"/>
-              <a:defRPr b="0" sz="900">
-                <a:solidFill>
-                  <a:srgbClr val="3F6E74"/>
-                </a:solidFill>
-                <a:latin typeface="Menlo"/>
-                <a:ea typeface="Menlo"/>
-                <a:cs typeface="Menlo"/>
-                <a:sym typeface="Menlo"/>
+              <a:defRPr b="0" sz="1100">
+                <a:solidFill>
+                  <a:srgbClr val="5C2699"/>
+                </a:solidFill>
+                <a:latin typeface="Arial"/>
+                <a:ea typeface="Arial"/>
+                <a:cs typeface="Arial"/>
+                <a:sym typeface="Arial"/>
               </a:defRPr>
             </a:pPr>
             <a:r>
@@ -40745,9 +40437,9 @@
             </a:endParaRPr>
           </a:p>
           <a:p>
-            <a:pPr marL="457200" indent="-317500" defTabSz="457200">
+            <a:pPr marL="527755" indent="-388055" defTabSz="457200">
               <a:lnSpc>
-                <a:spcPts val="2400"/>
+                <a:spcPts val="1700"/>
               </a:lnSpc>
               <a:spcBef>
                 <a:spcPts val="0"/>
@@ -40758,14 +40450,14 @@
               <a:buSzPct val="100000"/>
               <a:buFont typeface="Menlo"/>
               <a:buChar char="•"/>
-              <a:defRPr b="0" sz="900">
-                <a:solidFill>
-                  <a:srgbClr val="C41A16"/>
-                </a:solidFill>
-                <a:latin typeface="Menlo"/>
-                <a:ea typeface="Menlo"/>
-                <a:cs typeface="Menlo"/>
-                <a:sym typeface="Menlo"/>
+              <a:defRPr b="0" sz="1100">
+                <a:solidFill>
+                  <a:srgbClr val="5C2699"/>
+                </a:solidFill>
+                <a:latin typeface="Arial"/>
+                <a:ea typeface="Arial"/>
+                <a:cs typeface="Arial"/>
+                <a:sym typeface="Arial"/>
               </a:defRPr>
             </a:pPr>
             <a:r>
@@ -40837,9 +40529,9 @@
             </a:endParaRPr>
           </a:p>
           <a:p>
-            <a:pPr marL="457200" indent="-317500" defTabSz="457200">
+            <a:pPr marL="527755" indent="-388055" defTabSz="457200">
               <a:lnSpc>
-                <a:spcPts val="2400"/>
+                <a:spcPts val="1700"/>
               </a:lnSpc>
               <a:spcBef>
                 <a:spcPts val="0"/>
@@ -40850,14 +40542,14 @@
               <a:buSzPct val="100000"/>
               <a:buFont typeface="Menlo"/>
               <a:buChar char="•"/>
-              <a:defRPr b="0" sz="900">
-                <a:solidFill>
-                  <a:srgbClr val="333333"/>
-                </a:solidFill>
-                <a:latin typeface="Menlo"/>
-                <a:ea typeface="Menlo"/>
-                <a:cs typeface="Menlo"/>
-                <a:sym typeface="Menlo"/>
+              <a:defRPr b="0" sz="1100">
+                <a:solidFill>
+                  <a:srgbClr val="5C2699"/>
+                </a:solidFill>
+                <a:latin typeface="Arial"/>
+                <a:ea typeface="Arial"/>
+                <a:cs typeface="Arial"/>
+                <a:sym typeface="Arial"/>
               </a:defRPr>
             </a:pPr>
             <a:r>
@@ -40865,9 +40557,9 @@
             </a:r>
           </a:p>
           <a:p>
-            <a:pPr marL="457200" indent="-317500" defTabSz="457200">
+            <a:pPr marL="527755" indent="-388055" defTabSz="457200">
               <a:lnSpc>
-                <a:spcPts val="2400"/>
+                <a:spcPts val="1700"/>
               </a:lnSpc>
               <a:spcBef>
                 <a:spcPts val="0"/>
@@ -40878,14 +40570,14 @@
               <a:buSzPct val="100000"/>
               <a:buFont typeface="Menlo"/>
               <a:buChar char="•"/>
-              <a:defRPr b="0" sz="900">
-                <a:solidFill>
-                  <a:srgbClr val="007400"/>
-                </a:solidFill>
-                <a:latin typeface="Menlo"/>
-                <a:ea typeface="Menlo"/>
-                <a:cs typeface="Menlo"/>
-                <a:sym typeface="Menlo"/>
+              <a:defRPr b="0" sz="1100">
+                <a:solidFill>
+                  <a:srgbClr val="5C2699"/>
+                </a:solidFill>
+                <a:latin typeface="Arial"/>
+                <a:ea typeface="Arial"/>
+                <a:cs typeface="Arial"/>
+                <a:sym typeface="Arial"/>
               </a:defRPr>
             </a:pPr>
             <a:r>
@@ -40898,9 +40590,9 @@
             </a:endParaRPr>
           </a:p>
           <a:p>
-            <a:pPr marL="457200" indent="-317500" defTabSz="457200">
+            <a:pPr marL="527755" indent="-388055" defTabSz="457200">
               <a:lnSpc>
-                <a:spcPts val="2400"/>
+                <a:spcPts val="1700"/>
               </a:lnSpc>
               <a:spcBef>
                 <a:spcPts val="0"/>
@@ -40911,14 +40603,14 @@
               <a:buSzPct val="100000"/>
               <a:buFont typeface="Menlo"/>
               <a:buChar char="•"/>
-              <a:defRPr b="0" sz="900">
-                <a:solidFill>
-                  <a:srgbClr val="007400"/>
-                </a:solidFill>
-                <a:latin typeface="Menlo"/>
-                <a:ea typeface="Menlo"/>
-                <a:cs typeface="Menlo"/>
-                <a:sym typeface="Menlo"/>
+              <a:defRPr b="0" sz="1100">
+                <a:solidFill>
+                  <a:srgbClr val="5C2699"/>
+                </a:solidFill>
+                <a:latin typeface="Arial"/>
+                <a:ea typeface="Arial"/>
+                <a:cs typeface="Arial"/>
+                <a:sym typeface="Arial"/>
               </a:defRPr>
             </a:pPr>
             <a:r>
@@ -40931,9 +40623,9 @@
             </a:endParaRPr>
           </a:p>
           <a:p>
-            <a:pPr marL="457200" indent="-317500" defTabSz="457200">
+            <a:pPr marL="527755" indent="-388055" defTabSz="457200">
               <a:lnSpc>
-                <a:spcPts val="2400"/>
+                <a:spcPts val="1700"/>
               </a:lnSpc>
               <a:spcBef>
                 <a:spcPts val="0"/>
@@ -40944,21 +40636,21 @@
               <a:buSzPct val="100000"/>
               <a:buFont typeface="Menlo"/>
               <a:buChar char="•"/>
-              <a:defRPr b="0" sz="900">
-                <a:solidFill>
-                  <a:srgbClr val="333333"/>
-                </a:solidFill>
-                <a:latin typeface="Menlo"/>
-                <a:ea typeface="Menlo"/>
-                <a:cs typeface="Menlo"/>
-                <a:sym typeface="Menlo"/>
+              <a:defRPr b="0" sz="1100">
+                <a:solidFill>
+                  <a:srgbClr val="5C2699"/>
+                </a:solidFill>
+                <a:latin typeface="Arial"/>
+                <a:ea typeface="Arial"/>
+                <a:cs typeface="Arial"/>
+                <a:sym typeface="Arial"/>
               </a:defRPr>
             </a:pPr>
           </a:p>
           <a:p>
-            <a:pPr marL="457200" indent="-317500" defTabSz="457200">
+            <a:pPr marL="527755" indent="-388055" defTabSz="457200">
               <a:lnSpc>
-                <a:spcPts val="2400"/>
+                <a:spcPts val="1700"/>
               </a:lnSpc>
               <a:spcBef>
                 <a:spcPts val="0"/>
@@ -40969,14 +40661,14 @@
               <a:buSzPct val="100000"/>
               <a:buFont typeface="Menlo"/>
               <a:buChar char="•"/>
-              <a:defRPr b="0" sz="900">
-                <a:solidFill>
-                  <a:srgbClr val="3F6E74"/>
-                </a:solidFill>
-                <a:latin typeface="Menlo"/>
-                <a:ea typeface="Menlo"/>
-                <a:cs typeface="Menlo"/>
-                <a:sym typeface="Menlo"/>
+              <a:defRPr b="0" sz="1100">
+                <a:solidFill>
+                  <a:srgbClr val="5C2699"/>
+                </a:solidFill>
+                <a:latin typeface="Arial"/>
+                <a:ea typeface="Arial"/>
+                <a:cs typeface="Arial"/>
+                <a:sym typeface="Arial"/>
               </a:defRPr>
             </a:pPr>
             <a:r>
@@ -41051,9 +40743,9 @@
             </a:endParaRPr>
           </a:p>
           <a:p>
-            <a:pPr marL="457200" indent="-317500" defTabSz="457200">
+            <a:pPr marL="527755" indent="-388055" defTabSz="457200">
               <a:lnSpc>
-                <a:spcPts val="2400"/>
+                <a:spcPts val="1700"/>
               </a:lnSpc>
               <a:spcBef>
                 <a:spcPts val="0"/>
@@ -41064,14 +40756,14 @@
               <a:buSzPct val="100000"/>
               <a:buFont typeface="Menlo"/>
               <a:buChar char="•"/>
-              <a:defRPr b="0" sz="900">
-                <a:solidFill>
-                  <a:srgbClr val="C41A16"/>
-                </a:solidFill>
-                <a:latin typeface="Menlo"/>
-                <a:ea typeface="Menlo"/>
-                <a:cs typeface="Menlo"/>
-                <a:sym typeface="Menlo"/>
+              <a:defRPr b="0" sz="1100">
+                <a:solidFill>
+                  <a:srgbClr val="5C2699"/>
+                </a:solidFill>
+                <a:latin typeface="Arial"/>
+                <a:ea typeface="Arial"/>
+                <a:cs typeface="Arial"/>
+                <a:sym typeface="Arial"/>
               </a:defRPr>
             </a:pPr>
             <a:r>
@@ -41143,9 +40835,9 @@
             </a:endParaRPr>
           </a:p>
           <a:p>
-            <a:pPr marL="457200" indent="-317500" defTabSz="457200">
+            <a:pPr marL="527755" indent="-388055" defTabSz="457200">
               <a:lnSpc>
-                <a:spcPts val="2400"/>
+                <a:spcPts val="1700"/>
               </a:lnSpc>
               <a:spcBef>
                 <a:spcPts val="0"/>
@@ -41156,14 +40848,14 @@
               <a:buSzPct val="100000"/>
               <a:buFont typeface="Menlo"/>
               <a:buChar char="•"/>
-              <a:defRPr b="0" sz="900">
-                <a:solidFill>
-                  <a:srgbClr val="333333"/>
-                </a:solidFill>
-                <a:latin typeface="Menlo"/>
-                <a:ea typeface="Menlo"/>
-                <a:cs typeface="Menlo"/>
-                <a:sym typeface="Menlo"/>
+              <a:defRPr b="0" sz="1100">
+                <a:solidFill>
+                  <a:srgbClr val="5C2699"/>
+                </a:solidFill>
+                <a:latin typeface="Arial"/>
+                <a:ea typeface="Arial"/>
+                <a:cs typeface="Arial"/>
+                <a:sym typeface="Arial"/>
               </a:defRPr>
             </a:pPr>
             <a:r>
@@ -41171,9 +40863,9 @@
             </a:r>
           </a:p>
           <a:p>
-            <a:pPr marL="457200" indent="-317500" defTabSz="457200">
+            <a:pPr marL="527755" indent="-388055" defTabSz="457200">
               <a:lnSpc>
-                <a:spcPts val="2400"/>
+                <a:spcPts val="1700"/>
               </a:lnSpc>
               <a:spcBef>
                 <a:spcPts val="0"/>
@@ -41184,14 +40876,14 @@
               <a:buSzPct val="100000"/>
               <a:buFont typeface="Menlo"/>
               <a:buChar char="•"/>
-              <a:defRPr b="0" sz="900">
-                <a:solidFill>
-                  <a:srgbClr val="007400"/>
-                </a:solidFill>
-                <a:latin typeface="Menlo"/>
-                <a:ea typeface="Menlo"/>
-                <a:cs typeface="Menlo"/>
-                <a:sym typeface="Menlo"/>
+              <a:defRPr b="0" sz="1100">
+                <a:solidFill>
+                  <a:srgbClr val="5C2699"/>
+                </a:solidFill>
+                <a:latin typeface="Arial"/>
+                <a:ea typeface="Arial"/>
+                <a:cs typeface="Arial"/>
+                <a:sym typeface="Arial"/>
               </a:defRPr>
             </a:pPr>
             <a:r>
@@ -41204,9 +40896,9 @@
             </a:endParaRPr>
           </a:p>
           <a:p>
-            <a:pPr marL="457200" indent="-317500" defTabSz="457200">
+            <a:pPr marL="527755" indent="-388055" defTabSz="457200">
               <a:lnSpc>
-                <a:spcPts val="2400"/>
+                <a:spcPts val="1700"/>
               </a:lnSpc>
               <a:spcBef>
                 <a:spcPts val="0"/>
@@ -41217,14 +40909,14 @@
               <a:buSzPct val="100000"/>
               <a:buFont typeface="Menlo"/>
               <a:buChar char="•"/>
-              <a:defRPr b="0" sz="900">
-                <a:solidFill>
-                  <a:srgbClr val="007400"/>
-                </a:solidFill>
-                <a:latin typeface="Menlo"/>
-                <a:ea typeface="Menlo"/>
-                <a:cs typeface="Menlo"/>
-                <a:sym typeface="Menlo"/>
+              <a:defRPr b="0" sz="1100">
+                <a:solidFill>
+                  <a:srgbClr val="5C2699"/>
+                </a:solidFill>
+                <a:latin typeface="Arial"/>
+                <a:ea typeface="Arial"/>
+                <a:cs typeface="Arial"/>
+                <a:sym typeface="Arial"/>
               </a:defRPr>
             </a:pPr>
             <a:r>
@@ -41369,7 +41061,7 @@
         <p:spPr>
           <a:xfrm>
             <a:off x="498191" y="1574989"/>
-            <a:ext cx="4483762" cy="878841"/>
+            <a:ext cx="4246907" cy="1157365"/>
           </a:xfrm>
           <a:prstGeom prst="rect">
             <a:avLst/>
@@ -41389,9 +41081,9 @@
           </a:bodyPr>
           <a:lstStyle/>
           <a:p>
-            <a:pPr marL="457200" indent="-317500" defTabSz="457200">
+            <a:pPr marL="527755" indent="-388055" defTabSz="457200">
               <a:lnSpc>
-                <a:spcPts val="2300"/>
+                <a:spcPts val="1700"/>
               </a:lnSpc>
               <a:spcBef>
                 <a:spcPts val="0"/>
@@ -41402,14 +41094,14 @@
               <a:buSzPct val="100000"/>
               <a:buFont typeface="Menlo"/>
               <a:buChar char="•"/>
-              <a:defRPr b="0" sz="900">
-                <a:solidFill>
-                  <a:srgbClr val="3F6E74"/>
-                </a:solidFill>
-                <a:latin typeface="Menlo"/>
-                <a:ea typeface="Menlo"/>
-                <a:cs typeface="Menlo"/>
-                <a:sym typeface="Menlo"/>
+              <a:defRPr b="0" sz="1100">
+                <a:solidFill>
+                  <a:srgbClr val="5C2699"/>
+                </a:solidFill>
+                <a:latin typeface="Arial"/>
+                <a:ea typeface="Arial"/>
+                <a:cs typeface="Arial"/>
+                <a:sym typeface="Arial"/>
               </a:defRPr>
             </a:pPr>
             <a:r>
@@ -41479,9 +41171,9 @@
             </a:endParaRPr>
           </a:p>
           <a:p>
-            <a:pPr marL="457200" indent="-317500" defTabSz="457200">
+            <a:pPr marL="527755" indent="-388055" defTabSz="457200">
               <a:lnSpc>
-                <a:spcPts val="2300"/>
+                <a:spcPts val="1700"/>
               </a:lnSpc>
               <a:spcBef>
                 <a:spcPts val="0"/>
@@ -41492,14 +41184,14 @@
               <a:buSzPct val="100000"/>
               <a:buFont typeface="Menlo"/>
               <a:buChar char="•"/>
-              <a:defRPr b="0" sz="900">
-                <a:solidFill>
-                  <a:srgbClr val="007400"/>
-                </a:solidFill>
-                <a:latin typeface="Menlo"/>
-                <a:ea typeface="Menlo"/>
-                <a:cs typeface="Menlo"/>
-                <a:sym typeface="Menlo"/>
+              <a:defRPr b="0" sz="1100">
+                <a:solidFill>
+                  <a:srgbClr val="5C2699"/>
+                </a:solidFill>
+                <a:latin typeface="Arial"/>
+                <a:ea typeface="Arial"/>
+                <a:cs typeface="Arial"/>
+                <a:sym typeface="Arial"/>
               </a:defRPr>
             </a:pPr>
             <a:r>
@@ -41512,9 +41204,9 @@
             </a:endParaRPr>
           </a:p>
           <a:p>
-            <a:pPr marL="457200" indent="-317500" defTabSz="457200">
+            <a:pPr marL="527755" indent="-388055" defTabSz="457200">
               <a:lnSpc>
-                <a:spcPts val="2300"/>
+                <a:spcPts val="1700"/>
               </a:lnSpc>
               <a:spcBef>
                 <a:spcPts val="0"/>
@@ -41525,21 +41217,21 @@
               <a:buSzPct val="100000"/>
               <a:buFont typeface="Menlo"/>
               <a:buChar char="•"/>
-              <a:defRPr b="0" sz="900">
-                <a:solidFill>
-                  <a:srgbClr val="333333"/>
-                </a:solidFill>
-                <a:latin typeface="Menlo"/>
-                <a:ea typeface="Menlo"/>
-                <a:cs typeface="Menlo"/>
-                <a:sym typeface="Menlo"/>
+              <a:defRPr b="0" sz="1100">
+                <a:solidFill>
+                  <a:srgbClr val="5C2699"/>
+                </a:solidFill>
+                <a:latin typeface="Arial"/>
+                <a:ea typeface="Arial"/>
+                <a:cs typeface="Arial"/>
+                <a:sym typeface="Arial"/>
               </a:defRPr>
             </a:pPr>
           </a:p>
           <a:p>
-            <a:pPr marL="457200" indent="-317500" defTabSz="457200">
+            <a:pPr marL="527755" indent="-388055" defTabSz="457200">
               <a:lnSpc>
-                <a:spcPts val="2300"/>
+                <a:spcPts val="1700"/>
               </a:lnSpc>
               <a:spcBef>
                 <a:spcPts val="0"/>
@@ -41550,14 +41242,14 @@
               <a:buSzPct val="100000"/>
               <a:buFont typeface="Menlo"/>
               <a:buChar char="•"/>
-              <a:defRPr b="0" sz="900">
-                <a:solidFill>
-                  <a:srgbClr val="3F6E74"/>
-                </a:solidFill>
-                <a:latin typeface="Menlo"/>
-                <a:ea typeface="Menlo"/>
-                <a:cs typeface="Menlo"/>
-                <a:sym typeface="Menlo"/>
+              <a:defRPr b="0" sz="1100">
+                <a:solidFill>
+                  <a:srgbClr val="5C2699"/>
+                </a:solidFill>
+                <a:latin typeface="Arial"/>
+                <a:ea typeface="Arial"/>
+                <a:cs typeface="Arial"/>
+                <a:sym typeface="Arial"/>
               </a:defRPr>
             </a:pPr>
             <a:r>
@@ -41627,9 +41319,9 @@
             </a:endParaRPr>
           </a:p>
           <a:p>
-            <a:pPr marL="457200" indent="-317500" defTabSz="457200">
+            <a:pPr marL="527755" indent="-388055" defTabSz="457200">
               <a:lnSpc>
-                <a:spcPts val="2300"/>
+                <a:spcPts val="1700"/>
               </a:lnSpc>
               <a:spcBef>
                 <a:spcPts val="0"/>
@@ -41640,14 +41332,14 @@
               <a:buSzPct val="100000"/>
               <a:buFont typeface="Menlo"/>
               <a:buChar char="•"/>
-              <a:defRPr b="0" sz="900">
-                <a:solidFill>
-                  <a:srgbClr val="007400"/>
-                </a:solidFill>
-                <a:latin typeface="Menlo"/>
-                <a:ea typeface="Menlo"/>
-                <a:cs typeface="Menlo"/>
-                <a:sym typeface="Menlo"/>
+              <a:defRPr b="0" sz="1100">
+                <a:solidFill>
+                  <a:srgbClr val="5C2699"/>
+                </a:solidFill>
+                <a:latin typeface="Arial"/>
+                <a:ea typeface="Arial"/>
+                <a:cs typeface="Arial"/>
+                <a:sym typeface="Arial"/>
               </a:defRPr>
             </a:pPr>
             <a:r>
@@ -42484,7 +42176,7 @@
         <p:spPr>
           <a:xfrm>
             <a:off x="525503" y="1960292"/>
-            <a:ext cx="5034278" cy="548641"/>
+            <a:ext cx="6271369" cy="1023502"/>
           </a:xfrm>
           <a:prstGeom prst="rect">
             <a:avLst/>
@@ -42504,9 +42196,9 @@
           </a:bodyPr>
           <a:lstStyle/>
           <a:p>
-            <a:pPr marL="457200" indent="-317500" defTabSz="457200">
+            <a:pPr marL="704144" indent="-564444" defTabSz="457200">
               <a:lnSpc>
-                <a:spcPts val="2300"/>
+                <a:spcPts val="2500"/>
               </a:lnSpc>
               <a:spcBef>
                 <a:spcPts val="0"/>
@@ -42517,14 +42209,14 @@
               <a:buSzPct val="100000"/>
               <a:buFont typeface="Menlo"/>
               <a:buChar char="•"/>
-              <a:defRPr b="0" sz="900">
-                <a:solidFill>
-                  <a:srgbClr val="3F6E74"/>
-                </a:solidFill>
-                <a:latin typeface="Menlo"/>
-                <a:ea typeface="Menlo"/>
-                <a:cs typeface="Menlo"/>
-                <a:sym typeface="Menlo"/>
+              <a:defRPr b="0" sz="1600">
+                <a:solidFill>
+                  <a:srgbClr val="5C2699"/>
+                </a:solidFill>
+                <a:latin typeface="Arial"/>
+                <a:ea typeface="Arial"/>
+                <a:cs typeface="Arial"/>
+                <a:sym typeface="Arial"/>
               </a:defRPr>
             </a:pPr>
             <a:r>
@@ -42572,9 +42264,9 @@
             </a:endParaRPr>
           </a:p>
           <a:p>
-            <a:pPr marL="457200" indent="-317500" defTabSz="457200">
+            <a:pPr marL="704144" indent="-564444" defTabSz="457200">
               <a:lnSpc>
-                <a:spcPts val="2300"/>
+                <a:spcPts val="2500"/>
               </a:lnSpc>
               <a:spcBef>
                 <a:spcPts val="0"/>
@@ -42585,14 +42277,14 @@
               <a:buSzPct val="100000"/>
               <a:buFont typeface="Menlo"/>
               <a:buChar char="•"/>
-              <a:defRPr b="0" sz="900">
-                <a:solidFill>
-                  <a:srgbClr val="C41A16"/>
-                </a:solidFill>
-                <a:latin typeface="Menlo"/>
-                <a:ea typeface="Menlo"/>
-                <a:cs typeface="Menlo"/>
-                <a:sym typeface="Menlo"/>
+              <a:defRPr b="0" sz="1600">
+                <a:solidFill>
+                  <a:srgbClr val="5C2699"/>
+                </a:solidFill>
+                <a:latin typeface="Arial"/>
+                <a:ea typeface="Arial"/>
+                <a:cs typeface="Arial"/>
+                <a:sym typeface="Arial"/>
               </a:defRPr>
             </a:pPr>
             <a:r>
@@ -42672,9 +42364,9 @@
             </a:endParaRPr>
           </a:p>
           <a:p>
-            <a:pPr marL="457200" indent="-317500" defTabSz="457200">
+            <a:pPr marL="704144" indent="-564444" defTabSz="457200">
               <a:lnSpc>
-                <a:spcPts val="2300"/>
+                <a:spcPts val="2500"/>
               </a:lnSpc>
               <a:spcBef>
                 <a:spcPts val="0"/>
@@ -42685,14 +42377,14 @@
               <a:buSzPct val="100000"/>
               <a:buFont typeface="Menlo"/>
               <a:buChar char="•"/>
-              <a:defRPr b="0" sz="900">
-                <a:solidFill>
-                  <a:srgbClr val="007400"/>
-                </a:solidFill>
-                <a:latin typeface="Menlo"/>
-                <a:ea typeface="Menlo"/>
-                <a:cs typeface="Menlo"/>
-                <a:sym typeface="Menlo"/>
+              <a:defRPr b="0" sz="1600">
+                <a:solidFill>
+                  <a:srgbClr val="5C2699"/>
+                </a:solidFill>
+                <a:latin typeface="Arial"/>
+                <a:ea typeface="Arial"/>
+                <a:cs typeface="Arial"/>
+                <a:sym typeface="Arial"/>
               </a:defRPr>
             </a:pPr>
             <a:r>
@@ -42709,8 +42401,8 @@
         </p:nvSpPr>
         <p:spPr>
           <a:xfrm>
-            <a:off x="534858" y="2565662"/>
-            <a:ext cx="4827834" cy="878841"/>
+            <a:off x="525503" y="3122254"/>
+            <a:ext cx="5897811" cy="1658502"/>
           </a:xfrm>
           <a:prstGeom prst="rect">
             <a:avLst/>
@@ -42730,9 +42422,9 @@
           </a:bodyPr>
           <a:lstStyle/>
           <a:p>
-            <a:pPr marL="457200" indent="-317500" defTabSz="457200">
+            <a:pPr marL="704144" indent="-564444" defTabSz="457200">
               <a:lnSpc>
-                <a:spcPts val="2300"/>
+                <a:spcPts val="2500"/>
               </a:lnSpc>
               <a:spcBef>
                 <a:spcPts val="0"/>
@@ -42743,14 +42435,14 @@
               <a:buSzPct val="100000"/>
               <a:buFont typeface="Menlo"/>
               <a:buChar char="•"/>
-              <a:defRPr b="0" sz="900">
-                <a:solidFill>
-                  <a:srgbClr val="3F6E74"/>
-                </a:solidFill>
-                <a:latin typeface="Menlo"/>
-                <a:ea typeface="Menlo"/>
-                <a:cs typeface="Menlo"/>
-                <a:sym typeface="Menlo"/>
+              <a:defRPr b="0" sz="1600">
+                <a:solidFill>
+                  <a:srgbClr val="5C2699"/>
+                </a:solidFill>
+                <a:latin typeface="Arial"/>
+                <a:ea typeface="Arial"/>
+                <a:cs typeface="Arial"/>
+                <a:sym typeface="Arial"/>
               </a:defRPr>
             </a:pPr>
             <a:r>
@@ -42798,9 +42490,9 @@
             </a:endParaRPr>
           </a:p>
           <a:p>
-            <a:pPr marL="457200" indent="-317500" defTabSz="457200">
+            <a:pPr marL="704144" indent="-564444" defTabSz="457200">
               <a:lnSpc>
-                <a:spcPts val="2300"/>
+                <a:spcPts val="2500"/>
               </a:lnSpc>
               <a:spcBef>
                 <a:spcPts val="0"/>
@@ -42811,14 +42503,14 @@
               <a:buSzPct val="100000"/>
               <a:buFont typeface="Menlo"/>
               <a:buChar char="•"/>
-              <a:defRPr b="0" sz="900">
-                <a:solidFill>
-                  <a:srgbClr val="007400"/>
-                </a:solidFill>
-                <a:latin typeface="Menlo"/>
-                <a:ea typeface="Menlo"/>
-                <a:cs typeface="Menlo"/>
-                <a:sym typeface="Menlo"/>
+              <a:defRPr b="0" sz="1600">
+                <a:solidFill>
+                  <a:srgbClr val="5C2699"/>
+                </a:solidFill>
+                <a:latin typeface="Arial"/>
+                <a:ea typeface="Arial"/>
+                <a:cs typeface="Arial"/>
+                <a:sym typeface="Arial"/>
               </a:defRPr>
             </a:pPr>
             <a:r>
@@ -42831,9 +42523,9 @@
             </a:endParaRPr>
           </a:p>
           <a:p>
-            <a:pPr marL="457200" indent="-317500" defTabSz="457200">
+            <a:pPr marL="704144" indent="-564444" defTabSz="457200">
               <a:lnSpc>
-                <a:spcPts val="2300"/>
+                <a:spcPts val="2500"/>
               </a:lnSpc>
               <a:spcBef>
                 <a:spcPts val="0"/>
@@ -42844,14 +42536,14 @@
               <a:buSzPct val="100000"/>
               <a:buFont typeface="Menlo"/>
               <a:buChar char="•"/>
-              <a:defRPr b="0" sz="900">
-                <a:solidFill>
-                  <a:srgbClr val="3F6E74"/>
-                </a:solidFill>
-                <a:latin typeface="Menlo"/>
-                <a:ea typeface="Menlo"/>
-                <a:cs typeface="Menlo"/>
-                <a:sym typeface="Menlo"/>
+              <a:defRPr b="0" sz="1600">
+                <a:solidFill>
+                  <a:srgbClr val="5C2699"/>
+                </a:solidFill>
+                <a:latin typeface="Arial"/>
+                <a:ea typeface="Arial"/>
+                <a:cs typeface="Arial"/>
+                <a:sym typeface="Arial"/>
               </a:defRPr>
             </a:pPr>
             <a:r>
@@ -42872,9 +42564,9 @@
             </a:endParaRPr>
           </a:p>
           <a:p>
-            <a:pPr marL="457200" indent="-317500" defTabSz="457200">
+            <a:pPr marL="704144" indent="-564444" defTabSz="457200">
               <a:lnSpc>
-                <a:spcPts val="2300"/>
+                <a:spcPts val="2500"/>
               </a:lnSpc>
               <a:spcBef>
                 <a:spcPts val="0"/>
@@ -42885,14 +42577,14 @@
               <a:buSzPct val="100000"/>
               <a:buFont typeface="Menlo"/>
               <a:buChar char="•"/>
-              <a:defRPr b="0" sz="900">
-                <a:solidFill>
-                  <a:srgbClr val="007400"/>
-                </a:solidFill>
-                <a:latin typeface="Menlo"/>
-                <a:ea typeface="Menlo"/>
-                <a:cs typeface="Menlo"/>
-                <a:sym typeface="Menlo"/>
+              <a:defRPr b="0" sz="1600">
+                <a:solidFill>
+                  <a:srgbClr val="5C2699"/>
+                </a:solidFill>
+                <a:latin typeface="Arial"/>
+                <a:ea typeface="Arial"/>
+                <a:cs typeface="Arial"/>
+                <a:sym typeface="Arial"/>
               </a:defRPr>
             </a:pPr>
             <a:r>
@@ -43087,7 +42779,7 @@
         <p:spPr>
           <a:xfrm>
             <a:off x="553567" y="1539340"/>
-            <a:ext cx="4896648" cy="383541"/>
+            <a:ext cx="6219081" cy="706002"/>
           </a:xfrm>
           <a:prstGeom prst="rect">
             <a:avLst/>
@@ -43107,9 +42799,9 @@
           </a:bodyPr>
           <a:lstStyle/>
           <a:p>
-            <a:pPr marL="457200" indent="-317500" defTabSz="457200">
+            <a:pPr marL="704144" indent="-564444" defTabSz="457200">
               <a:lnSpc>
-                <a:spcPts val="2300"/>
+                <a:spcPts val="2500"/>
               </a:lnSpc>
               <a:spcBef>
                 <a:spcPts val="0"/>
@@ -43120,14 +42812,14 @@
               <a:buSzPct val="100000"/>
               <a:buFont typeface="Menlo"/>
               <a:buChar char="•"/>
-              <a:defRPr b="0" sz="900">
-                <a:solidFill>
-                  <a:srgbClr val="3F6E74"/>
-                </a:solidFill>
-                <a:latin typeface="Menlo"/>
-                <a:ea typeface="Menlo"/>
-                <a:cs typeface="Menlo"/>
-                <a:sym typeface="Menlo"/>
+              <a:defRPr b="0" sz="1600">
+                <a:solidFill>
+                  <a:srgbClr val="5C2699"/>
+                </a:solidFill>
+                <a:latin typeface="Arial"/>
+                <a:ea typeface="Arial"/>
+                <a:cs typeface="Arial"/>
+                <a:sym typeface="Arial"/>
               </a:defRPr>
             </a:pPr>
             <a:r>
@@ -43229,9 +42921,9 @@
             </a:endParaRPr>
           </a:p>
           <a:p>
-            <a:pPr marL="457200" indent="-317500" defTabSz="457200">
+            <a:pPr marL="704144" indent="-564444" defTabSz="457200">
               <a:lnSpc>
-                <a:spcPts val="2300"/>
+                <a:spcPts val="2500"/>
               </a:lnSpc>
               <a:spcBef>
                 <a:spcPts val="0"/>
@@ -43242,14 +42934,14 @@
               <a:buSzPct val="100000"/>
               <a:buFont typeface="Menlo"/>
               <a:buChar char="•"/>
-              <a:defRPr b="0" sz="900">
-                <a:solidFill>
-                  <a:srgbClr val="007400"/>
-                </a:solidFill>
-                <a:latin typeface="Menlo"/>
-                <a:ea typeface="Menlo"/>
-                <a:cs typeface="Menlo"/>
-                <a:sym typeface="Menlo"/>
+              <a:defRPr b="0" sz="1600">
+                <a:solidFill>
+                  <a:srgbClr val="5C2699"/>
+                </a:solidFill>
+                <a:latin typeface="Arial"/>
+                <a:ea typeface="Arial"/>
+                <a:cs typeface="Arial"/>
+                <a:sym typeface="Arial"/>
               </a:defRPr>
             </a:pPr>
             <a:r>
@@ -43266,8 +42958,8 @@
         </p:nvSpPr>
         <p:spPr>
           <a:xfrm>
-            <a:off x="658421" y="2192244"/>
-            <a:ext cx="1574877" cy="345441"/>
+            <a:off x="649067" y="2430561"/>
+            <a:ext cx="1574876" cy="345441"/>
           </a:xfrm>
           <a:prstGeom prst="rect">
             <a:avLst/>
@@ -43307,8 +42999,8 @@
         </p:nvSpPr>
         <p:spPr>
           <a:xfrm>
-            <a:off x="553567" y="2643168"/>
-            <a:ext cx="6135308" cy="1120141"/>
+            <a:off x="544212" y="2961220"/>
+            <a:ext cx="7596932" cy="1976002"/>
           </a:xfrm>
           <a:prstGeom prst="rect">
             <a:avLst/>
@@ -43328,9 +43020,9 @@
           </a:bodyPr>
           <a:lstStyle/>
           <a:p>
-            <a:pPr marL="457200" indent="-317500" defTabSz="457200">
+            <a:pPr marL="704144" indent="-564444" defTabSz="457200">
               <a:lnSpc>
-                <a:spcPts val="2400"/>
+                <a:spcPts val="2500"/>
               </a:lnSpc>
               <a:spcBef>
                 <a:spcPts val="0"/>
@@ -43341,14 +43033,14 @@
               <a:buSzPct val="100000"/>
               <a:buFont typeface="Menlo"/>
               <a:buChar char="•"/>
-              <a:defRPr b="0" sz="900">
-                <a:solidFill>
-                  <a:srgbClr val="3F6E74"/>
-                </a:solidFill>
-                <a:latin typeface="Menlo"/>
-                <a:ea typeface="Menlo"/>
-                <a:cs typeface="Menlo"/>
-                <a:sym typeface="Menlo"/>
+              <a:defRPr b="0" sz="1600">
+                <a:solidFill>
+                  <a:srgbClr val="5C2699"/>
+                </a:solidFill>
+                <a:latin typeface="Arial"/>
+                <a:ea typeface="Arial"/>
+                <a:cs typeface="Arial"/>
+                <a:sym typeface="Arial"/>
               </a:defRPr>
             </a:pPr>
             <a:r>
@@ -43450,9 +43142,9 @@
             </a:endParaRPr>
           </a:p>
           <a:p>
-            <a:pPr marL="457200" indent="-317500" defTabSz="457200">
+            <a:pPr marL="704144" indent="-564444" defTabSz="457200">
               <a:lnSpc>
-                <a:spcPts val="2400"/>
+                <a:spcPts val="2500"/>
               </a:lnSpc>
               <a:spcBef>
                 <a:spcPts val="0"/>
@@ -43463,14 +43155,14 @@
               <a:buSzPct val="100000"/>
               <a:buFont typeface="Menlo"/>
               <a:buChar char="•"/>
-              <a:defRPr b="0" sz="900">
-                <a:solidFill>
-                  <a:srgbClr val="007400"/>
-                </a:solidFill>
-                <a:latin typeface="Menlo"/>
-                <a:ea typeface="Menlo"/>
-                <a:cs typeface="Menlo"/>
-                <a:sym typeface="Menlo"/>
+              <a:defRPr b="0" sz="1600">
+                <a:solidFill>
+                  <a:srgbClr val="5C2699"/>
+                </a:solidFill>
+                <a:latin typeface="Arial"/>
+                <a:ea typeface="Arial"/>
+                <a:cs typeface="Arial"/>
+                <a:sym typeface="Arial"/>
               </a:defRPr>
             </a:pPr>
             <a:r>
@@ -43483,9 +43175,9 @@
             </a:endParaRPr>
           </a:p>
           <a:p>
-            <a:pPr marL="457200" indent="-317500" defTabSz="457200">
+            <a:pPr marL="704144" indent="-564444" defTabSz="457200">
               <a:lnSpc>
-                <a:spcPts val="2400"/>
+                <a:spcPts val="2500"/>
               </a:lnSpc>
               <a:spcBef>
                 <a:spcPts val="0"/>
@@ -43496,21 +43188,21 @@
               <a:buSzPct val="100000"/>
               <a:buFont typeface="Menlo"/>
               <a:buChar char="•"/>
-              <a:defRPr b="0" sz="900">
-                <a:solidFill>
-                  <a:srgbClr val="333333"/>
-                </a:solidFill>
-                <a:latin typeface="Menlo"/>
-                <a:ea typeface="Menlo"/>
-                <a:cs typeface="Menlo"/>
-                <a:sym typeface="Menlo"/>
+              <a:defRPr b="0" sz="1600">
+                <a:solidFill>
+                  <a:srgbClr val="5C2699"/>
+                </a:solidFill>
+                <a:latin typeface="Arial"/>
+                <a:ea typeface="Arial"/>
+                <a:cs typeface="Arial"/>
+                <a:sym typeface="Arial"/>
               </a:defRPr>
             </a:pPr>
           </a:p>
           <a:p>
-            <a:pPr marL="457200" indent="-317500" defTabSz="457200">
+            <a:pPr marL="704144" indent="-564444" defTabSz="457200">
               <a:lnSpc>
-                <a:spcPts val="2400"/>
+                <a:spcPts val="2500"/>
               </a:lnSpc>
               <a:spcBef>
                 <a:spcPts val="0"/>
@@ -43521,14 +43213,14 @@
               <a:buSzPct val="100000"/>
               <a:buFont typeface="Menlo"/>
               <a:buChar char="•"/>
-              <a:defRPr b="0" sz="900">
-                <a:solidFill>
-                  <a:srgbClr val="3F6E74"/>
-                </a:solidFill>
-                <a:latin typeface="Menlo"/>
-                <a:ea typeface="Menlo"/>
-                <a:cs typeface="Menlo"/>
-                <a:sym typeface="Menlo"/>
+              <a:defRPr b="0" sz="1600">
+                <a:solidFill>
+                  <a:srgbClr val="5C2699"/>
+                </a:solidFill>
+                <a:latin typeface="Arial"/>
+                <a:ea typeface="Arial"/>
+                <a:cs typeface="Arial"/>
+                <a:sym typeface="Arial"/>
               </a:defRPr>
             </a:pPr>
             <a:r>
@@ -43579,9 +43271,9 @@
             </a:endParaRPr>
           </a:p>
           <a:p>
-            <a:pPr marL="457200" indent="-317500" defTabSz="457200">
+            <a:pPr marL="704144" indent="-564444" defTabSz="457200">
               <a:lnSpc>
-                <a:spcPts val="2400"/>
+                <a:spcPts val="2500"/>
               </a:lnSpc>
               <a:spcBef>
                 <a:spcPts val="0"/>
@@ -43592,14 +43284,14 @@
               <a:buSzPct val="100000"/>
               <a:buFont typeface="Menlo"/>
               <a:buChar char="•"/>
-              <a:defRPr b="0" sz="900">
-                <a:solidFill>
-                  <a:srgbClr val="007400"/>
-                </a:solidFill>
-                <a:latin typeface="Menlo"/>
-                <a:ea typeface="Menlo"/>
-                <a:cs typeface="Menlo"/>
-                <a:sym typeface="Menlo"/>
+              <a:defRPr b="0" sz="1600">
+                <a:solidFill>
+                  <a:srgbClr val="5C2699"/>
+                </a:solidFill>
+                <a:latin typeface="Arial"/>
+                <a:ea typeface="Arial"/>
+                <a:cs typeface="Arial"/>
+                <a:sym typeface="Arial"/>
               </a:defRPr>
             </a:pPr>
             <a:r>
@@ -43789,7 +43481,7 @@
         <p:spPr>
           <a:xfrm>
             <a:off x="553567" y="1539340"/>
-            <a:ext cx="4621391" cy="383541"/>
+            <a:ext cx="4033059" cy="509666"/>
           </a:xfrm>
           <a:prstGeom prst="rect">
             <a:avLst/>
@@ -43809,9 +43501,9 @@
           </a:bodyPr>
           <a:lstStyle/>
           <a:p>
-            <a:pPr marL="457200" indent="-317500" defTabSz="457200">
+            <a:pPr marL="527755" indent="-388055" defTabSz="457200">
               <a:lnSpc>
-                <a:spcPts val="2300"/>
+                <a:spcPts val="1700"/>
               </a:lnSpc>
               <a:spcBef>
                 <a:spcPts val="0"/>
@@ -43822,14 +43514,14 @@
               <a:buSzPct val="100000"/>
               <a:buFont typeface="Menlo"/>
               <a:buChar char="•"/>
-              <a:defRPr b="0" sz="900">
-                <a:solidFill>
-                  <a:srgbClr val="3F6E74"/>
-                </a:solidFill>
-                <a:latin typeface="Menlo"/>
-                <a:ea typeface="Menlo"/>
-                <a:cs typeface="Menlo"/>
-                <a:sym typeface="Menlo"/>
+              <a:defRPr b="0" sz="1100">
+                <a:solidFill>
+                  <a:srgbClr val="5C2699"/>
+                </a:solidFill>
+                <a:latin typeface="Arial"/>
+                <a:ea typeface="Arial"/>
+                <a:cs typeface="Arial"/>
+                <a:sym typeface="Arial"/>
               </a:defRPr>
             </a:pPr>
             <a:r>
@@ -43860,11 +43552,6 @@
               <a:t>: [</a:t>
             </a:r>
             <a:r>
-              <a:rPr>
-                <a:solidFill>
-                  <a:srgbClr val="5C2699"/>
-                </a:solidFill>
-              </a:rPr>
               <a:t>String</a:t>
             </a:r>
             <a:r>
@@ -43914,9 +43601,9 @@
             </a:endParaRPr>
           </a:p>
           <a:p>
-            <a:pPr marL="457200" indent="-317500" defTabSz="457200">
+            <a:pPr marL="527755" indent="-388055" defTabSz="457200">
               <a:lnSpc>
-                <a:spcPts val="2300"/>
+                <a:spcPts val="1700"/>
               </a:lnSpc>
               <a:spcBef>
                 <a:spcPts val="0"/>
@@ -43927,14 +43614,14 @@
               <a:buSzPct val="100000"/>
               <a:buFont typeface="Menlo"/>
               <a:buChar char="•"/>
-              <a:defRPr b="0" sz="900">
-                <a:solidFill>
-                  <a:srgbClr val="007400"/>
-                </a:solidFill>
-                <a:latin typeface="Menlo"/>
-                <a:ea typeface="Menlo"/>
-                <a:cs typeface="Menlo"/>
-                <a:sym typeface="Menlo"/>
+              <a:defRPr b="0" sz="1100">
+                <a:solidFill>
+                  <a:srgbClr val="5C2699"/>
+                </a:solidFill>
+                <a:latin typeface="Arial"/>
+                <a:ea typeface="Arial"/>
+                <a:cs typeface="Arial"/>
+                <a:sym typeface="Arial"/>
               </a:defRPr>
             </a:pPr>
             <a:r>
@@ -43993,7 +43680,7 @@
         <p:spPr>
           <a:xfrm>
             <a:off x="558244" y="3050088"/>
-            <a:ext cx="5034277" cy="383541"/>
+            <a:ext cx="4497044" cy="509666"/>
           </a:xfrm>
           <a:prstGeom prst="rect">
             <a:avLst/>
@@ -44013,9 +43700,9 @@
           </a:bodyPr>
           <a:lstStyle/>
           <a:p>
-            <a:pPr marL="457200" indent="-317500" defTabSz="457200">
+            <a:pPr marL="527755" indent="-388055" defTabSz="457200">
               <a:lnSpc>
-                <a:spcPts val="2300"/>
+                <a:spcPts val="1700"/>
               </a:lnSpc>
               <a:spcBef>
                 <a:spcPts val="0"/>
@@ -44026,14 +43713,14 @@
               <a:buSzPct val="100000"/>
               <a:buFont typeface="Menlo"/>
               <a:buChar char="•"/>
-              <a:defRPr b="0" sz="900">
-                <a:solidFill>
-                  <a:srgbClr val="C41A16"/>
-                </a:solidFill>
-                <a:latin typeface="Menlo"/>
-                <a:ea typeface="Menlo"/>
-                <a:cs typeface="Menlo"/>
-                <a:sym typeface="Menlo"/>
+              <a:defRPr b="0" sz="1100">
+                <a:solidFill>
+                  <a:srgbClr val="5C2699"/>
+                </a:solidFill>
+                <a:latin typeface="Arial"/>
+                <a:ea typeface="Arial"/>
+                <a:cs typeface="Arial"/>
+                <a:sym typeface="Arial"/>
               </a:defRPr>
             </a:pPr>
             <a:r>
@@ -44113,9 +43800,9 @@
             </a:endParaRPr>
           </a:p>
           <a:p>
-            <a:pPr marL="457200" indent="-317500" defTabSz="457200">
+            <a:pPr marL="527755" indent="-388055" defTabSz="457200">
               <a:lnSpc>
-                <a:spcPts val="2300"/>
+                <a:spcPts val="1700"/>
               </a:lnSpc>
               <a:spcBef>
                 <a:spcPts val="0"/>
@@ -44126,14 +43813,14 @@
               <a:buSzPct val="100000"/>
               <a:buFont typeface="Menlo"/>
               <a:buChar char="•"/>
-              <a:defRPr b="0" sz="900">
-                <a:solidFill>
-                  <a:srgbClr val="007400"/>
-                </a:solidFill>
-                <a:latin typeface="Menlo"/>
-                <a:ea typeface="Menlo"/>
-                <a:cs typeface="Menlo"/>
-                <a:sym typeface="Menlo"/>
+              <a:defRPr b="0" sz="1100">
+                <a:solidFill>
+                  <a:srgbClr val="5C2699"/>
+                </a:solidFill>
+                <a:latin typeface="Arial"/>
+                <a:ea typeface="Arial"/>
+                <a:cs typeface="Arial"/>
+                <a:sym typeface="Arial"/>
               </a:defRPr>
             </a:pPr>
             <a:r>
@@ -44151,7 +43838,7 @@
         <p:spPr>
           <a:xfrm>
             <a:off x="558244" y="2093846"/>
-            <a:ext cx="2969845" cy="218441"/>
+            <a:ext cx="2728761" cy="293766"/>
           </a:xfrm>
           <a:prstGeom prst="rect">
             <a:avLst/>
@@ -44171,9 +43858,9 @@
           </a:bodyPr>
           <a:lstStyle/>
           <a:p>
-            <a:pPr marL="457200" indent="-317500" defTabSz="457200">
+            <a:pPr marL="527755" indent="-388055" defTabSz="457200">
               <a:lnSpc>
-                <a:spcPts val="2300"/>
+                <a:spcPts val="1700"/>
               </a:lnSpc>
               <a:spcBef>
                 <a:spcPts val="0"/>
@@ -44184,14 +43871,14 @@
               <a:buSzPct val="100000"/>
               <a:buFont typeface="Menlo"/>
               <a:buChar char="•"/>
-              <a:defRPr b="0" sz="900">
-                <a:solidFill>
-                  <a:srgbClr val="3F6E74"/>
-                </a:solidFill>
-                <a:latin typeface="Menlo"/>
-                <a:ea typeface="Menlo"/>
-                <a:cs typeface="Menlo"/>
-                <a:sym typeface="Menlo"/>
+              <a:defRPr b="0" sz="1100">
+                <a:solidFill>
+                  <a:srgbClr val="5C2699"/>
+                </a:solidFill>
+                <a:latin typeface="Arial"/>
+                <a:ea typeface="Arial"/>
+                <a:cs typeface="Arial"/>
+                <a:sym typeface="Arial"/>
               </a:defRPr>
             </a:pPr>
             <a:r>
@@ -44264,8 +43951,8 @@
         </p:nvSpPr>
         <p:spPr>
           <a:xfrm>
-            <a:off x="576953" y="3620887"/>
-            <a:ext cx="3657989" cy="1209041"/>
+            <a:off x="562921" y="3611532"/>
+            <a:ext cx="3166483" cy="1373266"/>
           </a:xfrm>
           <a:prstGeom prst="rect">
             <a:avLst/>
@@ -44285,9 +43972,9 @@
           </a:bodyPr>
           <a:lstStyle/>
           <a:p>
-            <a:pPr marL="457200" indent="-317500" defTabSz="457200">
+            <a:pPr marL="527755" indent="-388055" defTabSz="457200">
               <a:lnSpc>
-                <a:spcPts val="2300"/>
+                <a:spcPts val="1700"/>
               </a:lnSpc>
               <a:spcBef>
                 <a:spcPts val="0"/>
@@ -44298,14 +43985,14 @@
               <a:buSzPct val="100000"/>
               <a:buFont typeface="Menlo"/>
               <a:buChar char="•"/>
-              <a:defRPr b="0" sz="900">
-                <a:solidFill>
-                  <a:srgbClr val="3F6E74"/>
-                </a:solidFill>
-                <a:latin typeface="Menlo"/>
-                <a:ea typeface="Menlo"/>
-                <a:cs typeface="Menlo"/>
-                <a:sym typeface="Menlo"/>
+              <a:defRPr b="0" sz="1100">
+                <a:solidFill>
+                  <a:srgbClr val="5C2699"/>
+                </a:solidFill>
+                <a:latin typeface="Arial"/>
+                <a:ea typeface="Arial"/>
+                <a:cs typeface="Arial"/>
+                <a:sym typeface="Arial"/>
               </a:defRPr>
             </a:pPr>
             <a:r>
@@ -44353,9 +44040,9 @@
             </a:endParaRPr>
           </a:p>
           <a:p>
-            <a:pPr marL="457200" indent="-317500" defTabSz="457200">
+            <a:pPr marL="527755" indent="-388055" defTabSz="457200">
               <a:lnSpc>
-                <a:spcPts val="2300"/>
+                <a:spcPts val="1700"/>
               </a:lnSpc>
               <a:spcBef>
                 <a:spcPts val="0"/>
@@ -44366,14 +44053,14 @@
               <a:buSzPct val="100000"/>
               <a:buFont typeface="Menlo"/>
               <a:buChar char="•"/>
-              <a:defRPr b="0" sz="900">
-                <a:solidFill>
-                  <a:srgbClr val="C41A16"/>
-                </a:solidFill>
-                <a:latin typeface="Menlo"/>
-                <a:ea typeface="Menlo"/>
-                <a:cs typeface="Menlo"/>
-                <a:sym typeface="Menlo"/>
+              <a:defRPr b="0" sz="1100">
+                <a:solidFill>
+                  <a:srgbClr val="5C2699"/>
+                </a:solidFill>
+                <a:latin typeface="Arial"/>
+                <a:ea typeface="Arial"/>
+                <a:cs typeface="Arial"/>
+                <a:sym typeface="Arial"/>
               </a:defRPr>
             </a:pPr>
             <a:r>
@@ -44418,9 +44105,9 @@
             </a:endParaRPr>
           </a:p>
           <a:p>
-            <a:pPr marL="457200" indent="-317500" defTabSz="457200">
+            <a:pPr marL="527755" indent="-388055" defTabSz="457200">
               <a:lnSpc>
-                <a:spcPts val="2300"/>
+                <a:spcPts val="1700"/>
               </a:lnSpc>
               <a:spcBef>
                 <a:spcPts val="0"/>
@@ -44431,14 +44118,14 @@
               <a:buSzPct val="100000"/>
               <a:buFont typeface="Menlo"/>
               <a:buChar char="•"/>
-              <a:defRPr b="0" sz="900">
-                <a:solidFill>
-                  <a:srgbClr val="333333"/>
-                </a:solidFill>
-                <a:latin typeface="Menlo"/>
-                <a:ea typeface="Menlo"/>
-                <a:cs typeface="Menlo"/>
-                <a:sym typeface="Menlo"/>
+              <a:defRPr b="0" sz="1100">
+                <a:solidFill>
+                  <a:srgbClr val="5C2699"/>
+                </a:solidFill>
+                <a:latin typeface="Arial"/>
+                <a:ea typeface="Arial"/>
+                <a:cs typeface="Arial"/>
+                <a:sym typeface="Arial"/>
               </a:defRPr>
             </a:pPr>
             <a:r>
@@ -44457,9 +44144,9 @@
             </a:r>
           </a:p>
           <a:p>
-            <a:pPr marL="457200" indent="-317500" defTabSz="457200">
+            <a:pPr marL="527755" indent="-388055" defTabSz="457200">
               <a:lnSpc>
-                <a:spcPts val="2300"/>
+                <a:spcPts val="1700"/>
               </a:lnSpc>
               <a:spcBef>
                 <a:spcPts val="0"/>
@@ -44470,14 +44157,14 @@
               <a:buSzPct val="100000"/>
               <a:buFont typeface="Menlo"/>
               <a:buChar char="•"/>
-              <a:defRPr b="0" sz="900">
-                <a:solidFill>
-                  <a:srgbClr val="C41A16"/>
-                </a:solidFill>
-                <a:latin typeface="Menlo"/>
-                <a:ea typeface="Menlo"/>
-                <a:cs typeface="Menlo"/>
-                <a:sym typeface="Menlo"/>
+              <a:defRPr b="0" sz="1100">
+                <a:solidFill>
+                  <a:srgbClr val="5C2699"/>
+                </a:solidFill>
+                <a:latin typeface="Arial"/>
+                <a:ea typeface="Arial"/>
+                <a:cs typeface="Arial"/>
+                <a:sym typeface="Arial"/>
               </a:defRPr>
             </a:pPr>
             <a:r>
@@ -44522,9 +44209,9 @@
             </a:endParaRPr>
           </a:p>
           <a:p>
-            <a:pPr marL="457200" indent="-317500" defTabSz="457200">
+            <a:pPr marL="527755" indent="-388055" defTabSz="457200">
               <a:lnSpc>
-                <a:spcPts val="2300"/>
+                <a:spcPts val="1700"/>
               </a:lnSpc>
               <a:spcBef>
                 <a:spcPts val="0"/>
@@ -44535,14 +44222,14 @@
               <a:buSzPct val="100000"/>
               <a:buFont typeface="Menlo"/>
               <a:buChar char="•"/>
-              <a:defRPr b="0" sz="900">
-                <a:solidFill>
-                  <a:srgbClr val="333333"/>
-                </a:solidFill>
-                <a:latin typeface="Menlo"/>
-                <a:ea typeface="Menlo"/>
-                <a:cs typeface="Menlo"/>
-                <a:sym typeface="Menlo"/>
+              <a:defRPr b="0" sz="1100">
+                <a:solidFill>
+                  <a:srgbClr val="5C2699"/>
+                </a:solidFill>
+                <a:latin typeface="Arial"/>
+                <a:ea typeface="Arial"/>
+                <a:cs typeface="Arial"/>
+                <a:sym typeface="Arial"/>
               </a:defRPr>
             </a:pPr>
             <a:r>
@@ -44550,9 +44237,9 @@
             </a:r>
           </a:p>
           <a:p>
-            <a:pPr marL="457200" indent="-317500" defTabSz="457200">
+            <a:pPr marL="527755" indent="-388055" defTabSz="457200">
               <a:lnSpc>
-                <a:spcPts val="2300"/>
+                <a:spcPts val="1700"/>
               </a:lnSpc>
               <a:spcBef>
                 <a:spcPts val="0"/>
@@ -44563,24 +44250,19 @@
               <a:buSzPct val="100000"/>
               <a:buFont typeface="Menlo"/>
               <a:buChar char="•"/>
-              <a:defRPr b="0" sz="900">
-                <a:solidFill>
-                  <a:srgbClr val="007400"/>
-                </a:solidFill>
-                <a:latin typeface="Menlo"/>
-                <a:ea typeface="Menlo"/>
-                <a:cs typeface="Menlo"/>
-                <a:sym typeface="Menlo"/>
+              <a:defRPr b="0" sz="1100">
+                <a:solidFill>
+                  <a:srgbClr val="5C2699"/>
+                </a:solidFill>
+                <a:latin typeface="Arial"/>
+                <a:ea typeface="Arial"/>
+                <a:cs typeface="Arial"/>
+                <a:sym typeface="Arial"/>
               </a:defRPr>
             </a:pPr>
             <a:r>
               <a:t>// Prints "The shopping list is not empty."</a:t>
             </a:r>
-            <a:endParaRPr>
-              <a:solidFill>
-                <a:srgbClr val="333333"/>
-              </a:solidFill>
-            </a:endParaRPr>
           </a:p>
         </p:txBody>
       </p:sp>
@@ -44765,7 +44447,7 @@
         <p:spPr>
           <a:xfrm>
             <a:off x="558244" y="1572081"/>
-            <a:ext cx="5240721" cy="383541"/>
+            <a:ext cx="5066007" cy="509665"/>
           </a:xfrm>
           <a:prstGeom prst="rect">
             <a:avLst/>
@@ -44785,9 +44467,9 @@
           </a:bodyPr>
           <a:lstStyle/>
           <a:p>
-            <a:pPr marL="457200" indent="-317500" defTabSz="457200">
+            <a:pPr marL="527755" indent="-388055" defTabSz="457200">
               <a:lnSpc>
-                <a:spcPts val="2300"/>
+                <a:spcPts val="1700"/>
               </a:lnSpc>
               <a:spcBef>
                 <a:spcPts val="0"/>
@@ -44798,14 +44480,14 @@
               <a:buSzPct val="100000"/>
               <a:buFont typeface="Menlo"/>
               <a:buChar char="•"/>
-              <a:defRPr b="0" sz="900">
-                <a:solidFill>
-                  <a:srgbClr val="3F6E74"/>
-                </a:solidFill>
-                <a:latin typeface="Menlo"/>
-                <a:ea typeface="Menlo"/>
-                <a:cs typeface="Menlo"/>
-                <a:sym typeface="Menlo"/>
+              <a:defRPr b="0" sz="1100">
+                <a:solidFill>
+                  <a:srgbClr val="5C2699"/>
+                </a:solidFill>
+                <a:latin typeface="Arial"/>
+                <a:ea typeface="Arial"/>
+                <a:cs typeface="Arial"/>
+                <a:sym typeface="Arial"/>
               </a:defRPr>
             </a:pPr>
             <a:r>
@@ -44853,9 +44535,9 @@
             </a:endParaRPr>
           </a:p>
           <a:p>
-            <a:pPr marL="457200" indent="-317500" defTabSz="457200">
+            <a:pPr marL="527755" indent="-388055" defTabSz="457200">
               <a:lnSpc>
-                <a:spcPts val="2300"/>
+                <a:spcPts val="1700"/>
               </a:lnSpc>
               <a:spcBef>
                 <a:spcPts val="0"/>
@@ -44866,14 +44548,14 @@
               <a:buSzPct val="100000"/>
               <a:buFont typeface="Menlo"/>
               <a:buChar char="•"/>
-              <a:defRPr b="0" sz="900">
-                <a:solidFill>
-                  <a:srgbClr val="007400"/>
-                </a:solidFill>
-                <a:latin typeface="Menlo"/>
-                <a:ea typeface="Menlo"/>
-                <a:cs typeface="Menlo"/>
-                <a:sym typeface="Menlo"/>
+              <a:defRPr b="0" sz="1100">
+                <a:solidFill>
+                  <a:srgbClr val="5C2699"/>
+                </a:solidFill>
+                <a:latin typeface="Arial"/>
+                <a:ea typeface="Arial"/>
+                <a:cs typeface="Arial"/>
+                <a:sym typeface="Arial"/>
               </a:defRPr>
             </a:pPr>
             <a:r>
@@ -44890,8 +44572,8 @@
         </p:nvSpPr>
         <p:spPr>
           <a:xfrm>
-            <a:off x="576953" y="2142879"/>
-            <a:ext cx="4483762" cy="713741"/>
+            <a:off x="567599" y="2101017"/>
+            <a:ext cx="4198953" cy="941466"/>
           </a:xfrm>
           <a:prstGeom prst="rect">
             <a:avLst/>
@@ -44911,9 +44593,9 @@
           </a:bodyPr>
           <a:lstStyle/>
           <a:p>
-            <a:pPr marL="457200" indent="-317500" defTabSz="457200">
+            <a:pPr marL="527755" indent="-388055" defTabSz="457200">
               <a:lnSpc>
-                <a:spcPts val="2300"/>
+                <a:spcPts val="1700"/>
               </a:lnSpc>
               <a:spcBef>
                 <a:spcPts val="0"/>
@@ -44924,14 +44606,14 @@
               <a:buSzPct val="100000"/>
               <a:buFont typeface="Menlo"/>
               <a:buChar char="•"/>
-              <a:defRPr b="0" sz="900">
-                <a:solidFill>
-                  <a:srgbClr val="3F6E74"/>
-                </a:solidFill>
-                <a:latin typeface="Menlo"/>
-                <a:ea typeface="Menlo"/>
-                <a:cs typeface="Menlo"/>
-                <a:sym typeface="Menlo"/>
+              <a:defRPr b="0" sz="1100">
+                <a:solidFill>
+                  <a:srgbClr val="5C2699"/>
+                </a:solidFill>
+                <a:latin typeface="Arial"/>
+                <a:ea typeface="Arial"/>
+                <a:cs typeface="Arial"/>
+                <a:sym typeface="Arial"/>
               </a:defRPr>
             </a:pPr>
             <a:r>
@@ -44968,9 +44650,9 @@
             </a:endParaRPr>
           </a:p>
           <a:p>
-            <a:pPr marL="457200" indent="-317500" defTabSz="457200">
+            <a:pPr marL="527755" indent="-388055" defTabSz="457200">
               <a:lnSpc>
-                <a:spcPts val="2300"/>
+                <a:spcPts val="1700"/>
               </a:lnSpc>
               <a:spcBef>
                 <a:spcPts val="0"/>
@@ -44981,14 +44663,14 @@
               <a:buSzPct val="100000"/>
               <a:buFont typeface="Menlo"/>
               <a:buChar char="•"/>
-              <a:defRPr b="0" sz="900">
-                <a:solidFill>
-                  <a:srgbClr val="007400"/>
-                </a:solidFill>
-                <a:latin typeface="Menlo"/>
-                <a:ea typeface="Menlo"/>
-                <a:cs typeface="Menlo"/>
-                <a:sym typeface="Menlo"/>
+              <a:defRPr b="0" sz="1100">
+                <a:solidFill>
+                  <a:srgbClr val="5C2699"/>
+                </a:solidFill>
+                <a:latin typeface="Arial"/>
+                <a:ea typeface="Arial"/>
+                <a:cs typeface="Arial"/>
+                <a:sym typeface="Arial"/>
               </a:defRPr>
             </a:pPr>
             <a:r>
@@ -45001,9 +44683,9 @@
             </a:endParaRPr>
           </a:p>
           <a:p>
-            <a:pPr marL="457200" indent="-317500" defTabSz="457200">
+            <a:pPr marL="527755" indent="-388055" defTabSz="457200">
               <a:lnSpc>
-                <a:spcPts val="2300"/>
+                <a:spcPts val="1700"/>
               </a:lnSpc>
               <a:spcBef>
                 <a:spcPts val="0"/>
@@ -45014,14 +44696,14 @@
               <a:buSzPct val="100000"/>
               <a:buFont typeface="Menlo"/>
               <a:buChar char="•"/>
-              <a:defRPr b="0" sz="900">
-                <a:solidFill>
-                  <a:srgbClr val="C41A16"/>
-                </a:solidFill>
-                <a:latin typeface="Menlo"/>
-                <a:ea typeface="Menlo"/>
-                <a:cs typeface="Menlo"/>
-                <a:sym typeface="Menlo"/>
+              <a:defRPr b="0" sz="1100">
+                <a:solidFill>
+                  <a:srgbClr val="5C2699"/>
+                </a:solidFill>
+                <a:latin typeface="Arial"/>
+                <a:ea typeface="Arial"/>
+                <a:cs typeface="Arial"/>
+                <a:sym typeface="Arial"/>
               </a:defRPr>
             </a:pPr>
             <a:r>
@@ -45080,9 +44762,9 @@
             </a:endParaRPr>
           </a:p>
           <a:p>
-            <a:pPr marL="457200" indent="-317500" defTabSz="457200">
+            <a:pPr marL="527755" indent="-388055" defTabSz="457200">
               <a:lnSpc>
-                <a:spcPts val="2300"/>
+                <a:spcPts val="1700"/>
               </a:lnSpc>
               <a:spcBef>
                 <a:spcPts val="0"/>
@@ -45093,14 +44775,14 @@
               <a:buSzPct val="100000"/>
               <a:buFont typeface="Menlo"/>
               <a:buChar char="•"/>
-              <a:defRPr b="0" sz="900">
-                <a:solidFill>
-                  <a:srgbClr val="007400"/>
-                </a:solidFill>
-                <a:latin typeface="Menlo"/>
-                <a:ea typeface="Menlo"/>
-                <a:cs typeface="Menlo"/>
-                <a:sym typeface="Menlo"/>
+              <a:defRPr b="0" sz="1100">
+                <a:solidFill>
+                  <a:srgbClr val="5C2699"/>
+                </a:solidFill>
+                <a:latin typeface="Arial"/>
+                <a:ea typeface="Arial"/>
+                <a:cs typeface="Arial"/>
+                <a:sym typeface="Arial"/>
               </a:defRPr>
             </a:pPr>
             <a:r>
@@ -45117,8 +44799,8 @@
         </p:nvSpPr>
         <p:spPr>
           <a:xfrm>
-            <a:off x="576953" y="2970751"/>
-            <a:ext cx="2763402" cy="383541"/>
+            <a:off x="590985" y="3073650"/>
+            <a:ext cx="2499292" cy="509665"/>
           </a:xfrm>
           <a:prstGeom prst="rect">
             <a:avLst/>
@@ -45138,9 +44820,9 @@
           </a:bodyPr>
           <a:lstStyle/>
           <a:p>
-            <a:pPr marL="457200" indent="-317500" defTabSz="457200">
+            <a:pPr marL="527755" indent="-388055" defTabSz="457200">
               <a:lnSpc>
-                <a:spcPts val="2300"/>
+                <a:spcPts val="1700"/>
               </a:lnSpc>
               <a:spcBef>
                 <a:spcPts val="0"/>
@@ -45151,14 +44833,14 @@
               <a:buSzPct val="100000"/>
               <a:buFont typeface="Menlo"/>
               <a:buChar char="•"/>
-              <a:defRPr b="0" sz="900">
-                <a:solidFill>
-                  <a:srgbClr val="3F6E74"/>
-                </a:solidFill>
-                <a:latin typeface="Menlo"/>
-                <a:ea typeface="Menlo"/>
-                <a:cs typeface="Menlo"/>
-                <a:sym typeface="Menlo"/>
+              <a:defRPr b="0" sz="1100">
+                <a:solidFill>
+                  <a:srgbClr val="5C2699"/>
+                </a:solidFill>
+                <a:latin typeface="Arial"/>
+                <a:ea typeface="Arial"/>
+                <a:cs typeface="Arial"/>
+                <a:sym typeface="Arial"/>
               </a:defRPr>
             </a:pPr>
             <a:r>
@@ -45222,9 +44904,9 @@
             </a:endParaRPr>
           </a:p>
           <a:p>
-            <a:pPr marL="457200" indent="-317500" defTabSz="457200">
+            <a:pPr marL="527755" indent="-388055" defTabSz="457200">
               <a:lnSpc>
-                <a:spcPts val="2300"/>
+                <a:spcPts val="1700"/>
               </a:lnSpc>
               <a:spcBef>
                 <a:spcPts val="0"/>
@@ -45235,14 +44917,14 @@
               <a:buSzPct val="100000"/>
               <a:buFont typeface="Menlo"/>
               <a:buChar char="•"/>
-              <a:defRPr b="0" sz="900">
-                <a:solidFill>
-                  <a:srgbClr val="007400"/>
-                </a:solidFill>
-                <a:latin typeface="Menlo"/>
-                <a:ea typeface="Menlo"/>
-                <a:cs typeface="Menlo"/>
-                <a:sym typeface="Menlo"/>
+              <a:defRPr b="0" sz="1100">
+                <a:solidFill>
+                  <a:srgbClr val="5C2699"/>
+                </a:solidFill>
+                <a:latin typeface="Arial"/>
+                <a:ea typeface="Arial"/>
+                <a:cs typeface="Arial"/>
+                <a:sym typeface="Arial"/>
               </a:defRPr>
             </a:pPr>
             <a:r>
@@ -45259,8 +44941,8 @@
         </p:nvSpPr>
         <p:spPr>
           <a:xfrm>
-            <a:off x="576953" y="3532902"/>
-            <a:ext cx="5722421" cy="383541"/>
+            <a:off x="572276" y="3616651"/>
+            <a:ext cx="4914643" cy="509665"/>
           </a:xfrm>
           <a:prstGeom prst="rect">
             <a:avLst/>
@@ -45280,9 +44962,9 @@
           </a:bodyPr>
           <a:lstStyle/>
           <a:p>
-            <a:pPr marL="457200" indent="-317500" defTabSz="457200">
+            <a:pPr marL="527755" indent="-388055" defTabSz="457200">
               <a:lnSpc>
-                <a:spcPts val="2300"/>
+                <a:spcPts val="1700"/>
               </a:lnSpc>
               <a:spcBef>
                 <a:spcPts val="0"/>
@@ -45293,14 +44975,14 @@
               <a:buSzPct val="100000"/>
               <a:buFont typeface="Menlo"/>
               <a:buChar char="•"/>
-              <a:defRPr b="0" sz="900">
-                <a:solidFill>
-                  <a:srgbClr val="3F6E74"/>
-                </a:solidFill>
-                <a:latin typeface="Menlo"/>
-                <a:ea typeface="Menlo"/>
-                <a:cs typeface="Menlo"/>
-                <a:sym typeface="Menlo"/>
+              <a:defRPr b="0" sz="1100">
+                <a:solidFill>
+                  <a:srgbClr val="5C2699"/>
+                </a:solidFill>
+                <a:latin typeface="Arial"/>
+                <a:ea typeface="Arial"/>
+                <a:cs typeface="Arial"/>
+                <a:sym typeface="Arial"/>
               </a:defRPr>
             </a:pPr>
             <a:r>
@@ -45345,9 +45027,9 @@
             </a:endParaRPr>
           </a:p>
           <a:p>
-            <a:pPr marL="457200" indent="-317500" defTabSz="457200">
+            <a:pPr marL="527755" indent="-388055" defTabSz="457200">
               <a:lnSpc>
-                <a:spcPts val="2300"/>
+                <a:spcPts val="1700"/>
               </a:lnSpc>
               <a:spcBef>
                 <a:spcPts val="0"/>
@@ -45358,14 +45040,14 @@
               <a:buSzPct val="100000"/>
               <a:buFont typeface="Menlo"/>
               <a:buChar char="•"/>
-              <a:defRPr b="0" sz="900">
-                <a:solidFill>
-                  <a:srgbClr val="007400"/>
-                </a:solidFill>
-                <a:latin typeface="Menlo"/>
-                <a:ea typeface="Menlo"/>
-                <a:cs typeface="Menlo"/>
-                <a:sym typeface="Menlo"/>
+              <a:defRPr b="0" sz="1100">
+                <a:solidFill>
+                  <a:srgbClr val="5C2699"/>
+                </a:solidFill>
+                <a:latin typeface="Arial"/>
+                <a:ea typeface="Arial"/>
+                <a:cs typeface="Arial"/>
+                <a:sym typeface="Arial"/>
               </a:defRPr>
             </a:pPr>
             <a:r>
@@ -45383,7 +45065,7 @@
         <p:spPr>
           <a:xfrm>
             <a:off x="576953" y="4159652"/>
-            <a:ext cx="3589175" cy="383541"/>
+            <a:ext cx="3296087" cy="509666"/>
           </a:xfrm>
           <a:prstGeom prst="rect">
             <a:avLst/>
@@ -45403,9 +45085,9 @@
           </a:bodyPr>
           <a:lstStyle/>
           <a:p>
-            <a:pPr marL="457200" indent="-317500" defTabSz="457200">
+            <a:pPr marL="527755" indent="-388055" defTabSz="457200">
               <a:lnSpc>
-                <a:spcPts val="2300"/>
+                <a:spcPts val="1700"/>
               </a:lnSpc>
               <a:spcBef>
                 <a:spcPts val="0"/>
@@ -45416,14 +45098,14 @@
               <a:buSzPct val="100000"/>
               <a:buFont typeface="Menlo"/>
               <a:buChar char="•"/>
-              <a:defRPr b="0" sz="900">
-                <a:solidFill>
-                  <a:srgbClr val="3F6E74"/>
-                </a:solidFill>
-                <a:latin typeface="Menlo"/>
-                <a:ea typeface="Menlo"/>
-                <a:cs typeface="Menlo"/>
-                <a:sym typeface="Menlo"/>
+              <a:defRPr b="0" sz="1100">
+                <a:solidFill>
+                  <a:srgbClr val="5C2699"/>
+                </a:solidFill>
+                <a:latin typeface="Arial"/>
+                <a:ea typeface="Arial"/>
+                <a:cs typeface="Arial"/>
+                <a:sym typeface="Arial"/>
               </a:defRPr>
             </a:pPr>
             <a:r>
@@ -45508,9 +45190,9 @@
             </a:endParaRPr>
           </a:p>
           <a:p>
-            <a:pPr marL="457200" indent="-317500" defTabSz="457200">
+            <a:pPr marL="527755" indent="-388055" defTabSz="457200">
               <a:lnSpc>
-                <a:spcPts val="2300"/>
+                <a:spcPts val="1700"/>
               </a:lnSpc>
               <a:spcBef>
                 <a:spcPts val="0"/>
@@ -45521,14 +45203,14 @@
               <a:buSzPct val="100000"/>
               <a:buFont typeface="Menlo"/>
               <a:buChar char="•"/>
-              <a:defRPr b="0" sz="900">
-                <a:solidFill>
-                  <a:srgbClr val="007400"/>
-                </a:solidFill>
-                <a:latin typeface="Menlo"/>
-                <a:ea typeface="Menlo"/>
-                <a:cs typeface="Menlo"/>
-                <a:sym typeface="Menlo"/>
+              <a:defRPr b="0" sz="1100">
+                <a:solidFill>
+                  <a:srgbClr val="5C2699"/>
+                </a:solidFill>
+                <a:latin typeface="Arial"/>
+                <a:ea typeface="Arial"/>
+                <a:cs typeface="Arial"/>
+                <a:sym typeface="Arial"/>
               </a:defRPr>
             </a:pPr>
             <a:r>
@@ -45718,7 +45400,7 @@
         <p:spPr>
           <a:xfrm>
             <a:off x="558244" y="1572081"/>
-            <a:ext cx="4002061" cy="548641"/>
+            <a:ext cx="3456251" cy="725565"/>
           </a:xfrm>
           <a:prstGeom prst="rect">
             <a:avLst/>
@@ -45738,9 +45420,9 @@
           </a:bodyPr>
           <a:lstStyle/>
           <a:p>
-            <a:pPr marL="457200" indent="-317500" defTabSz="457200">
+            <a:pPr marL="527755" indent="-388055" defTabSz="457200">
               <a:lnSpc>
-                <a:spcPts val="2300"/>
+                <a:spcPts val="1700"/>
               </a:lnSpc>
               <a:spcBef>
                 <a:spcPts val="0"/>
@@ -45751,14 +45433,14 @@
               <a:buSzPct val="100000"/>
               <a:buFont typeface="Menlo"/>
               <a:buChar char="•"/>
-              <a:defRPr b="0" sz="900">
-                <a:solidFill>
-                  <a:srgbClr val="3F6E74"/>
-                </a:solidFill>
-                <a:latin typeface="Menlo"/>
-                <a:ea typeface="Menlo"/>
-                <a:cs typeface="Menlo"/>
-                <a:sym typeface="Menlo"/>
+              <a:defRPr b="0" sz="1100">
+                <a:solidFill>
+                  <a:srgbClr val="5C2699"/>
+                </a:solidFill>
+                <a:latin typeface="Arial"/>
+                <a:ea typeface="Arial"/>
+                <a:cs typeface="Arial"/>
+                <a:sym typeface="Arial"/>
               </a:defRPr>
             </a:pPr>
             <a:r>
@@ -45833,9 +45515,9 @@
             </a:endParaRPr>
           </a:p>
           <a:p>
-            <a:pPr marL="457200" indent="-317500" defTabSz="457200">
+            <a:pPr marL="527755" indent="-388055" defTabSz="457200">
               <a:lnSpc>
-                <a:spcPts val="2300"/>
+                <a:spcPts val="1700"/>
               </a:lnSpc>
               <a:spcBef>
                 <a:spcPts val="0"/>
@@ -45846,14 +45528,14 @@
               <a:buSzPct val="100000"/>
               <a:buFont typeface="Menlo"/>
               <a:buChar char="•"/>
-              <a:defRPr b="0" sz="900">
-                <a:solidFill>
-                  <a:srgbClr val="007400"/>
-                </a:solidFill>
-                <a:latin typeface="Menlo"/>
-                <a:ea typeface="Menlo"/>
-                <a:cs typeface="Menlo"/>
-                <a:sym typeface="Menlo"/>
+              <a:defRPr b="0" sz="1100">
+                <a:solidFill>
+                  <a:srgbClr val="5C2699"/>
+                </a:solidFill>
+                <a:latin typeface="Arial"/>
+                <a:ea typeface="Arial"/>
+                <a:cs typeface="Arial"/>
+                <a:sym typeface="Arial"/>
               </a:defRPr>
             </a:pPr>
             <a:r>
@@ -45866,9 +45548,9 @@
             </a:endParaRPr>
           </a:p>
           <a:p>
-            <a:pPr marL="457200" indent="-317500" defTabSz="457200">
+            <a:pPr marL="527755" indent="-388055" defTabSz="457200">
               <a:lnSpc>
-                <a:spcPts val="2300"/>
+                <a:spcPts val="1700"/>
               </a:lnSpc>
               <a:spcBef>
                 <a:spcPts val="0"/>
@@ -45879,14 +45561,14 @@
               <a:buSzPct val="100000"/>
               <a:buFont typeface="Menlo"/>
               <a:buChar char="•"/>
-              <a:defRPr b="0" sz="900">
-                <a:solidFill>
-                  <a:srgbClr val="007400"/>
-                </a:solidFill>
-                <a:latin typeface="Menlo"/>
-                <a:ea typeface="Menlo"/>
-                <a:cs typeface="Menlo"/>
-                <a:sym typeface="Menlo"/>
+              <a:defRPr b="0" sz="1100">
+                <a:solidFill>
+                  <a:srgbClr val="5C2699"/>
+                </a:solidFill>
+                <a:latin typeface="Arial"/>
+                <a:ea typeface="Arial"/>
+                <a:cs typeface="Arial"/>
+                <a:sym typeface="Arial"/>
               </a:defRPr>
             </a:pPr>
             <a:r>
@@ -45903,8 +45585,8 @@
         </p:nvSpPr>
         <p:spPr>
           <a:xfrm>
-            <a:off x="558244" y="2376566"/>
-            <a:ext cx="5722421" cy="713741"/>
+            <a:off x="558244" y="2320439"/>
+            <a:ext cx="5382447" cy="941465"/>
           </a:xfrm>
           <a:prstGeom prst="rect">
             <a:avLst/>
@@ -45924,9 +45606,9 @@
           </a:bodyPr>
           <a:lstStyle/>
           <a:p>
-            <a:pPr marL="457200" indent="-317500" defTabSz="457200">
+            <a:pPr marL="527755" indent="-388055" defTabSz="457200">
               <a:lnSpc>
-                <a:spcPts val="2300"/>
+                <a:spcPts val="1700"/>
               </a:lnSpc>
               <a:spcBef>
                 <a:spcPts val="0"/>
@@ -45937,14 +45619,14 @@
               <a:buSzPct val="100000"/>
               <a:buFont typeface="Menlo"/>
               <a:buChar char="•"/>
-              <a:defRPr b="0" sz="900">
-                <a:solidFill>
-                  <a:srgbClr val="3F6E74"/>
-                </a:solidFill>
-                <a:latin typeface="Menlo"/>
-                <a:ea typeface="Menlo"/>
-                <a:cs typeface="Menlo"/>
-                <a:sym typeface="Menlo"/>
+              <a:defRPr b="0" sz="1100">
+                <a:solidFill>
+                  <a:srgbClr val="5C2699"/>
+                </a:solidFill>
+                <a:latin typeface="Arial"/>
+                <a:ea typeface="Arial"/>
+                <a:cs typeface="Arial"/>
+                <a:sym typeface="Arial"/>
               </a:defRPr>
             </a:pPr>
             <a:r>
@@ -46030,9 +45712,9 @@
             </a:endParaRPr>
           </a:p>
           <a:p>
-            <a:pPr marL="457200" indent="-317500" defTabSz="457200">
+            <a:pPr marL="527755" indent="-388055" defTabSz="457200">
               <a:lnSpc>
-                <a:spcPts val="2300"/>
+                <a:spcPts val="1700"/>
               </a:lnSpc>
               <a:spcBef>
                 <a:spcPts val="0"/>
@@ -46043,14 +45725,14 @@
               <a:buSzPct val="100000"/>
               <a:buFont typeface="Menlo"/>
               <a:buChar char="•"/>
-              <a:defRPr b="0" sz="900">
-                <a:solidFill>
-                  <a:srgbClr val="007400"/>
-                </a:solidFill>
-                <a:latin typeface="Menlo"/>
-                <a:ea typeface="Menlo"/>
-                <a:cs typeface="Menlo"/>
-                <a:sym typeface="Menlo"/>
+              <a:defRPr b="0" sz="1100">
+                <a:solidFill>
+                  <a:srgbClr val="5C2699"/>
+                </a:solidFill>
+                <a:latin typeface="Arial"/>
+                <a:ea typeface="Arial"/>
+                <a:cs typeface="Arial"/>
+                <a:sym typeface="Arial"/>
               </a:defRPr>
             </a:pPr>
             <a:r>
@@ -46063,9 +45745,9 @@
             </a:endParaRPr>
           </a:p>
           <a:p>
-            <a:pPr marL="457200" indent="-317500" defTabSz="457200">
+            <a:pPr marL="527755" indent="-388055" defTabSz="457200">
               <a:lnSpc>
-                <a:spcPts val="2300"/>
+                <a:spcPts val="1700"/>
               </a:lnSpc>
               <a:spcBef>
                 <a:spcPts val="0"/>
@@ -46076,14 +45758,14 @@
               <a:buSzPct val="100000"/>
               <a:buFont typeface="Menlo"/>
               <a:buChar char="•"/>
-              <a:defRPr b="0" sz="900">
-                <a:solidFill>
-                  <a:srgbClr val="007400"/>
-                </a:solidFill>
-                <a:latin typeface="Menlo"/>
-                <a:ea typeface="Menlo"/>
-                <a:cs typeface="Menlo"/>
-                <a:sym typeface="Menlo"/>
+              <a:defRPr b="0" sz="1100">
+                <a:solidFill>
+                  <a:srgbClr val="5C2699"/>
+                </a:solidFill>
+                <a:latin typeface="Arial"/>
+                <a:ea typeface="Arial"/>
+                <a:cs typeface="Arial"/>
+                <a:sym typeface="Arial"/>
               </a:defRPr>
             </a:pPr>
             <a:r>
@@ -46096,9 +45778,9 @@
             </a:endParaRPr>
           </a:p>
           <a:p>
-            <a:pPr marL="457200" indent="-317500" defTabSz="457200">
+            <a:pPr marL="527755" indent="-388055" defTabSz="457200">
               <a:lnSpc>
-                <a:spcPts val="2300"/>
+                <a:spcPts val="1700"/>
               </a:lnSpc>
               <a:spcBef>
                 <a:spcPts val="0"/>
@@ -46109,14 +45791,14 @@
               <a:buSzPct val="100000"/>
               <a:buFont typeface="Menlo"/>
               <a:buChar char="•"/>
-              <a:defRPr b="0" sz="900">
-                <a:solidFill>
-                  <a:srgbClr val="007400"/>
-                </a:solidFill>
-                <a:latin typeface="Menlo"/>
-                <a:ea typeface="Menlo"/>
-                <a:cs typeface="Menlo"/>
-                <a:sym typeface="Menlo"/>
+              <a:defRPr b="0" sz="1100">
+                <a:solidFill>
+                  <a:srgbClr val="5C2699"/>
+                </a:solidFill>
+                <a:latin typeface="Arial"/>
+                <a:ea typeface="Arial"/>
+                <a:cs typeface="Arial"/>
+                <a:sym typeface="Arial"/>
               </a:defRPr>
             </a:pPr>
             <a:r>
@@ -46133,8 +45815,8 @@
         </p:nvSpPr>
         <p:spPr>
           <a:xfrm>
-            <a:off x="558244" y="3195083"/>
-            <a:ext cx="3245103" cy="383541"/>
+            <a:off x="553567" y="3251210"/>
+            <a:ext cx="2889607" cy="509665"/>
           </a:xfrm>
           <a:prstGeom prst="rect">
             <a:avLst/>
@@ -46154,9 +45836,9 @@
           </a:bodyPr>
           <a:lstStyle/>
           <a:p>
-            <a:pPr marL="457200" indent="-317500" defTabSz="457200">
+            <a:pPr marL="527755" indent="-388055" defTabSz="457200">
               <a:lnSpc>
-                <a:spcPts val="2300"/>
+                <a:spcPts val="1700"/>
               </a:lnSpc>
               <a:spcBef>
                 <a:spcPts val="0"/>
@@ -46167,14 +45849,14 @@
               <a:buSzPct val="100000"/>
               <a:buFont typeface="Menlo"/>
               <a:buChar char="•"/>
-              <a:defRPr b="0" sz="900">
-                <a:solidFill>
-                  <a:srgbClr val="3F6E74"/>
-                </a:solidFill>
-                <a:latin typeface="Menlo"/>
-                <a:ea typeface="Menlo"/>
-                <a:cs typeface="Menlo"/>
-                <a:sym typeface="Menlo"/>
+              <a:defRPr b="0" sz="1100">
+                <a:solidFill>
+                  <a:srgbClr val="5C2699"/>
+                </a:solidFill>
+                <a:latin typeface="Arial"/>
+                <a:ea typeface="Arial"/>
+                <a:cs typeface="Arial"/>
+                <a:sym typeface="Arial"/>
               </a:defRPr>
             </a:pPr>
             <a:r>
@@ -46222,9 +45904,9 @@
             </a:endParaRPr>
           </a:p>
           <a:p>
-            <a:pPr marL="457200" indent="-317500" defTabSz="457200">
+            <a:pPr marL="527755" indent="-388055" defTabSz="457200">
               <a:lnSpc>
-                <a:spcPts val="2300"/>
+                <a:spcPts val="1700"/>
               </a:lnSpc>
               <a:spcBef>
                 <a:spcPts val="0"/>
@@ -46235,14 +45917,14 @@
               <a:buSzPct val="100000"/>
               <a:buFont typeface="Menlo"/>
               <a:buChar char="•"/>
-              <a:defRPr b="0" sz="900">
-                <a:solidFill>
-                  <a:srgbClr val="007400"/>
-                </a:solidFill>
-                <a:latin typeface="Menlo"/>
-                <a:ea typeface="Menlo"/>
-                <a:cs typeface="Menlo"/>
-                <a:sym typeface="Menlo"/>
+              <a:defRPr b="0" sz="1100">
+                <a:solidFill>
+                  <a:srgbClr val="5C2699"/>
+                </a:solidFill>
+                <a:latin typeface="Arial"/>
+                <a:ea typeface="Arial"/>
+                <a:cs typeface="Arial"/>
+                <a:sym typeface="Arial"/>
               </a:defRPr>
             </a:pPr>
             <a:r>
@@ -46259,8 +45941,8 @@
         </p:nvSpPr>
         <p:spPr>
           <a:xfrm>
-            <a:off x="558244" y="3754266"/>
-            <a:ext cx="5103092" cy="713741"/>
+            <a:off x="548890" y="3824424"/>
+            <a:ext cx="4691586" cy="941466"/>
           </a:xfrm>
           <a:prstGeom prst="rect">
             <a:avLst/>
@@ -46280,9 +45962,9 @@
           </a:bodyPr>
           <a:lstStyle/>
           <a:p>
-            <a:pPr marL="457200" indent="-317500" defTabSz="457200">
+            <a:pPr marL="527755" indent="-388055" defTabSz="457200">
               <a:lnSpc>
-                <a:spcPts val="2300"/>
+                <a:spcPts val="1700"/>
               </a:lnSpc>
               <a:spcBef>
                 <a:spcPts val="0"/>
@@ -46293,14 +45975,14 @@
               <a:buSzPct val="100000"/>
               <a:buFont typeface="Menlo"/>
               <a:buChar char="•"/>
-              <a:defRPr b="0" sz="900">
-                <a:solidFill>
-                  <a:srgbClr val="3F6E74"/>
-                </a:solidFill>
-                <a:latin typeface="Menlo"/>
-                <a:ea typeface="Menlo"/>
-                <a:cs typeface="Menlo"/>
-                <a:sym typeface="Menlo"/>
+              <a:defRPr b="0" sz="1100">
+                <a:solidFill>
+                  <a:srgbClr val="5C2699"/>
+                </a:solidFill>
+                <a:latin typeface="Arial"/>
+                <a:ea typeface="Arial"/>
+                <a:cs typeface="Arial"/>
+                <a:sym typeface="Arial"/>
               </a:defRPr>
             </a:pPr>
             <a:r>
@@ -46359,9 +46041,9 @@
             </a:endParaRPr>
           </a:p>
           <a:p>
-            <a:pPr marL="457200" indent="-317500" defTabSz="457200">
+            <a:pPr marL="527755" indent="-388055" defTabSz="457200">
               <a:lnSpc>
-                <a:spcPts val="2300"/>
+                <a:spcPts val="1700"/>
               </a:lnSpc>
               <a:spcBef>
                 <a:spcPts val="0"/>
@@ -46372,14 +46054,14 @@
               <a:buSzPct val="100000"/>
               <a:buFont typeface="Menlo"/>
               <a:buChar char="•"/>
-              <a:defRPr b="0" sz="900">
-                <a:solidFill>
-                  <a:srgbClr val="007400"/>
-                </a:solidFill>
-                <a:latin typeface="Menlo"/>
-                <a:ea typeface="Menlo"/>
-                <a:cs typeface="Menlo"/>
-                <a:sym typeface="Menlo"/>
+              <a:defRPr b="0" sz="1100">
+                <a:solidFill>
+                  <a:srgbClr val="5C2699"/>
+                </a:solidFill>
+                <a:latin typeface="Arial"/>
+                <a:ea typeface="Arial"/>
+                <a:cs typeface="Arial"/>
+                <a:sym typeface="Arial"/>
               </a:defRPr>
             </a:pPr>
             <a:r>
@@ -46392,9 +46074,9 @@
             </a:endParaRPr>
           </a:p>
           <a:p>
-            <a:pPr marL="457200" indent="-317500" defTabSz="457200">
+            <a:pPr marL="527755" indent="-388055" defTabSz="457200">
               <a:lnSpc>
-                <a:spcPts val="2300"/>
+                <a:spcPts val="1700"/>
               </a:lnSpc>
               <a:spcBef>
                 <a:spcPts val="0"/>
@@ -46405,14 +46087,14 @@
               <a:buSzPct val="100000"/>
               <a:buFont typeface="Menlo"/>
               <a:buChar char="•"/>
-              <a:defRPr b="0" sz="900">
-                <a:solidFill>
-                  <a:srgbClr val="007400"/>
-                </a:solidFill>
-                <a:latin typeface="Menlo"/>
-                <a:ea typeface="Menlo"/>
-                <a:cs typeface="Menlo"/>
-                <a:sym typeface="Menlo"/>
+              <a:defRPr b="0" sz="1100">
+                <a:solidFill>
+                  <a:srgbClr val="5C2699"/>
+                </a:solidFill>
+                <a:latin typeface="Arial"/>
+                <a:ea typeface="Arial"/>
+                <a:cs typeface="Arial"/>
+                <a:sym typeface="Arial"/>
               </a:defRPr>
             </a:pPr>
             <a:r>
@@ -46425,9 +46107,9 @@
             </a:endParaRPr>
           </a:p>
           <a:p>
-            <a:pPr marL="457200" indent="-317500" defTabSz="457200">
+            <a:pPr marL="527755" indent="-388055" defTabSz="457200">
               <a:lnSpc>
-                <a:spcPts val="2300"/>
+                <a:spcPts val="1700"/>
               </a:lnSpc>
               <a:spcBef>
                 <a:spcPts val="0"/>
@@ -46438,14 +46120,14 @@
               <a:buSzPct val="100000"/>
               <a:buFont typeface="Menlo"/>
               <a:buChar char="•"/>
-              <a:defRPr b="0" sz="900">
-                <a:solidFill>
-                  <a:srgbClr val="007400"/>
-                </a:solidFill>
-                <a:latin typeface="Menlo"/>
-                <a:ea typeface="Menlo"/>
-                <a:cs typeface="Menlo"/>
-                <a:sym typeface="Menlo"/>
+              <a:defRPr b="0" sz="1100">
+                <a:solidFill>
+                  <a:srgbClr val="5C2699"/>
+                </a:solidFill>
+                <a:latin typeface="Arial"/>
+                <a:ea typeface="Arial"/>
+                <a:cs typeface="Arial"/>
+                <a:sym typeface="Arial"/>
               </a:defRPr>
             </a:pPr>
             <a:r>
@@ -46635,7 +46317,7 @@
         <p:spPr>
           <a:xfrm>
             <a:off x="558244" y="1572081"/>
-            <a:ext cx="2419330" cy="1374141"/>
+            <a:ext cx="2192744" cy="1805065"/>
           </a:xfrm>
           <a:prstGeom prst="rect">
             <a:avLst/>
@@ -46655,9 +46337,9 @@
           </a:bodyPr>
           <a:lstStyle/>
           <a:p>
-            <a:pPr marL="457200" indent="-317500" defTabSz="457200">
+            <a:pPr marL="527755" indent="-388055" defTabSz="457200">
               <a:lnSpc>
-                <a:spcPts val="2300"/>
+                <a:spcPts val="1700"/>
               </a:lnSpc>
               <a:spcBef>
                 <a:spcPts val="0"/>
@@ -46668,14 +46350,14 @@
               <a:buSzPct val="100000"/>
               <a:buFont typeface="Menlo"/>
               <a:buChar char="•"/>
-              <a:defRPr b="0" sz="900">
-                <a:solidFill>
-                  <a:srgbClr val="3F6E74"/>
-                </a:solidFill>
-                <a:latin typeface="Menlo"/>
-                <a:ea typeface="Menlo"/>
-                <a:cs typeface="Menlo"/>
-                <a:sym typeface="Menlo"/>
+              <a:defRPr b="0" sz="1100">
+                <a:solidFill>
+                  <a:srgbClr val="5C2699"/>
+                </a:solidFill>
+                <a:latin typeface="Arial"/>
+                <a:ea typeface="Arial"/>
+                <a:cs typeface="Arial"/>
+                <a:sym typeface="Arial"/>
               </a:defRPr>
             </a:pPr>
             <a:r>
@@ -46739,9 +46421,9 @@
             </a:endParaRPr>
           </a:p>
           <a:p>
-            <a:pPr marL="457200" indent="-317500" defTabSz="457200">
+            <a:pPr marL="527755" indent="-388055" defTabSz="457200">
               <a:lnSpc>
-                <a:spcPts val="2300"/>
+                <a:spcPts val="1700"/>
               </a:lnSpc>
               <a:spcBef>
                 <a:spcPts val="0"/>
@@ -46752,14 +46434,14 @@
               <a:buSzPct val="100000"/>
               <a:buFont typeface="Menlo"/>
               <a:buChar char="•"/>
-              <a:defRPr b="0" sz="900">
-                <a:solidFill>
-                  <a:srgbClr val="333333"/>
-                </a:solidFill>
-                <a:latin typeface="Menlo"/>
-                <a:ea typeface="Menlo"/>
-                <a:cs typeface="Menlo"/>
-                <a:sym typeface="Menlo"/>
+              <a:defRPr b="0" sz="1100">
+                <a:solidFill>
+                  <a:srgbClr val="5C2699"/>
+                </a:solidFill>
+                <a:latin typeface="Arial"/>
+                <a:ea typeface="Arial"/>
+                <a:cs typeface="Arial"/>
+                <a:sym typeface="Arial"/>
               </a:defRPr>
             </a:pPr>
             <a:r>
@@ -46789,9 +46471,9 @@
             </a:r>
           </a:p>
           <a:p>
-            <a:pPr marL="457200" indent="-317500" defTabSz="457200">
+            <a:pPr marL="527755" indent="-388055" defTabSz="457200">
               <a:lnSpc>
-                <a:spcPts val="2300"/>
+                <a:spcPts val="1700"/>
               </a:lnSpc>
               <a:spcBef>
                 <a:spcPts val="0"/>
@@ -46802,14 +46484,14 @@
               <a:buSzPct val="100000"/>
               <a:buFont typeface="Menlo"/>
               <a:buChar char="•"/>
-              <a:defRPr b="0" sz="900">
-                <a:solidFill>
-                  <a:srgbClr val="333333"/>
-                </a:solidFill>
-                <a:latin typeface="Menlo"/>
-                <a:ea typeface="Menlo"/>
-                <a:cs typeface="Menlo"/>
-                <a:sym typeface="Menlo"/>
+              <a:defRPr b="0" sz="1100">
+                <a:solidFill>
+                  <a:srgbClr val="5C2699"/>
+                </a:solidFill>
+                <a:latin typeface="Arial"/>
+                <a:ea typeface="Arial"/>
+                <a:cs typeface="Arial"/>
+                <a:sym typeface="Arial"/>
               </a:defRPr>
             </a:pPr>
             <a:r>
@@ -46817,9 +46499,9 @@
             </a:r>
           </a:p>
           <a:p>
-            <a:pPr marL="457200" indent="-317500" defTabSz="457200">
+            <a:pPr marL="527755" indent="-388055" defTabSz="457200">
               <a:lnSpc>
-                <a:spcPts val="2300"/>
+                <a:spcPts val="1700"/>
               </a:lnSpc>
               <a:spcBef>
                 <a:spcPts val="0"/>
@@ -46830,14 +46512,14 @@
               <a:buSzPct val="100000"/>
               <a:buFont typeface="Menlo"/>
               <a:buChar char="•"/>
-              <a:defRPr b="0" sz="900">
-                <a:solidFill>
-                  <a:srgbClr val="007400"/>
-                </a:solidFill>
-                <a:latin typeface="Menlo"/>
-                <a:ea typeface="Menlo"/>
-                <a:cs typeface="Menlo"/>
-                <a:sym typeface="Menlo"/>
+              <a:defRPr b="0" sz="1100">
+                <a:solidFill>
+                  <a:srgbClr val="5C2699"/>
+                </a:solidFill>
+                <a:latin typeface="Arial"/>
+                <a:ea typeface="Arial"/>
+                <a:cs typeface="Arial"/>
+                <a:sym typeface="Arial"/>
               </a:defRPr>
             </a:pPr>
             <a:r>
@@ -46850,9 +46532,9 @@
             </a:endParaRPr>
           </a:p>
           <a:p>
-            <a:pPr marL="457200" indent="-317500" defTabSz="457200">
+            <a:pPr marL="527755" indent="-388055" defTabSz="457200">
               <a:lnSpc>
-                <a:spcPts val="2300"/>
+                <a:spcPts val="1700"/>
               </a:lnSpc>
               <a:spcBef>
                 <a:spcPts val="0"/>
@@ -46863,14 +46545,14 @@
               <a:buSzPct val="100000"/>
               <a:buFont typeface="Menlo"/>
               <a:buChar char="•"/>
-              <a:defRPr b="0" sz="900">
-                <a:solidFill>
-                  <a:srgbClr val="007400"/>
-                </a:solidFill>
-                <a:latin typeface="Menlo"/>
-                <a:ea typeface="Menlo"/>
-                <a:cs typeface="Menlo"/>
-                <a:sym typeface="Menlo"/>
+              <a:defRPr b="0" sz="1100">
+                <a:solidFill>
+                  <a:srgbClr val="5C2699"/>
+                </a:solidFill>
+                <a:latin typeface="Arial"/>
+                <a:ea typeface="Arial"/>
+                <a:cs typeface="Arial"/>
+                <a:sym typeface="Arial"/>
               </a:defRPr>
             </a:pPr>
             <a:r>
@@ -46883,9 +46565,9 @@
             </a:endParaRPr>
           </a:p>
           <a:p>
-            <a:pPr marL="457200" indent="-317500" defTabSz="457200">
+            <a:pPr marL="527755" indent="-388055" defTabSz="457200">
               <a:lnSpc>
-                <a:spcPts val="2300"/>
+                <a:spcPts val="1700"/>
               </a:lnSpc>
               <a:spcBef>
                 <a:spcPts val="0"/>
@@ -46896,14 +46578,14 @@
               <a:buSzPct val="100000"/>
               <a:buFont typeface="Menlo"/>
               <a:buChar char="•"/>
-              <a:defRPr b="0" sz="900">
-                <a:solidFill>
-                  <a:srgbClr val="007400"/>
-                </a:solidFill>
-                <a:latin typeface="Menlo"/>
-                <a:ea typeface="Menlo"/>
-                <a:cs typeface="Menlo"/>
-                <a:sym typeface="Menlo"/>
+              <a:defRPr b="0" sz="1100">
+                <a:solidFill>
+                  <a:srgbClr val="5C2699"/>
+                </a:solidFill>
+                <a:latin typeface="Arial"/>
+                <a:ea typeface="Arial"/>
+                <a:cs typeface="Arial"/>
+                <a:sym typeface="Arial"/>
               </a:defRPr>
             </a:pPr>
             <a:r>
@@ -46916,9 +46598,9 @@
             </a:endParaRPr>
           </a:p>
           <a:p>
-            <a:pPr marL="457200" indent="-317500" defTabSz="457200">
+            <a:pPr marL="527755" indent="-388055" defTabSz="457200">
               <a:lnSpc>
-                <a:spcPts val="2300"/>
+                <a:spcPts val="1700"/>
               </a:lnSpc>
               <a:spcBef>
                 <a:spcPts val="0"/>
@@ -46929,14 +46611,14 @@
               <a:buSzPct val="100000"/>
               <a:buFont typeface="Menlo"/>
               <a:buChar char="•"/>
-              <a:defRPr b="0" sz="900">
-                <a:solidFill>
-                  <a:srgbClr val="007400"/>
-                </a:solidFill>
-                <a:latin typeface="Menlo"/>
-                <a:ea typeface="Menlo"/>
-                <a:cs typeface="Menlo"/>
-                <a:sym typeface="Menlo"/>
+              <a:defRPr b="0" sz="1100">
+                <a:solidFill>
+                  <a:srgbClr val="5C2699"/>
+                </a:solidFill>
+                <a:latin typeface="Arial"/>
+                <a:ea typeface="Arial"/>
+                <a:cs typeface="Arial"/>
+                <a:sym typeface="Arial"/>
               </a:defRPr>
             </a:pPr>
             <a:r>
@@ -46949,9 +46631,9 @@
             </a:endParaRPr>
           </a:p>
           <a:p>
-            <a:pPr marL="457200" indent="-317500" defTabSz="457200">
+            <a:pPr marL="527755" indent="-388055" defTabSz="457200">
               <a:lnSpc>
-                <a:spcPts val="2300"/>
+                <a:spcPts val="1700"/>
               </a:lnSpc>
               <a:spcBef>
                 <a:spcPts val="0"/>
@@ -46962,14 +46644,14 @@
               <a:buSzPct val="100000"/>
               <a:buFont typeface="Menlo"/>
               <a:buChar char="•"/>
-              <a:defRPr b="0" sz="900">
-                <a:solidFill>
-                  <a:srgbClr val="007400"/>
-                </a:solidFill>
-                <a:latin typeface="Menlo"/>
-                <a:ea typeface="Menlo"/>
-                <a:cs typeface="Menlo"/>
-                <a:sym typeface="Menlo"/>
+              <a:defRPr b="0" sz="1100">
+                <a:solidFill>
+                  <a:srgbClr val="5C2699"/>
+                </a:solidFill>
+                <a:latin typeface="Arial"/>
+                <a:ea typeface="Arial"/>
+                <a:cs typeface="Arial"/>
+                <a:sym typeface="Arial"/>
               </a:defRPr>
             </a:pPr>
             <a:r>
@@ -46986,8 +46668,8 @@
         </p:nvSpPr>
         <p:spPr>
           <a:xfrm>
-            <a:off x="558244" y="3154605"/>
-            <a:ext cx="4002061" cy="1539241"/>
+            <a:off x="4566637" y="1561267"/>
+            <a:ext cx="3644860" cy="2020966"/>
           </a:xfrm>
           <a:prstGeom prst="rect">
             <a:avLst/>
@@ -47007,9 +46689,9 @@
           </a:bodyPr>
           <a:lstStyle/>
           <a:p>
-            <a:pPr marL="457200" indent="-317500" defTabSz="457200">
+            <a:pPr marL="527755" indent="-388055" defTabSz="457200">
               <a:lnSpc>
-                <a:spcPts val="2300"/>
+                <a:spcPts val="1700"/>
               </a:lnSpc>
               <a:spcBef>
                 <a:spcPts val="0"/>
@@ -47020,14 +46702,14 @@
               <a:buSzPct val="100000"/>
               <a:buFont typeface="Menlo"/>
               <a:buChar char="•"/>
-              <a:defRPr b="0" sz="900">
-                <a:solidFill>
-                  <a:srgbClr val="3F6E74"/>
-                </a:solidFill>
-                <a:latin typeface="Menlo"/>
-                <a:ea typeface="Menlo"/>
-                <a:cs typeface="Menlo"/>
-                <a:sym typeface="Menlo"/>
+              <a:defRPr b="0" sz="1100">
+                <a:solidFill>
+                  <a:srgbClr val="5C2699"/>
+                </a:solidFill>
+                <a:latin typeface="Arial"/>
+                <a:ea typeface="Arial"/>
+                <a:cs typeface="Arial"/>
+                <a:sym typeface="Arial"/>
               </a:defRPr>
             </a:pPr>
             <a:r>
@@ -47113,9 +46795,9 @@
             </a:endParaRPr>
           </a:p>
           <a:p>
-            <a:pPr marL="457200" indent="-317500" defTabSz="457200">
+            <a:pPr marL="527755" indent="-388055" defTabSz="457200">
               <a:lnSpc>
-                <a:spcPts val="2300"/>
+                <a:spcPts val="1700"/>
               </a:lnSpc>
               <a:spcBef>
                 <a:spcPts val="0"/>
@@ -47126,14 +46808,14 @@
               <a:buSzPct val="100000"/>
               <a:buFont typeface="Menlo"/>
               <a:buChar char="•"/>
-              <a:defRPr b="0" sz="900">
-                <a:solidFill>
-                  <a:srgbClr val="333333"/>
-                </a:solidFill>
-                <a:latin typeface="Menlo"/>
-                <a:ea typeface="Menlo"/>
-                <a:cs typeface="Menlo"/>
-                <a:sym typeface="Menlo"/>
+              <a:defRPr b="0" sz="1100">
+                <a:solidFill>
+                  <a:srgbClr val="5C2699"/>
+                </a:solidFill>
+                <a:latin typeface="Arial"/>
+                <a:ea typeface="Arial"/>
+                <a:cs typeface="Arial"/>
+                <a:sym typeface="Arial"/>
               </a:defRPr>
             </a:pPr>
             <a:r>
@@ -47218,9 +46900,9 @@
             </a:r>
           </a:p>
           <a:p>
-            <a:pPr marL="457200" indent="-317500" defTabSz="457200">
+            <a:pPr marL="527755" indent="-388055" defTabSz="457200">
               <a:lnSpc>
-                <a:spcPts val="2300"/>
+                <a:spcPts val="1700"/>
               </a:lnSpc>
               <a:spcBef>
                 <a:spcPts val="0"/>
@@ -47231,14 +46913,14 @@
               <a:buSzPct val="100000"/>
               <a:buFont typeface="Menlo"/>
               <a:buChar char="•"/>
-              <a:defRPr b="0" sz="900">
-                <a:solidFill>
-                  <a:srgbClr val="333333"/>
-                </a:solidFill>
-                <a:latin typeface="Menlo"/>
-                <a:ea typeface="Menlo"/>
-                <a:cs typeface="Menlo"/>
-                <a:sym typeface="Menlo"/>
+              <a:defRPr b="0" sz="1100">
+                <a:solidFill>
+                  <a:srgbClr val="5C2699"/>
+                </a:solidFill>
+                <a:latin typeface="Arial"/>
+                <a:ea typeface="Arial"/>
+                <a:cs typeface="Arial"/>
+                <a:sym typeface="Arial"/>
               </a:defRPr>
             </a:pPr>
             <a:r>
@@ -47246,9 +46928,9 @@
             </a:r>
           </a:p>
           <a:p>
-            <a:pPr marL="457200" indent="-317500" defTabSz="457200">
+            <a:pPr marL="527755" indent="-388055" defTabSz="457200">
               <a:lnSpc>
-                <a:spcPts val="2300"/>
+                <a:spcPts val="1700"/>
               </a:lnSpc>
               <a:spcBef>
                 <a:spcPts val="0"/>
@@ -47259,14 +46941,14 @@
               <a:buSzPct val="100000"/>
               <a:buFont typeface="Menlo"/>
               <a:buChar char="•"/>
-              <a:defRPr b="0" sz="900">
-                <a:solidFill>
-                  <a:srgbClr val="007400"/>
-                </a:solidFill>
-                <a:latin typeface="Menlo"/>
-                <a:ea typeface="Menlo"/>
-                <a:cs typeface="Menlo"/>
-                <a:sym typeface="Menlo"/>
+              <a:defRPr b="0" sz="1100">
+                <a:solidFill>
+                  <a:srgbClr val="5C2699"/>
+                </a:solidFill>
+                <a:latin typeface="Arial"/>
+                <a:ea typeface="Arial"/>
+                <a:cs typeface="Arial"/>
+                <a:sym typeface="Arial"/>
               </a:defRPr>
             </a:pPr>
             <a:r>
@@ -47279,9 +46961,9 @@
             </a:endParaRPr>
           </a:p>
           <a:p>
-            <a:pPr marL="457200" indent="-317500" defTabSz="457200">
+            <a:pPr marL="527755" indent="-388055" defTabSz="457200">
               <a:lnSpc>
-                <a:spcPts val="2300"/>
+                <a:spcPts val="1700"/>
               </a:lnSpc>
               <a:spcBef>
                 <a:spcPts val="0"/>
@@ -47292,14 +46974,14 @@
               <a:buSzPct val="100000"/>
               <a:buFont typeface="Menlo"/>
               <a:buChar char="•"/>
-              <a:defRPr b="0" sz="900">
-                <a:solidFill>
-                  <a:srgbClr val="007400"/>
-                </a:solidFill>
-                <a:latin typeface="Menlo"/>
-                <a:ea typeface="Menlo"/>
-                <a:cs typeface="Menlo"/>
-                <a:sym typeface="Menlo"/>
+              <a:defRPr b="0" sz="1100">
+                <a:solidFill>
+                  <a:srgbClr val="5C2699"/>
+                </a:solidFill>
+                <a:latin typeface="Arial"/>
+                <a:ea typeface="Arial"/>
+                <a:cs typeface="Arial"/>
+                <a:sym typeface="Arial"/>
               </a:defRPr>
             </a:pPr>
             <a:r>
@@ -47312,9 +46994,9 @@
             </a:endParaRPr>
           </a:p>
           <a:p>
-            <a:pPr marL="457200" indent="-317500" defTabSz="457200">
+            <a:pPr marL="527755" indent="-388055" defTabSz="457200">
               <a:lnSpc>
-                <a:spcPts val="2300"/>
+                <a:spcPts val="1700"/>
               </a:lnSpc>
               <a:spcBef>
                 <a:spcPts val="0"/>
@@ -47325,14 +47007,14 @@
               <a:buSzPct val="100000"/>
               <a:buFont typeface="Menlo"/>
               <a:buChar char="•"/>
-              <a:defRPr b="0" sz="900">
-                <a:solidFill>
-                  <a:srgbClr val="007400"/>
-                </a:solidFill>
-                <a:latin typeface="Menlo"/>
-                <a:ea typeface="Menlo"/>
-                <a:cs typeface="Menlo"/>
-                <a:sym typeface="Menlo"/>
+              <a:defRPr b="0" sz="1100">
+                <a:solidFill>
+                  <a:srgbClr val="5C2699"/>
+                </a:solidFill>
+                <a:latin typeface="Arial"/>
+                <a:ea typeface="Arial"/>
+                <a:cs typeface="Arial"/>
+                <a:sym typeface="Arial"/>
               </a:defRPr>
             </a:pPr>
             <a:r>
@@ -47345,9 +47027,9 @@
             </a:endParaRPr>
           </a:p>
           <a:p>
-            <a:pPr marL="457200" indent="-317500" defTabSz="457200">
+            <a:pPr marL="527755" indent="-388055" defTabSz="457200">
               <a:lnSpc>
-                <a:spcPts val="2300"/>
+                <a:spcPts val="1700"/>
               </a:lnSpc>
               <a:spcBef>
                 <a:spcPts val="0"/>
@@ -47358,14 +47040,14 @@
               <a:buSzPct val="100000"/>
               <a:buFont typeface="Menlo"/>
               <a:buChar char="•"/>
-              <a:defRPr b="0" sz="900">
-                <a:solidFill>
-                  <a:srgbClr val="007400"/>
-                </a:solidFill>
-                <a:latin typeface="Menlo"/>
-                <a:ea typeface="Menlo"/>
-                <a:cs typeface="Menlo"/>
-                <a:sym typeface="Menlo"/>
+              <a:defRPr b="0" sz="1100">
+                <a:solidFill>
+                  <a:srgbClr val="5C2699"/>
+                </a:solidFill>
+                <a:latin typeface="Arial"/>
+                <a:ea typeface="Arial"/>
+                <a:cs typeface="Arial"/>
+                <a:sym typeface="Arial"/>
               </a:defRPr>
             </a:pPr>
             <a:r>
@@ -47378,9 +47060,9 @@
             </a:endParaRPr>
           </a:p>
           <a:p>
-            <a:pPr marL="457200" indent="-317500" defTabSz="457200">
+            <a:pPr marL="527755" indent="-388055" defTabSz="457200">
               <a:lnSpc>
-                <a:spcPts val="2300"/>
+                <a:spcPts val="1700"/>
               </a:lnSpc>
               <a:spcBef>
                 <a:spcPts val="0"/>
@@ -47391,14 +47073,14 @@
               <a:buSzPct val="100000"/>
               <a:buFont typeface="Menlo"/>
               <a:buChar char="•"/>
-              <a:defRPr b="0" sz="900">
-                <a:solidFill>
-                  <a:srgbClr val="007400"/>
-                </a:solidFill>
-                <a:latin typeface="Menlo"/>
-                <a:ea typeface="Menlo"/>
-                <a:cs typeface="Menlo"/>
-                <a:sym typeface="Menlo"/>
+              <a:defRPr b="0" sz="1100">
+                <a:solidFill>
+                  <a:srgbClr val="5C2699"/>
+                </a:solidFill>
+                <a:latin typeface="Arial"/>
+                <a:ea typeface="Arial"/>
+                <a:cs typeface="Arial"/>
+                <a:sym typeface="Arial"/>
               </a:defRPr>
             </a:pPr>
             <a:r>
@@ -47551,8 +47233,8 @@
         </p:nvSpPr>
         <p:spPr>
           <a:xfrm>
-            <a:off x="539535" y="2565273"/>
-            <a:ext cx="5515978" cy="548641"/>
+            <a:off x="539535" y="2237866"/>
+            <a:ext cx="4768326" cy="725566"/>
           </a:xfrm>
           <a:prstGeom prst="rect">
             <a:avLst/>
@@ -47572,9 +47254,9 @@
           </a:bodyPr>
           <a:lstStyle/>
           <a:p>
-            <a:pPr marL="457200" indent="-317500" defTabSz="457200">
+            <a:pPr marL="527755" indent="-388055" defTabSz="457200">
               <a:lnSpc>
-                <a:spcPts val="2300"/>
+                <a:spcPts val="1700"/>
               </a:lnSpc>
               <a:spcBef>
                 <a:spcPts val="0"/>
@@ -47585,14 +47267,14 @@
               <a:buSzPct val="100000"/>
               <a:buFont typeface="Menlo"/>
               <a:buChar char="•"/>
-              <a:defRPr b="0" sz="900">
+              <a:defRPr b="0" sz="1100">
                 <a:solidFill>
                   <a:srgbClr val="5C2699"/>
                 </a:solidFill>
-                <a:latin typeface="Menlo"/>
-                <a:ea typeface="Menlo"/>
-                <a:cs typeface="Menlo"/>
-                <a:sym typeface="Menlo"/>
+                <a:latin typeface="Arial"/>
+                <a:ea typeface="Arial"/>
+                <a:cs typeface="Arial"/>
+                <a:sym typeface="Arial"/>
               </a:defRPr>
             </a:pPr>
             <a:r>
@@ -47661,9 +47343,9 @@
             </a:endParaRPr>
           </a:p>
           <a:p>
-            <a:pPr marL="457200" indent="-317500" defTabSz="457200">
+            <a:pPr marL="527755" indent="-388055" defTabSz="457200">
               <a:lnSpc>
-                <a:spcPts val="2300"/>
+                <a:spcPts val="1700"/>
               </a:lnSpc>
               <a:spcBef>
                 <a:spcPts val="0"/>
@@ -47674,14 +47356,14 @@
               <a:buSzPct val="100000"/>
               <a:buFont typeface="Menlo"/>
               <a:buChar char="•"/>
-              <a:defRPr b="0" sz="900">
-                <a:solidFill>
-                  <a:srgbClr val="C41A16"/>
-                </a:solidFill>
-                <a:latin typeface="Menlo"/>
-                <a:ea typeface="Menlo"/>
-                <a:cs typeface="Menlo"/>
-                <a:sym typeface="Menlo"/>
+              <a:defRPr b="0" sz="1100">
+                <a:solidFill>
+                  <a:srgbClr val="5C2699"/>
+                </a:solidFill>
+                <a:latin typeface="Arial"/>
+                <a:ea typeface="Arial"/>
+                <a:cs typeface="Arial"/>
+                <a:sym typeface="Arial"/>
               </a:defRPr>
             </a:pPr>
             <a:r>
@@ -47761,9 +47443,9 @@
             </a:endParaRPr>
           </a:p>
           <a:p>
-            <a:pPr marL="457200" indent="-317500" defTabSz="457200">
+            <a:pPr marL="527755" indent="-388055" defTabSz="457200">
               <a:lnSpc>
-                <a:spcPts val="2300"/>
+                <a:spcPts val="1700"/>
               </a:lnSpc>
               <a:spcBef>
                 <a:spcPts val="0"/>
@@ -47774,14 +47456,14 @@
               <a:buSzPct val="100000"/>
               <a:buFont typeface="Menlo"/>
               <a:buChar char="•"/>
-              <a:defRPr b="0" sz="900">
-                <a:solidFill>
-                  <a:srgbClr val="007400"/>
-                </a:solidFill>
-                <a:latin typeface="Menlo"/>
-                <a:ea typeface="Menlo"/>
-                <a:cs typeface="Menlo"/>
-                <a:sym typeface="Menlo"/>
+              <a:defRPr b="0" sz="1100">
+                <a:solidFill>
+                  <a:srgbClr val="5C2699"/>
+                </a:solidFill>
+                <a:latin typeface="Arial"/>
+                <a:ea typeface="Arial"/>
+                <a:cs typeface="Arial"/>
+                <a:sym typeface="Arial"/>
               </a:defRPr>
             </a:pPr>
             <a:r>
@@ -47839,7 +47521,7 @@
         </p:nvSpPr>
         <p:spPr>
           <a:xfrm>
-            <a:off x="649067" y="2088009"/>
+            <a:off x="658421" y="1681090"/>
             <a:ext cx="2528302" cy="345441"/>
           </a:xfrm>
           <a:prstGeom prst="rect">
@@ -47880,8 +47562,8 @@
         </p:nvSpPr>
         <p:spPr>
           <a:xfrm>
-            <a:off x="525503" y="3421597"/>
-            <a:ext cx="5171907" cy="713741"/>
+            <a:off x="548890" y="3234507"/>
+            <a:ext cx="4537493" cy="941466"/>
           </a:xfrm>
           <a:prstGeom prst="rect">
             <a:avLst/>
@@ -47901,9 +47583,9 @@
           </a:bodyPr>
           <a:lstStyle/>
           <a:p>
-            <a:pPr marL="457200" indent="-317500" defTabSz="457200">
+            <a:pPr marL="527755" indent="-388055" defTabSz="457200">
               <a:lnSpc>
-                <a:spcPts val="2300"/>
+                <a:spcPts val="1700"/>
               </a:lnSpc>
               <a:spcBef>
                 <a:spcPts val="0"/>
@@ -47914,14 +47596,14 @@
               <a:buSzPct val="100000"/>
               <a:buFont typeface="Menlo"/>
               <a:buChar char="•"/>
-              <a:defRPr b="0" sz="900">
-                <a:solidFill>
-                  <a:srgbClr val="3F6E74"/>
-                </a:solidFill>
-                <a:latin typeface="Menlo"/>
-                <a:ea typeface="Menlo"/>
-                <a:cs typeface="Menlo"/>
-                <a:sym typeface="Menlo"/>
+              <a:defRPr b="0" sz="1100">
+                <a:solidFill>
+                  <a:srgbClr val="5C2699"/>
+                </a:solidFill>
+                <a:latin typeface="Arial"/>
+                <a:ea typeface="Arial"/>
+                <a:cs typeface="Arial"/>
+                <a:sym typeface="Arial"/>
               </a:defRPr>
             </a:pPr>
             <a:r>
@@ -47969,9 +47651,9 @@
             </a:endParaRPr>
           </a:p>
           <a:p>
-            <a:pPr marL="457200" indent="-317500" defTabSz="457200">
+            <a:pPr marL="527755" indent="-388055" defTabSz="457200">
               <a:lnSpc>
-                <a:spcPts val="2300"/>
+                <a:spcPts val="1700"/>
               </a:lnSpc>
               <a:spcBef>
                 <a:spcPts val="0"/>
@@ -47982,14 +47664,14 @@
               <a:buSzPct val="100000"/>
               <a:buFont typeface="Menlo"/>
               <a:buChar char="•"/>
-              <a:defRPr b="0" sz="900">
-                <a:solidFill>
-                  <a:srgbClr val="007400"/>
-                </a:solidFill>
-                <a:latin typeface="Menlo"/>
-                <a:ea typeface="Menlo"/>
-                <a:cs typeface="Menlo"/>
-                <a:sym typeface="Menlo"/>
+              <a:defRPr b="0" sz="1100">
+                <a:solidFill>
+                  <a:srgbClr val="5C2699"/>
+                </a:solidFill>
+                <a:latin typeface="Arial"/>
+                <a:ea typeface="Arial"/>
+                <a:cs typeface="Arial"/>
+                <a:sym typeface="Arial"/>
               </a:defRPr>
             </a:pPr>
             <a:r>
@@ -48002,9 +47684,9 @@
             </a:endParaRPr>
           </a:p>
           <a:p>
-            <a:pPr marL="457200" indent="-317500" defTabSz="457200">
+            <a:pPr marL="527755" indent="-388055" defTabSz="457200">
               <a:lnSpc>
-                <a:spcPts val="2300"/>
+                <a:spcPts val="1700"/>
               </a:lnSpc>
               <a:spcBef>
                 <a:spcPts val="0"/>
@@ -48015,14 +47697,14 @@
               <a:buSzPct val="100000"/>
               <a:buFont typeface="Menlo"/>
               <a:buChar char="•"/>
-              <a:defRPr b="0" sz="900">
-                <a:solidFill>
-                  <a:srgbClr val="3F6E74"/>
-                </a:solidFill>
-                <a:latin typeface="Menlo"/>
-                <a:ea typeface="Menlo"/>
-                <a:cs typeface="Menlo"/>
-                <a:sym typeface="Menlo"/>
+              <a:defRPr b="0" sz="1100">
+                <a:solidFill>
+                  <a:srgbClr val="5C2699"/>
+                </a:solidFill>
+                <a:latin typeface="Arial"/>
+                <a:ea typeface="Arial"/>
+                <a:cs typeface="Arial"/>
+                <a:sym typeface="Arial"/>
               </a:defRPr>
             </a:pPr>
             <a:r>
@@ -48043,9 +47725,9 @@
             </a:endParaRPr>
           </a:p>
           <a:p>
-            <a:pPr marL="457200" indent="-317500" defTabSz="457200">
+            <a:pPr marL="527755" indent="-388055" defTabSz="457200">
               <a:lnSpc>
-                <a:spcPts val="2300"/>
+                <a:spcPts val="1700"/>
               </a:lnSpc>
               <a:spcBef>
                 <a:spcPts val="0"/>
@@ -48056,14 +47738,14 @@
               <a:buSzPct val="100000"/>
               <a:buFont typeface="Menlo"/>
               <a:buChar char="•"/>
-              <a:defRPr b="0" sz="900">
-                <a:solidFill>
-                  <a:srgbClr val="007400"/>
-                </a:solidFill>
-                <a:latin typeface="Menlo"/>
-                <a:ea typeface="Menlo"/>
-                <a:cs typeface="Menlo"/>
-                <a:sym typeface="Menlo"/>
+              <a:defRPr b="0" sz="1100">
+                <a:solidFill>
+                  <a:srgbClr val="5C2699"/>
+                </a:solidFill>
+                <a:latin typeface="Arial"/>
+                <a:ea typeface="Arial"/>
+                <a:cs typeface="Arial"/>
+                <a:sym typeface="Arial"/>
               </a:defRPr>
             </a:pPr>
             <a:r>
